--- a/uj.masters.dissertation.writing/country sector relationships.pptx
+++ b/uj.masters.dissertation.writing/country sector relationships.pptx
@@ -15,6 +15,12 @@
     <p:sldId id="264" r:id="rId12"/>
     <p:sldId id="265" r:id="rId13"/>
     <p:sldId id="257" r:id="rId14"/>
+    <p:sldId id="266" r:id="rId15"/>
+    <p:sldId id="267" r:id="rId16"/>
+    <p:sldId id="268" r:id="rId17"/>
+    <p:sldId id="269" r:id="rId18"/>
+    <p:sldId id="270" r:id="rId19"/>
+    <p:sldId id="271" r:id="rId20"/>
   </p:sldIdLst>
   <p:sldSz cx="12192000" cy="6858000"/>
   <p:notesSz cx="6858000" cy="9144000"/>
@@ -263,7 +269,7 @@
           <a:p>
             <a:fld id="{52F3DC25-B1E4-45A0-96D8-F98ADA48E297}" type="datetimeFigureOut">
               <a:rPr lang="en-ZA" smtClean="0"/>
-              <a:t>2019/09/27</a:t>
+              <a:t>2019/10/20</a:t>
             </a:fld>
             <a:endParaRPr lang="en-ZA"/>
           </a:p>
@@ -433,7 +439,7 @@
           <a:p>
             <a:fld id="{52F3DC25-B1E4-45A0-96D8-F98ADA48E297}" type="datetimeFigureOut">
               <a:rPr lang="en-ZA" smtClean="0"/>
-              <a:t>2019/09/27</a:t>
+              <a:t>2019/10/20</a:t>
             </a:fld>
             <a:endParaRPr lang="en-ZA"/>
           </a:p>
@@ -613,7 +619,7 @@
           <a:p>
             <a:fld id="{52F3DC25-B1E4-45A0-96D8-F98ADA48E297}" type="datetimeFigureOut">
               <a:rPr lang="en-ZA" smtClean="0"/>
-              <a:t>2019/09/27</a:t>
+              <a:t>2019/10/20</a:t>
             </a:fld>
             <a:endParaRPr lang="en-ZA"/>
           </a:p>
@@ -783,7 +789,7 @@
           <a:p>
             <a:fld id="{52F3DC25-B1E4-45A0-96D8-F98ADA48E297}" type="datetimeFigureOut">
               <a:rPr lang="en-ZA" smtClean="0"/>
-              <a:t>2019/09/27</a:t>
+              <a:t>2019/10/20</a:t>
             </a:fld>
             <a:endParaRPr lang="en-ZA"/>
           </a:p>
@@ -1029,7 +1035,7 @@
           <a:p>
             <a:fld id="{52F3DC25-B1E4-45A0-96D8-F98ADA48E297}" type="datetimeFigureOut">
               <a:rPr lang="en-ZA" smtClean="0"/>
-              <a:t>2019/09/27</a:t>
+              <a:t>2019/10/20</a:t>
             </a:fld>
             <a:endParaRPr lang="en-ZA"/>
           </a:p>
@@ -1261,7 +1267,7 @@
           <a:p>
             <a:fld id="{52F3DC25-B1E4-45A0-96D8-F98ADA48E297}" type="datetimeFigureOut">
               <a:rPr lang="en-ZA" smtClean="0"/>
-              <a:t>2019/09/27</a:t>
+              <a:t>2019/10/20</a:t>
             </a:fld>
             <a:endParaRPr lang="en-ZA"/>
           </a:p>
@@ -1628,7 +1634,7 @@
           <a:p>
             <a:fld id="{52F3DC25-B1E4-45A0-96D8-F98ADA48E297}" type="datetimeFigureOut">
               <a:rPr lang="en-ZA" smtClean="0"/>
-              <a:t>2019/09/27</a:t>
+              <a:t>2019/10/20</a:t>
             </a:fld>
             <a:endParaRPr lang="en-ZA"/>
           </a:p>
@@ -1746,7 +1752,7 @@
           <a:p>
             <a:fld id="{52F3DC25-B1E4-45A0-96D8-F98ADA48E297}" type="datetimeFigureOut">
               <a:rPr lang="en-ZA" smtClean="0"/>
-              <a:t>2019/09/27</a:t>
+              <a:t>2019/10/20</a:t>
             </a:fld>
             <a:endParaRPr lang="en-ZA"/>
           </a:p>
@@ -1841,7 +1847,7 @@
           <a:p>
             <a:fld id="{52F3DC25-B1E4-45A0-96D8-F98ADA48E297}" type="datetimeFigureOut">
               <a:rPr lang="en-ZA" smtClean="0"/>
-              <a:t>2019/09/27</a:t>
+              <a:t>2019/10/20</a:t>
             </a:fld>
             <a:endParaRPr lang="en-ZA"/>
           </a:p>
@@ -2118,7 +2124,7 @@
           <a:p>
             <a:fld id="{52F3DC25-B1E4-45A0-96D8-F98ADA48E297}" type="datetimeFigureOut">
               <a:rPr lang="en-ZA" smtClean="0"/>
-              <a:t>2019/09/27</a:t>
+              <a:t>2019/10/20</a:t>
             </a:fld>
             <a:endParaRPr lang="en-ZA"/>
           </a:p>
@@ -2371,7 +2377,7 @@
           <a:p>
             <a:fld id="{52F3DC25-B1E4-45A0-96D8-F98ADA48E297}" type="datetimeFigureOut">
               <a:rPr lang="en-ZA" smtClean="0"/>
-              <a:t>2019/09/27</a:t>
+              <a:t>2019/10/20</a:t>
             </a:fld>
             <a:endParaRPr lang="en-ZA"/>
           </a:p>
@@ -2584,7 +2590,7 @@
           <a:p>
             <a:fld id="{52F3DC25-B1E4-45A0-96D8-F98ADA48E297}" type="datetimeFigureOut">
               <a:rPr lang="en-ZA" smtClean="0"/>
-              <a:t>2019/09/27</a:t>
+              <a:t>2019/10/20</a:t>
             </a:fld>
             <a:endParaRPr lang="en-ZA"/>
           </a:p>
@@ -4337,6 +4343,6533 @@
 </p:sld>
 </file>
 
+<file path=ppt/slides/slide11.xml><?xml version="1.0" encoding="utf-8"?>
+<p:sld xmlns:a="http://schemas.openxmlformats.org/drawingml/2006/main" xmlns:r="http://schemas.openxmlformats.org/officeDocument/2006/relationships" xmlns:p="http://schemas.openxmlformats.org/presentationml/2006/main">
+  <p:cSld>
+    <p:spTree>
+      <p:nvGrpSpPr>
+        <p:cNvPr id="1" name=""/>
+        <p:cNvGrpSpPr/>
+        <p:nvPr/>
+      </p:nvGrpSpPr>
+      <p:grpSpPr>
+        <a:xfrm>
+          <a:off x="0" y="0"/>
+          <a:ext cx="0" cy="0"/>
+          <a:chOff x="0" y="0"/>
+          <a:chExt cx="0" cy="0"/>
+        </a:xfrm>
+      </p:grpSpPr>
+      <p:sp>
+        <p:nvSpPr>
+          <p:cNvPr id="31" name="Oval 30"/>
+          <p:cNvSpPr/>
+          <p:nvPr/>
+        </p:nvSpPr>
+        <p:spPr>
+          <a:xfrm>
+            <a:off x="7822757" y="3453119"/>
+            <a:ext cx="386702" cy="386702"/>
+          </a:xfrm>
+          <a:prstGeom prst="ellipse">
+            <a:avLst/>
+          </a:prstGeom>
+        </p:spPr>
+        <p:style>
+          <a:lnRef idx="2">
+            <a:schemeClr val="accent1">
+              <a:shade val="50000"/>
+            </a:schemeClr>
+          </a:lnRef>
+          <a:fillRef idx="1">
+            <a:schemeClr val="accent1"/>
+          </a:fillRef>
+          <a:effectRef idx="0">
+            <a:schemeClr val="accent1"/>
+          </a:effectRef>
+          <a:fontRef idx="minor">
+            <a:schemeClr val="lt1"/>
+          </a:fontRef>
+        </p:style>
+        <p:txBody>
+          <a:bodyPr rtlCol="0" anchor="ctr"/>
+          <a:lstStyle/>
+          <a:p>
+            <a:pPr algn="ctr"/>
+            <a:r>
+              <a:rPr lang="en-ZA" dirty="0"/>
+              <a:t>F</a:t>
+            </a:r>
+          </a:p>
+        </p:txBody>
+      </p:sp>
+      <p:sp>
+        <p:nvSpPr>
+          <p:cNvPr id="32" name="Oval 31"/>
+          <p:cNvSpPr/>
+          <p:nvPr/>
+        </p:nvSpPr>
+        <p:spPr>
+          <a:xfrm>
+            <a:off x="7642852" y="3919884"/>
+            <a:ext cx="386702" cy="386702"/>
+          </a:xfrm>
+          <a:prstGeom prst="ellipse">
+            <a:avLst/>
+          </a:prstGeom>
+        </p:spPr>
+        <p:style>
+          <a:lnRef idx="2">
+            <a:schemeClr val="accent1">
+              <a:shade val="50000"/>
+            </a:schemeClr>
+          </a:lnRef>
+          <a:fillRef idx="1">
+            <a:schemeClr val="accent1"/>
+          </a:fillRef>
+          <a:effectRef idx="0">
+            <a:schemeClr val="accent1"/>
+          </a:effectRef>
+          <a:fontRef idx="minor">
+            <a:schemeClr val="lt1"/>
+          </a:fontRef>
+        </p:style>
+        <p:txBody>
+          <a:bodyPr rtlCol="0" anchor="ctr"/>
+          <a:lstStyle/>
+          <a:p>
+            <a:pPr algn="ctr"/>
+            <a:r>
+              <a:rPr lang="en-ZA" dirty="0"/>
+              <a:t>I</a:t>
+            </a:r>
+          </a:p>
+        </p:txBody>
+      </p:sp>
+      <p:sp>
+        <p:nvSpPr>
+          <p:cNvPr id="33" name="Oval 32"/>
+          <p:cNvSpPr/>
+          <p:nvPr/>
+        </p:nvSpPr>
+        <p:spPr>
+          <a:xfrm>
+            <a:off x="7317421" y="4342657"/>
+            <a:ext cx="386702" cy="386702"/>
+          </a:xfrm>
+          <a:prstGeom prst="ellipse">
+            <a:avLst/>
+          </a:prstGeom>
+        </p:spPr>
+        <p:style>
+          <a:lnRef idx="2">
+            <a:schemeClr val="accent1">
+              <a:shade val="50000"/>
+            </a:schemeClr>
+          </a:lnRef>
+          <a:fillRef idx="1">
+            <a:schemeClr val="accent1"/>
+          </a:fillRef>
+          <a:effectRef idx="0">
+            <a:schemeClr val="accent1"/>
+          </a:effectRef>
+          <a:fontRef idx="minor">
+            <a:schemeClr val="lt1"/>
+          </a:fontRef>
+        </p:style>
+        <p:txBody>
+          <a:bodyPr rtlCol="0" anchor="ctr"/>
+          <a:lstStyle/>
+          <a:p>
+            <a:pPr algn="ctr"/>
+            <a:r>
+              <a:rPr lang="en-ZA" dirty="0"/>
+              <a:t>R</a:t>
+            </a:r>
+          </a:p>
+        </p:txBody>
+      </p:sp>
+      <p:sp>
+        <p:nvSpPr>
+          <p:cNvPr id="34" name="Oval 33"/>
+          <p:cNvSpPr/>
+          <p:nvPr/>
+        </p:nvSpPr>
+        <p:spPr>
+          <a:xfrm>
+            <a:off x="6427483" y="4847175"/>
+            <a:ext cx="386702" cy="386702"/>
+          </a:xfrm>
+          <a:prstGeom prst="ellipse">
+            <a:avLst/>
+          </a:prstGeom>
+        </p:spPr>
+        <p:style>
+          <a:lnRef idx="2">
+            <a:schemeClr val="accent1">
+              <a:shade val="50000"/>
+            </a:schemeClr>
+          </a:lnRef>
+          <a:fillRef idx="1">
+            <a:schemeClr val="accent1"/>
+          </a:fillRef>
+          <a:effectRef idx="0">
+            <a:schemeClr val="accent1"/>
+          </a:effectRef>
+          <a:fontRef idx="minor">
+            <a:schemeClr val="lt1"/>
+          </a:fontRef>
+        </p:style>
+        <p:txBody>
+          <a:bodyPr rtlCol="0" anchor="ctr"/>
+          <a:lstStyle/>
+          <a:p>
+            <a:pPr algn="ctr"/>
+            <a:r>
+              <a:rPr lang="en-ZA" dirty="0"/>
+              <a:t>F</a:t>
+            </a:r>
+          </a:p>
+        </p:txBody>
+      </p:sp>
+      <p:sp>
+        <p:nvSpPr>
+          <p:cNvPr id="35" name="Oval 34"/>
+          <p:cNvSpPr/>
+          <p:nvPr/>
+        </p:nvSpPr>
+        <p:spPr>
+          <a:xfrm>
+            <a:off x="5917230" y="4914185"/>
+            <a:ext cx="386702" cy="386702"/>
+          </a:xfrm>
+          <a:prstGeom prst="ellipse">
+            <a:avLst/>
+          </a:prstGeom>
+        </p:spPr>
+        <p:style>
+          <a:lnRef idx="2">
+            <a:schemeClr val="accent1">
+              <a:shade val="50000"/>
+            </a:schemeClr>
+          </a:lnRef>
+          <a:fillRef idx="1">
+            <a:schemeClr val="accent1"/>
+          </a:fillRef>
+          <a:effectRef idx="0">
+            <a:schemeClr val="accent1"/>
+          </a:effectRef>
+          <a:fontRef idx="minor">
+            <a:schemeClr val="lt1"/>
+          </a:fontRef>
+        </p:style>
+        <p:txBody>
+          <a:bodyPr rtlCol="0" anchor="ctr"/>
+          <a:lstStyle/>
+          <a:p>
+            <a:pPr algn="ctr"/>
+            <a:r>
+              <a:rPr lang="en-ZA" dirty="0"/>
+              <a:t>I</a:t>
+            </a:r>
+          </a:p>
+        </p:txBody>
+      </p:sp>
+      <p:sp>
+        <p:nvSpPr>
+          <p:cNvPr id="36" name="Oval 35"/>
+          <p:cNvSpPr/>
+          <p:nvPr/>
+        </p:nvSpPr>
+        <p:spPr>
+          <a:xfrm>
+            <a:off x="5410524" y="4841553"/>
+            <a:ext cx="386702" cy="386702"/>
+          </a:xfrm>
+          <a:prstGeom prst="ellipse">
+            <a:avLst/>
+          </a:prstGeom>
+        </p:spPr>
+        <p:style>
+          <a:lnRef idx="2">
+            <a:schemeClr val="accent1">
+              <a:shade val="50000"/>
+            </a:schemeClr>
+          </a:lnRef>
+          <a:fillRef idx="1">
+            <a:schemeClr val="accent1"/>
+          </a:fillRef>
+          <a:effectRef idx="0">
+            <a:schemeClr val="accent1"/>
+          </a:effectRef>
+          <a:fontRef idx="minor">
+            <a:schemeClr val="lt1"/>
+          </a:fontRef>
+        </p:style>
+        <p:txBody>
+          <a:bodyPr rtlCol="0" anchor="ctr"/>
+          <a:lstStyle/>
+          <a:p>
+            <a:pPr algn="ctr"/>
+            <a:r>
+              <a:rPr lang="en-ZA" dirty="0"/>
+              <a:t>R</a:t>
+            </a:r>
+          </a:p>
+        </p:txBody>
+      </p:sp>
+      <p:sp>
+        <p:nvSpPr>
+          <p:cNvPr id="37" name="Oval 36"/>
+          <p:cNvSpPr/>
+          <p:nvPr/>
+        </p:nvSpPr>
+        <p:spPr>
+          <a:xfrm>
+            <a:off x="7855662" y="2476779"/>
+            <a:ext cx="386702" cy="386702"/>
+          </a:xfrm>
+          <a:prstGeom prst="ellipse">
+            <a:avLst/>
+          </a:prstGeom>
+        </p:spPr>
+        <p:style>
+          <a:lnRef idx="2">
+            <a:schemeClr val="accent1">
+              <a:shade val="50000"/>
+            </a:schemeClr>
+          </a:lnRef>
+          <a:fillRef idx="1">
+            <a:schemeClr val="accent1"/>
+          </a:fillRef>
+          <a:effectRef idx="0">
+            <a:schemeClr val="accent1"/>
+          </a:effectRef>
+          <a:fontRef idx="minor">
+            <a:schemeClr val="lt1"/>
+          </a:fontRef>
+        </p:style>
+        <p:txBody>
+          <a:bodyPr rtlCol="0" anchor="ctr"/>
+          <a:lstStyle/>
+          <a:p>
+            <a:pPr algn="ctr"/>
+            <a:r>
+              <a:rPr lang="en-ZA" dirty="0"/>
+              <a:t>R</a:t>
+            </a:r>
+          </a:p>
+        </p:txBody>
+      </p:sp>
+      <p:sp>
+        <p:nvSpPr>
+          <p:cNvPr id="38" name="Oval 37"/>
+          <p:cNvSpPr/>
+          <p:nvPr/>
+        </p:nvSpPr>
+        <p:spPr>
+          <a:xfrm>
+            <a:off x="7671591" y="1967626"/>
+            <a:ext cx="386702" cy="386702"/>
+          </a:xfrm>
+          <a:prstGeom prst="ellipse">
+            <a:avLst/>
+          </a:prstGeom>
+        </p:spPr>
+        <p:style>
+          <a:lnRef idx="2">
+            <a:schemeClr val="accent1">
+              <a:shade val="50000"/>
+            </a:schemeClr>
+          </a:lnRef>
+          <a:fillRef idx="1">
+            <a:schemeClr val="accent1"/>
+          </a:fillRef>
+          <a:effectRef idx="0">
+            <a:schemeClr val="accent1"/>
+          </a:effectRef>
+          <a:fontRef idx="minor">
+            <a:schemeClr val="lt1"/>
+          </a:fontRef>
+        </p:style>
+        <p:txBody>
+          <a:bodyPr rtlCol="0" anchor="ctr"/>
+          <a:lstStyle/>
+          <a:p>
+            <a:pPr algn="ctr"/>
+            <a:r>
+              <a:rPr lang="en-ZA" dirty="0"/>
+              <a:t>I</a:t>
+            </a:r>
+          </a:p>
+        </p:txBody>
+      </p:sp>
+      <p:sp>
+        <p:nvSpPr>
+          <p:cNvPr id="39" name="Oval 38"/>
+          <p:cNvSpPr/>
+          <p:nvPr/>
+        </p:nvSpPr>
+        <p:spPr>
+          <a:xfrm>
+            <a:off x="7329249" y="1520728"/>
+            <a:ext cx="386702" cy="386702"/>
+          </a:xfrm>
+          <a:prstGeom prst="ellipse">
+            <a:avLst/>
+          </a:prstGeom>
+        </p:spPr>
+        <p:style>
+          <a:lnRef idx="2">
+            <a:schemeClr val="accent1">
+              <a:shade val="50000"/>
+            </a:schemeClr>
+          </a:lnRef>
+          <a:fillRef idx="1">
+            <a:schemeClr val="accent1"/>
+          </a:fillRef>
+          <a:effectRef idx="0">
+            <a:schemeClr val="accent1"/>
+          </a:effectRef>
+          <a:fontRef idx="minor">
+            <a:schemeClr val="lt1"/>
+          </a:fontRef>
+        </p:style>
+        <p:txBody>
+          <a:bodyPr rtlCol="0" anchor="ctr"/>
+          <a:lstStyle/>
+          <a:p>
+            <a:pPr algn="ctr"/>
+            <a:r>
+              <a:rPr lang="en-ZA" dirty="0"/>
+              <a:t>F</a:t>
+            </a:r>
+          </a:p>
+        </p:txBody>
+      </p:sp>
+      <p:sp>
+        <p:nvSpPr>
+          <p:cNvPr id="40" name="Oval 39"/>
+          <p:cNvSpPr/>
+          <p:nvPr/>
+        </p:nvSpPr>
+        <p:spPr>
+          <a:xfrm>
+            <a:off x="4534862" y="4331311"/>
+            <a:ext cx="386702" cy="386702"/>
+          </a:xfrm>
+          <a:prstGeom prst="ellipse">
+            <a:avLst/>
+          </a:prstGeom>
+        </p:spPr>
+        <p:style>
+          <a:lnRef idx="2">
+            <a:schemeClr val="accent1">
+              <a:shade val="50000"/>
+            </a:schemeClr>
+          </a:lnRef>
+          <a:fillRef idx="1">
+            <a:schemeClr val="accent1"/>
+          </a:fillRef>
+          <a:effectRef idx="0">
+            <a:schemeClr val="accent1"/>
+          </a:effectRef>
+          <a:fontRef idx="minor">
+            <a:schemeClr val="lt1"/>
+          </a:fontRef>
+        </p:style>
+        <p:txBody>
+          <a:bodyPr rtlCol="0" anchor="ctr"/>
+          <a:lstStyle/>
+          <a:p>
+            <a:pPr algn="ctr"/>
+            <a:r>
+              <a:rPr lang="en-ZA" dirty="0"/>
+              <a:t>F</a:t>
+            </a:r>
+          </a:p>
+        </p:txBody>
+      </p:sp>
+      <p:sp>
+        <p:nvSpPr>
+          <p:cNvPr id="41" name="Oval 40"/>
+          <p:cNvSpPr/>
+          <p:nvPr/>
+        </p:nvSpPr>
+        <p:spPr>
+          <a:xfrm>
+            <a:off x="4217449" y="3915623"/>
+            <a:ext cx="386702" cy="386702"/>
+          </a:xfrm>
+          <a:prstGeom prst="ellipse">
+            <a:avLst/>
+          </a:prstGeom>
+        </p:spPr>
+        <p:style>
+          <a:lnRef idx="2">
+            <a:schemeClr val="accent1">
+              <a:shade val="50000"/>
+            </a:schemeClr>
+          </a:lnRef>
+          <a:fillRef idx="1">
+            <a:schemeClr val="accent1"/>
+          </a:fillRef>
+          <a:effectRef idx="0">
+            <a:schemeClr val="accent1"/>
+          </a:effectRef>
+          <a:fontRef idx="minor">
+            <a:schemeClr val="lt1"/>
+          </a:fontRef>
+        </p:style>
+        <p:txBody>
+          <a:bodyPr rtlCol="0" anchor="ctr"/>
+          <a:lstStyle/>
+          <a:p>
+            <a:pPr algn="ctr"/>
+            <a:r>
+              <a:rPr lang="en-ZA" dirty="0"/>
+              <a:t>I</a:t>
+            </a:r>
+          </a:p>
+        </p:txBody>
+      </p:sp>
+      <p:sp>
+        <p:nvSpPr>
+          <p:cNvPr id="42" name="Oval 41"/>
+          <p:cNvSpPr/>
+          <p:nvPr/>
+        </p:nvSpPr>
+        <p:spPr>
+          <a:xfrm>
+            <a:off x="4017581" y="3398260"/>
+            <a:ext cx="386702" cy="386702"/>
+          </a:xfrm>
+          <a:prstGeom prst="ellipse">
+            <a:avLst/>
+          </a:prstGeom>
+        </p:spPr>
+        <p:style>
+          <a:lnRef idx="2">
+            <a:schemeClr val="accent1">
+              <a:shade val="50000"/>
+            </a:schemeClr>
+          </a:lnRef>
+          <a:fillRef idx="1">
+            <a:schemeClr val="accent1"/>
+          </a:fillRef>
+          <a:effectRef idx="0">
+            <a:schemeClr val="accent1"/>
+          </a:effectRef>
+          <a:fontRef idx="minor">
+            <a:schemeClr val="lt1"/>
+          </a:fontRef>
+        </p:style>
+        <p:txBody>
+          <a:bodyPr rtlCol="0" anchor="ctr"/>
+          <a:lstStyle/>
+          <a:p>
+            <a:pPr algn="ctr"/>
+            <a:r>
+              <a:rPr lang="en-ZA" dirty="0"/>
+              <a:t>R</a:t>
+            </a:r>
+          </a:p>
+        </p:txBody>
+      </p:sp>
+      <p:sp>
+        <p:nvSpPr>
+          <p:cNvPr id="43" name="Oval 42"/>
+          <p:cNvSpPr/>
+          <p:nvPr/>
+        </p:nvSpPr>
+        <p:spPr>
+          <a:xfrm>
+            <a:off x="4019140" y="2430607"/>
+            <a:ext cx="386702" cy="386702"/>
+          </a:xfrm>
+          <a:prstGeom prst="ellipse">
+            <a:avLst/>
+          </a:prstGeom>
+        </p:spPr>
+        <p:style>
+          <a:lnRef idx="2">
+            <a:schemeClr val="accent1">
+              <a:shade val="50000"/>
+            </a:schemeClr>
+          </a:lnRef>
+          <a:fillRef idx="1">
+            <a:schemeClr val="accent1"/>
+          </a:fillRef>
+          <a:effectRef idx="0">
+            <a:schemeClr val="accent1"/>
+          </a:effectRef>
+          <a:fontRef idx="minor">
+            <a:schemeClr val="lt1"/>
+          </a:fontRef>
+        </p:style>
+        <p:txBody>
+          <a:bodyPr rtlCol="0" anchor="ctr"/>
+          <a:lstStyle/>
+          <a:p>
+            <a:pPr algn="ctr"/>
+            <a:r>
+              <a:rPr lang="en-ZA" dirty="0"/>
+              <a:t>F</a:t>
+            </a:r>
+          </a:p>
+        </p:txBody>
+      </p:sp>
+      <p:sp>
+        <p:nvSpPr>
+          <p:cNvPr id="44" name="Oval 43"/>
+          <p:cNvSpPr/>
+          <p:nvPr/>
+        </p:nvSpPr>
+        <p:spPr>
+          <a:xfrm>
+            <a:off x="4227480" y="1954177"/>
+            <a:ext cx="386702" cy="386702"/>
+          </a:xfrm>
+          <a:prstGeom prst="ellipse">
+            <a:avLst/>
+          </a:prstGeom>
+        </p:spPr>
+        <p:style>
+          <a:lnRef idx="2">
+            <a:schemeClr val="accent1">
+              <a:shade val="50000"/>
+            </a:schemeClr>
+          </a:lnRef>
+          <a:fillRef idx="1">
+            <a:schemeClr val="accent1"/>
+          </a:fillRef>
+          <a:effectRef idx="0">
+            <a:schemeClr val="accent1"/>
+          </a:effectRef>
+          <a:fontRef idx="minor">
+            <a:schemeClr val="lt1"/>
+          </a:fontRef>
+        </p:style>
+        <p:txBody>
+          <a:bodyPr rtlCol="0" anchor="ctr"/>
+          <a:lstStyle/>
+          <a:p>
+            <a:pPr algn="ctr"/>
+            <a:r>
+              <a:rPr lang="en-ZA" dirty="0"/>
+              <a:t>I</a:t>
+            </a:r>
+          </a:p>
+        </p:txBody>
+      </p:sp>
+      <p:sp>
+        <p:nvSpPr>
+          <p:cNvPr id="45" name="Oval 44"/>
+          <p:cNvSpPr/>
+          <p:nvPr/>
+        </p:nvSpPr>
+        <p:spPr>
+          <a:xfrm>
+            <a:off x="4508715" y="1538899"/>
+            <a:ext cx="386702" cy="386702"/>
+          </a:xfrm>
+          <a:prstGeom prst="ellipse">
+            <a:avLst/>
+          </a:prstGeom>
+        </p:spPr>
+        <p:style>
+          <a:lnRef idx="2">
+            <a:schemeClr val="accent1">
+              <a:shade val="50000"/>
+            </a:schemeClr>
+          </a:lnRef>
+          <a:fillRef idx="1">
+            <a:schemeClr val="accent1"/>
+          </a:fillRef>
+          <a:effectRef idx="0">
+            <a:schemeClr val="accent1"/>
+          </a:effectRef>
+          <a:fontRef idx="minor">
+            <a:schemeClr val="lt1"/>
+          </a:fontRef>
+        </p:style>
+        <p:txBody>
+          <a:bodyPr rtlCol="0" anchor="ctr"/>
+          <a:lstStyle/>
+          <a:p>
+            <a:pPr algn="ctr"/>
+            <a:r>
+              <a:rPr lang="en-ZA" dirty="0"/>
+              <a:t>R</a:t>
+            </a:r>
+          </a:p>
+        </p:txBody>
+      </p:sp>
+      <p:sp>
+        <p:nvSpPr>
+          <p:cNvPr id="48" name="TextBox 47"/>
+          <p:cNvSpPr txBox="1"/>
+          <p:nvPr/>
+        </p:nvSpPr>
+        <p:spPr>
+          <a:xfrm>
+            <a:off x="3421784" y="1495776"/>
+            <a:ext cx="789148" cy="646331"/>
+          </a:xfrm>
+          <a:prstGeom prst="rect">
+            <a:avLst/>
+          </a:prstGeom>
+          <a:noFill/>
+        </p:spPr>
+        <p:txBody>
+          <a:bodyPr wrap="square" rtlCol="0">
+            <a:spAutoFit/>
+          </a:bodyPr>
+          <a:lstStyle/>
+          <a:p>
+            <a:r>
+              <a:rPr lang="en-ZA" dirty="0"/>
+              <a:t>South </a:t>
+            </a:r>
+          </a:p>
+          <a:p>
+            <a:r>
+              <a:rPr lang="en-ZA" dirty="0"/>
+              <a:t>Africa</a:t>
+            </a:r>
+          </a:p>
+        </p:txBody>
+      </p:sp>
+      <p:sp>
+        <p:nvSpPr>
+          <p:cNvPr id="49" name="TextBox 48"/>
+          <p:cNvSpPr txBox="1"/>
+          <p:nvPr/>
+        </p:nvSpPr>
+        <p:spPr>
+          <a:xfrm>
+            <a:off x="8205657" y="1495776"/>
+            <a:ext cx="789148" cy="369332"/>
+          </a:xfrm>
+          <a:prstGeom prst="rect">
+            <a:avLst/>
+          </a:prstGeom>
+          <a:noFill/>
+        </p:spPr>
+        <p:txBody>
+          <a:bodyPr wrap="square" rtlCol="0">
+            <a:spAutoFit/>
+          </a:bodyPr>
+          <a:lstStyle/>
+          <a:p>
+            <a:r>
+              <a:rPr lang="en-ZA" dirty="0"/>
+              <a:t>Brazil</a:t>
+            </a:r>
+          </a:p>
+        </p:txBody>
+      </p:sp>
+      <p:sp>
+        <p:nvSpPr>
+          <p:cNvPr id="50" name="TextBox 49"/>
+          <p:cNvSpPr txBox="1"/>
+          <p:nvPr/>
+        </p:nvSpPr>
+        <p:spPr>
+          <a:xfrm>
+            <a:off x="8205657" y="4173976"/>
+            <a:ext cx="789148" cy="369332"/>
+          </a:xfrm>
+          <a:prstGeom prst="rect">
+            <a:avLst/>
+          </a:prstGeom>
+          <a:noFill/>
+        </p:spPr>
+        <p:txBody>
+          <a:bodyPr wrap="square" rtlCol="0">
+            <a:spAutoFit/>
+          </a:bodyPr>
+          <a:lstStyle/>
+          <a:p>
+            <a:r>
+              <a:rPr lang="en-ZA" dirty="0"/>
+              <a:t>Russia</a:t>
+            </a:r>
+          </a:p>
+        </p:txBody>
+      </p:sp>
+      <p:sp>
+        <p:nvSpPr>
+          <p:cNvPr id="51" name="TextBox 50"/>
+          <p:cNvSpPr txBox="1"/>
+          <p:nvPr/>
+        </p:nvSpPr>
+        <p:spPr>
+          <a:xfrm>
+            <a:off x="5791798" y="5474456"/>
+            <a:ext cx="789148" cy="369332"/>
+          </a:xfrm>
+          <a:prstGeom prst="rect">
+            <a:avLst/>
+          </a:prstGeom>
+          <a:noFill/>
+        </p:spPr>
+        <p:txBody>
+          <a:bodyPr wrap="square" rtlCol="0">
+            <a:spAutoFit/>
+          </a:bodyPr>
+          <a:lstStyle/>
+          <a:p>
+            <a:r>
+              <a:rPr lang="en-ZA" dirty="0"/>
+              <a:t>India</a:t>
+            </a:r>
+          </a:p>
+        </p:txBody>
+      </p:sp>
+      <p:sp>
+        <p:nvSpPr>
+          <p:cNvPr id="52" name="TextBox 51"/>
+          <p:cNvSpPr txBox="1"/>
+          <p:nvPr/>
+        </p:nvSpPr>
+        <p:spPr>
+          <a:xfrm>
+            <a:off x="3421784" y="4173976"/>
+            <a:ext cx="789148" cy="369332"/>
+          </a:xfrm>
+          <a:prstGeom prst="rect">
+            <a:avLst/>
+          </a:prstGeom>
+          <a:noFill/>
+        </p:spPr>
+        <p:txBody>
+          <a:bodyPr wrap="square" rtlCol="0">
+            <a:spAutoFit/>
+          </a:bodyPr>
+          <a:lstStyle/>
+          <a:p>
+            <a:r>
+              <a:rPr lang="en-ZA" dirty="0"/>
+              <a:t>China</a:t>
+            </a:r>
+          </a:p>
+        </p:txBody>
+      </p:sp>
+      <p:sp>
+        <p:nvSpPr>
+          <p:cNvPr id="59" name="Arc 58"/>
+          <p:cNvSpPr/>
+          <p:nvPr/>
+        </p:nvSpPr>
+        <p:spPr>
+          <a:xfrm rot="8716929">
+            <a:off x="6851231" y="1783753"/>
+            <a:ext cx="1448608" cy="520394"/>
+          </a:xfrm>
+          <a:prstGeom prst="arc">
+            <a:avLst>
+              <a:gd name="adj1" fmla="val 16200000"/>
+              <a:gd name="adj2" fmla="val 5162385"/>
+            </a:avLst>
+          </a:prstGeom>
+          <a:ln w="38100"/>
+        </p:spPr>
+        <p:style>
+          <a:lnRef idx="1">
+            <a:schemeClr val="accent1"/>
+          </a:lnRef>
+          <a:fillRef idx="0">
+            <a:schemeClr val="accent1"/>
+          </a:fillRef>
+          <a:effectRef idx="0">
+            <a:schemeClr val="accent1"/>
+          </a:effectRef>
+          <a:fontRef idx="minor">
+            <a:schemeClr val="tx1"/>
+          </a:fontRef>
+        </p:style>
+        <p:txBody>
+          <a:bodyPr rtlCol="0" anchor="ctr"/>
+          <a:lstStyle/>
+          <a:p>
+            <a:pPr algn="ctr"/>
+            <a:endParaRPr lang="en-ZA"/>
+          </a:p>
+        </p:txBody>
+      </p:sp>
+      <p:sp>
+        <p:nvSpPr>
+          <p:cNvPr id="60" name="Arc 59"/>
+          <p:cNvSpPr/>
+          <p:nvPr/>
+        </p:nvSpPr>
+        <p:spPr>
+          <a:xfrm rot="12696472">
+            <a:off x="6981510" y="3534452"/>
+            <a:ext cx="1293785" cy="936784"/>
+          </a:xfrm>
+          <a:prstGeom prst="arc">
+            <a:avLst>
+              <a:gd name="adj1" fmla="val 16200000"/>
+              <a:gd name="adj2" fmla="val 5162385"/>
+            </a:avLst>
+          </a:prstGeom>
+          <a:ln w="38100"/>
+        </p:spPr>
+        <p:style>
+          <a:lnRef idx="1">
+            <a:schemeClr val="accent1"/>
+          </a:lnRef>
+          <a:fillRef idx="0">
+            <a:schemeClr val="accent1"/>
+          </a:fillRef>
+          <a:effectRef idx="0">
+            <a:schemeClr val="accent1"/>
+          </a:effectRef>
+          <a:fontRef idx="minor">
+            <a:schemeClr val="tx1"/>
+          </a:fontRef>
+        </p:style>
+        <p:txBody>
+          <a:bodyPr rtlCol="0" anchor="ctr"/>
+          <a:lstStyle/>
+          <a:p>
+            <a:pPr algn="ctr"/>
+            <a:endParaRPr lang="en-ZA"/>
+          </a:p>
+        </p:txBody>
+      </p:sp>
+      <p:sp>
+        <p:nvSpPr>
+          <p:cNvPr id="61" name="Arc 60"/>
+          <p:cNvSpPr/>
+          <p:nvPr/>
+        </p:nvSpPr>
+        <p:spPr>
+          <a:xfrm rot="15930448">
+            <a:off x="5644411" y="4670900"/>
+            <a:ext cx="1448608" cy="520394"/>
+          </a:xfrm>
+          <a:prstGeom prst="arc">
+            <a:avLst>
+              <a:gd name="adj1" fmla="val 16200000"/>
+              <a:gd name="adj2" fmla="val 5162385"/>
+            </a:avLst>
+          </a:prstGeom>
+          <a:ln w="38100"/>
+        </p:spPr>
+        <p:style>
+          <a:lnRef idx="1">
+            <a:schemeClr val="accent1"/>
+          </a:lnRef>
+          <a:fillRef idx="0">
+            <a:schemeClr val="accent1"/>
+          </a:fillRef>
+          <a:effectRef idx="0">
+            <a:schemeClr val="accent1"/>
+          </a:effectRef>
+          <a:fontRef idx="minor">
+            <a:schemeClr val="tx1"/>
+          </a:fontRef>
+        </p:style>
+        <p:txBody>
+          <a:bodyPr rtlCol="0" anchor="ctr"/>
+          <a:lstStyle/>
+          <a:p>
+            <a:pPr algn="ctr"/>
+            <a:endParaRPr lang="en-ZA"/>
+          </a:p>
+        </p:txBody>
+      </p:sp>
+      <p:sp>
+        <p:nvSpPr>
+          <p:cNvPr id="62" name="Arc 61"/>
+          <p:cNvSpPr/>
+          <p:nvPr/>
+        </p:nvSpPr>
+        <p:spPr>
+          <a:xfrm rot="19346748">
+            <a:off x="3976326" y="3956055"/>
+            <a:ext cx="1448608" cy="520394"/>
+          </a:xfrm>
+          <a:prstGeom prst="arc">
+            <a:avLst>
+              <a:gd name="adj1" fmla="val 16200000"/>
+              <a:gd name="adj2" fmla="val 5162385"/>
+            </a:avLst>
+          </a:prstGeom>
+          <a:ln w="38100"/>
+        </p:spPr>
+        <p:style>
+          <a:lnRef idx="1">
+            <a:schemeClr val="accent1"/>
+          </a:lnRef>
+          <a:fillRef idx="0">
+            <a:schemeClr val="accent1"/>
+          </a:fillRef>
+          <a:effectRef idx="0">
+            <a:schemeClr val="accent1"/>
+          </a:effectRef>
+          <a:fontRef idx="minor">
+            <a:schemeClr val="tx1"/>
+          </a:fontRef>
+        </p:style>
+        <p:txBody>
+          <a:bodyPr rtlCol="0" anchor="ctr"/>
+          <a:lstStyle/>
+          <a:p>
+            <a:pPr algn="ctr"/>
+            <a:endParaRPr lang="en-ZA"/>
+          </a:p>
+        </p:txBody>
+      </p:sp>
+      <p:sp>
+        <p:nvSpPr>
+          <p:cNvPr id="28" name="Arc 27"/>
+          <p:cNvSpPr/>
+          <p:nvPr/>
+        </p:nvSpPr>
+        <p:spPr>
+          <a:xfrm rot="19916648">
+            <a:off x="3685236" y="3492890"/>
+            <a:ext cx="1448608" cy="520394"/>
+          </a:xfrm>
+          <a:prstGeom prst="arc">
+            <a:avLst>
+              <a:gd name="adj1" fmla="val 16200000"/>
+              <a:gd name="adj2" fmla="val 5162385"/>
+            </a:avLst>
+          </a:prstGeom>
+          <a:ln w="38100"/>
+        </p:spPr>
+        <p:style>
+          <a:lnRef idx="1">
+            <a:schemeClr val="accent1"/>
+          </a:lnRef>
+          <a:fillRef idx="0">
+            <a:schemeClr val="accent1"/>
+          </a:fillRef>
+          <a:effectRef idx="0">
+            <a:schemeClr val="accent1"/>
+          </a:effectRef>
+          <a:fontRef idx="minor">
+            <a:schemeClr val="tx1"/>
+          </a:fontRef>
+        </p:style>
+        <p:txBody>
+          <a:bodyPr rtlCol="0" anchor="ctr"/>
+          <a:lstStyle/>
+          <a:p>
+            <a:pPr algn="ctr"/>
+            <a:endParaRPr lang="en-ZA"/>
+          </a:p>
+        </p:txBody>
+      </p:sp>
+      <p:sp>
+        <p:nvSpPr>
+          <p:cNvPr id="29" name="Arc 28"/>
+          <p:cNvSpPr/>
+          <p:nvPr/>
+        </p:nvSpPr>
+        <p:spPr>
+          <a:xfrm rot="19799759">
+            <a:off x="3992374" y="3368235"/>
+            <a:ext cx="1391754" cy="1042502"/>
+          </a:xfrm>
+          <a:prstGeom prst="arc">
+            <a:avLst>
+              <a:gd name="adj1" fmla="val 15143419"/>
+              <a:gd name="adj2" fmla="val 5162385"/>
+            </a:avLst>
+          </a:prstGeom>
+          <a:ln w="38100"/>
+        </p:spPr>
+        <p:style>
+          <a:lnRef idx="1">
+            <a:schemeClr val="accent1"/>
+          </a:lnRef>
+          <a:fillRef idx="0">
+            <a:schemeClr val="accent1"/>
+          </a:fillRef>
+          <a:effectRef idx="0">
+            <a:schemeClr val="accent1"/>
+          </a:effectRef>
+          <a:fontRef idx="minor">
+            <a:schemeClr val="tx1"/>
+          </a:fontRef>
+        </p:style>
+        <p:txBody>
+          <a:bodyPr rtlCol="0" anchor="ctr"/>
+          <a:lstStyle/>
+          <a:p>
+            <a:pPr algn="ctr"/>
+            <a:endParaRPr lang="en-ZA"/>
+          </a:p>
+        </p:txBody>
+      </p:sp>
+      <p:sp>
+        <p:nvSpPr>
+          <p:cNvPr id="30" name="Arc 29"/>
+          <p:cNvSpPr/>
+          <p:nvPr/>
+        </p:nvSpPr>
+        <p:spPr>
+          <a:xfrm rot="1801012">
+            <a:off x="6433230" y="3567586"/>
+            <a:ext cx="2321590" cy="2059532"/>
+          </a:xfrm>
+          <a:prstGeom prst="arc">
+            <a:avLst>
+              <a:gd name="adj1" fmla="val 16200000"/>
+              <a:gd name="adj2" fmla="val 6963209"/>
+            </a:avLst>
+          </a:prstGeom>
+          <a:ln w="38100"/>
+        </p:spPr>
+        <p:style>
+          <a:lnRef idx="1">
+            <a:schemeClr val="accent1"/>
+          </a:lnRef>
+          <a:fillRef idx="0">
+            <a:schemeClr val="accent1"/>
+          </a:fillRef>
+          <a:effectRef idx="0">
+            <a:schemeClr val="accent1"/>
+          </a:effectRef>
+          <a:fontRef idx="minor">
+            <a:schemeClr val="tx1"/>
+          </a:fontRef>
+        </p:style>
+        <p:txBody>
+          <a:bodyPr rtlCol="0" anchor="ctr"/>
+          <a:lstStyle/>
+          <a:p>
+            <a:pPr algn="ctr"/>
+            <a:endParaRPr lang="en-ZA"/>
+          </a:p>
+        </p:txBody>
+      </p:sp>
+      <p:sp>
+        <p:nvSpPr>
+          <p:cNvPr id="46" name="Arc 45"/>
+          <p:cNvSpPr/>
+          <p:nvPr/>
+        </p:nvSpPr>
+        <p:spPr>
+          <a:xfrm rot="2777262">
+            <a:off x="6082912" y="3589106"/>
+            <a:ext cx="3014625" cy="2984112"/>
+          </a:xfrm>
+          <a:prstGeom prst="arc">
+            <a:avLst>
+              <a:gd name="adj1" fmla="val 14650456"/>
+              <a:gd name="adj2" fmla="val 7573101"/>
+            </a:avLst>
+          </a:prstGeom>
+          <a:ln w="38100"/>
+        </p:spPr>
+        <p:style>
+          <a:lnRef idx="1">
+            <a:schemeClr val="accent1"/>
+          </a:lnRef>
+          <a:fillRef idx="0">
+            <a:schemeClr val="accent1"/>
+          </a:fillRef>
+          <a:effectRef idx="0">
+            <a:schemeClr val="accent1"/>
+          </a:effectRef>
+          <a:fontRef idx="minor">
+            <a:schemeClr val="tx1"/>
+          </a:fontRef>
+        </p:style>
+        <p:txBody>
+          <a:bodyPr rtlCol="0" anchor="ctr"/>
+          <a:lstStyle/>
+          <a:p>
+            <a:pPr algn="ctr"/>
+            <a:endParaRPr lang="en-ZA"/>
+          </a:p>
+        </p:txBody>
+      </p:sp>
+      <p:sp>
+        <p:nvSpPr>
+          <p:cNvPr id="47" name="Arc 46"/>
+          <p:cNvSpPr/>
+          <p:nvPr/>
+        </p:nvSpPr>
+        <p:spPr>
+          <a:xfrm rot="1801012">
+            <a:off x="6253466" y="4426220"/>
+            <a:ext cx="2069116" cy="1081404"/>
+          </a:xfrm>
+          <a:prstGeom prst="arc">
+            <a:avLst>
+              <a:gd name="adj1" fmla="val 16200000"/>
+              <a:gd name="adj2" fmla="val 7506175"/>
+            </a:avLst>
+          </a:prstGeom>
+          <a:ln w="38100"/>
+        </p:spPr>
+        <p:style>
+          <a:lnRef idx="1">
+            <a:schemeClr val="accent1"/>
+          </a:lnRef>
+          <a:fillRef idx="0">
+            <a:schemeClr val="accent1"/>
+          </a:fillRef>
+          <a:effectRef idx="0">
+            <a:schemeClr val="accent1"/>
+          </a:effectRef>
+          <a:fontRef idx="minor">
+            <a:schemeClr val="tx1"/>
+          </a:fontRef>
+        </p:style>
+        <p:txBody>
+          <a:bodyPr rtlCol="0" anchor="ctr"/>
+          <a:lstStyle/>
+          <a:p>
+            <a:pPr algn="ctr"/>
+            <a:endParaRPr lang="en-ZA"/>
+          </a:p>
+        </p:txBody>
+      </p:sp>
+      <p:sp>
+        <p:nvSpPr>
+          <p:cNvPr id="53" name="Arc 52"/>
+          <p:cNvSpPr/>
+          <p:nvPr/>
+        </p:nvSpPr>
+        <p:spPr>
+          <a:xfrm rot="1801012">
+            <a:off x="6341664" y="4060983"/>
+            <a:ext cx="2165733" cy="1504930"/>
+          </a:xfrm>
+          <a:prstGeom prst="arc">
+            <a:avLst>
+              <a:gd name="adj1" fmla="val 16200000"/>
+              <a:gd name="adj2" fmla="val 7506175"/>
+            </a:avLst>
+          </a:prstGeom>
+          <a:ln w="38100"/>
+        </p:spPr>
+        <p:style>
+          <a:lnRef idx="1">
+            <a:schemeClr val="accent1"/>
+          </a:lnRef>
+          <a:fillRef idx="0">
+            <a:schemeClr val="accent1"/>
+          </a:fillRef>
+          <a:effectRef idx="0">
+            <a:schemeClr val="accent1"/>
+          </a:effectRef>
+          <a:fontRef idx="minor">
+            <a:schemeClr val="tx1"/>
+          </a:fontRef>
+        </p:style>
+        <p:txBody>
+          <a:bodyPr rtlCol="0" anchor="ctr"/>
+          <a:lstStyle/>
+          <a:p>
+            <a:pPr algn="ctr"/>
+            <a:endParaRPr lang="en-ZA"/>
+          </a:p>
+        </p:txBody>
+      </p:sp>
+      <p:sp>
+        <p:nvSpPr>
+          <p:cNvPr id="54" name="Arc 53"/>
+          <p:cNvSpPr/>
+          <p:nvPr/>
+        </p:nvSpPr>
+        <p:spPr>
+          <a:xfrm rot="494797">
+            <a:off x="5807252" y="2146063"/>
+            <a:ext cx="4520843" cy="3550244"/>
+          </a:xfrm>
+          <a:prstGeom prst="arc">
+            <a:avLst>
+              <a:gd name="adj1" fmla="val 15048821"/>
+              <a:gd name="adj2" fmla="val 7179385"/>
+            </a:avLst>
+          </a:prstGeom>
+          <a:ln w="15875" cap="rnd" cmpd="sng">
+            <a:solidFill>
+              <a:schemeClr val="accent1"/>
+            </a:solidFill>
+            <a:prstDash val="sysDash"/>
+          </a:ln>
+        </p:spPr>
+        <p:style>
+          <a:lnRef idx="1">
+            <a:schemeClr val="accent1"/>
+          </a:lnRef>
+          <a:fillRef idx="0">
+            <a:schemeClr val="accent1"/>
+          </a:fillRef>
+          <a:effectRef idx="0">
+            <a:schemeClr val="accent1"/>
+          </a:effectRef>
+          <a:fontRef idx="minor">
+            <a:schemeClr val="tx1"/>
+          </a:fontRef>
+        </p:style>
+        <p:txBody>
+          <a:bodyPr rtlCol="0" anchor="ctr"/>
+          <a:lstStyle/>
+          <a:p>
+            <a:pPr algn="ctr"/>
+            <a:endParaRPr lang="en-ZA"/>
+          </a:p>
+        </p:txBody>
+      </p:sp>
+      <p:sp>
+        <p:nvSpPr>
+          <p:cNvPr id="55" name="Arc 54"/>
+          <p:cNvSpPr/>
+          <p:nvPr/>
+        </p:nvSpPr>
+        <p:spPr>
+          <a:xfrm rot="276049">
+            <a:off x="6163891" y="2135020"/>
+            <a:ext cx="3643717" cy="2507849"/>
+          </a:xfrm>
+          <a:prstGeom prst="arc">
+            <a:avLst>
+              <a:gd name="adj1" fmla="val 15457930"/>
+              <a:gd name="adj2" fmla="val 5703981"/>
+            </a:avLst>
+          </a:prstGeom>
+          <a:ln w="38100" cap="rnd" cmpd="sng">
+            <a:solidFill>
+              <a:schemeClr val="accent1"/>
+            </a:solidFill>
+            <a:prstDash val="solid"/>
+          </a:ln>
+        </p:spPr>
+        <p:style>
+          <a:lnRef idx="1">
+            <a:schemeClr val="accent1"/>
+          </a:lnRef>
+          <a:fillRef idx="0">
+            <a:schemeClr val="accent1"/>
+          </a:fillRef>
+          <a:effectRef idx="0">
+            <a:schemeClr val="accent1"/>
+          </a:effectRef>
+          <a:fontRef idx="minor">
+            <a:schemeClr val="tx1"/>
+          </a:fontRef>
+        </p:style>
+        <p:txBody>
+          <a:bodyPr rtlCol="0" anchor="ctr"/>
+          <a:lstStyle/>
+          <a:p>
+            <a:pPr algn="ctr"/>
+            <a:endParaRPr lang="en-ZA"/>
+          </a:p>
+        </p:txBody>
+      </p:sp>
+      <p:sp>
+        <p:nvSpPr>
+          <p:cNvPr id="56" name="Arc 55"/>
+          <p:cNvSpPr/>
+          <p:nvPr/>
+        </p:nvSpPr>
+        <p:spPr>
+          <a:xfrm>
+            <a:off x="6916610" y="2155348"/>
+            <a:ext cx="2311678" cy="1522750"/>
+          </a:xfrm>
+          <a:prstGeom prst="arc">
+            <a:avLst>
+              <a:gd name="adj1" fmla="val 16200000"/>
+              <a:gd name="adj2" fmla="val 5162385"/>
+            </a:avLst>
+          </a:prstGeom>
+          <a:ln w="38100" cap="rnd" cmpd="sng">
+            <a:solidFill>
+              <a:schemeClr val="accent1"/>
+            </a:solidFill>
+            <a:prstDash val="solid"/>
+          </a:ln>
+        </p:spPr>
+        <p:style>
+          <a:lnRef idx="1">
+            <a:schemeClr val="accent1"/>
+          </a:lnRef>
+          <a:fillRef idx="0">
+            <a:schemeClr val="accent1"/>
+          </a:fillRef>
+          <a:effectRef idx="0">
+            <a:schemeClr val="accent1"/>
+          </a:effectRef>
+          <a:fontRef idx="minor">
+            <a:schemeClr val="tx1"/>
+          </a:fontRef>
+        </p:style>
+        <p:txBody>
+          <a:bodyPr rtlCol="0" anchor="ctr"/>
+          <a:lstStyle/>
+          <a:p>
+            <a:pPr algn="ctr"/>
+            <a:endParaRPr lang="en-ZA"/>
+          </a:p>
+        </p:txBody>
+      </p:sp>
+    </p:spTree>
+    <p:extLst>
+      <p:ext uri="{BB962C8B-B14F-4D97-AF65-F5344CB8AC3E}">
+        <p14:creationId xmlns:p14="http://schemas.microsoft.com/office/powerpoint/2010/main" val="3392683892"/>
+      </p:ext>
+    </p:extLst>
+  </p:cSld>
+  <p:clrMapOvr>
+    <a:masterClrMapping/>
+  </p:clrMapOvr>
+</p:sld>
+</file>
+
+<file path=ppt/slides/slide12.xml><?xml version="1.0" encoding="utf-8"?>
+<p:sld xmlns:a="http://schemas.openxmlformats.org/drawingml/2006/main" xmlns:r="http://schemas.openxmlformats.org/officeDocument/2006/relationships" xmlns:p="http://schemas.openxmlformats.org/presentationml/2006/main">
+  <p:cSld>
+    <p:spTree>
+      <p:nvGrpSpPr>
+        <p:cNvPr id="1" name=""/>
+        <p:cNvGrpSpPr/>
+        <p:nvPr/>
+      </p:nvGrpSpPr>
+      <p:grpSpPr>
+        <a:xfrm>
+          <a:off x="0" y="0"/>
+          <a:ext cx="0" cy="0"/>
+          <a:chOff x="0" y="0"/>
+          <a:chExt cx="0" cy="0"/>
+        </a:xfrm>
+      </p:grpSpPr>
+      <p:sp>
+        <p:nvSpPr>
+          <p:cNvPr id="31" name="Oval 30"/>
+          <p:cNvSpPr/>
+          <p:nvPr/>
+        </p:nvSpPr>
+        <p:spPr>
+          <a:xfrm>
+            <a:off x="7822757" y="3453119"/>
+            <a:ext cx="386702" cy="386702"/>
+          </a:xfrm>
+          <a:prstGeom prst="ellipse">
+            <a:avLst/>
+          </a:prstGeom>
+        </p:spPr>
+        <p:style>
+          <a:lnRef idx="2">
+            <a:schemeClr val="accent1">
+              <a:shade val="50000"/>
+            </a:schemeClr>
+          </a:lnRef>
+          <a:fillRef idx="1">
+            <a:schemeClr val="accent1"/>
+          </a:fillRef>
+          <a:effectRef idx="0">
+            <a:schemeClr val="accent1"/>
+          </a:effectRef>
+          <a:fontRef idx="minor">
+            <a:schemeClr val="lt1"/>
+          </a:fontRef>
+        </p:style>
+        <p:txBody>
+          <a:bodyPr rtlCol="0" anchor="ctr"/>
+          <a:lstStyle/>
+          <a:p>
+            <a:pPr algn="ctr"/>
+            <a:r>
+              <a:rPr lang="en-ZA" dirty="0"/>
+              <a:t>F</a:t>
+            </a:r>
+          </a:p>
+        </p:txBody>
+      </p:sp>
+      <p:sp>
+        <p:nvSpPr>
+          <p:cNvPr id="32" name="Oval 31"/>
+          <p:cNvSpPr/>
+          <p:nvPr/>
+        </p:nvSpPr>
+        <p:spPr>
+          <a:xfrm>
+            <a:off x="7642852" y="3919884"/>
+            <a:ext cx="386702" cy="386702"/>
+          </a:xfrm>
+          <a:prstGeom prst="ellipse">
+            <a:avLst/>
+          </a:prstGeom>
+        </p:spPr>
+        <p:style>
+          <a:lnRef idx="2">
+            <a:schemeClr val="accent1">
+              <a:shade val="50000"/>
+            </a:schemeClr>
+          </a:lnRef>
+          <a:fillRef idx="1">
+            <a:schemeClr val="accent1"/>
+          </a:fillRef>
+          <a:effectRef idx="0">
+            <a:schemeClr val="accent1"/>
+          </a:effectRef>
+          <a:fontRef idx="minor">
+            <a:schemeClr val="lt1"/>
+          </a:fontRef>
+        </p:style>
+        <p:txBody>
+          <a:bodyPr rtlCol="0" anchor="ctr"/>
+          <a:lstStyle/>
+          <a:p>
+            <a:pPr algn="ctr"/>
+            <a:r>
+              <a:rPr lang="en-ZA" dirty="0"/>
+              <a:t>I</a:t>
+            </a:r>
+          </a:p>
+        </p:txBody>
+      </p:sp>
+      <p:sp>
+        <p:nvSpPr>
+          <p:cNvPr id="33" name="Oval 32"/>
+          <p:cNvSpPr/>
+          <p:nvPr/>
+        </p:nvSpPr>
+        <p:spPr>
+          <a:xfrm>
+            <a:off x="7317421" y="4342657"/>
+            <a:ext cx="386702" cy="386702"/>
+          </a:xfrm>
+          <a:prstGeom prst="ellipse">
+            <a:avLst/>
+          </a:prstGeom>
+        </p:spPr>
+        <p:style>
+          <a:lnRef idx="2">
+            <a:schemeClr val="accent1">
+              <a:shade val="50000"/>
+            </a:schemeClr>
+          </a:lnRef>
+          <a:fillRef idx="1">
+            <a:schemeClr val="accent1"/>
+          </a:fillRef>
+          <a:effectRef idx="0">
+            <a:schemeClr val="accent1"/>
+          </a:effectRef>
+          <a:fontRef idx="minor">
+            <a:schemeClr val="lt1"/>
+          </a:fontRef>
+        </p:style>
+        <p:txBody>
+          <a:bodyPr rtlCol="0" anchor="ctr"/>
+          <a:lstStyle/>
+          <a:p>
+            <a:pPr algn="ctr"/>
+            <a:r>
+              <a:rPr lang="en-ZA" dirty="0"/>
+              <a:t>R</a:t>
+            </a:r>
+          </a:p>
+        </p:txBody>
+      </p:sp>
+      <p:sp>
+        <p:nvSpPr>
+          <p:cNvPr id="34" name="Oval 33"/>
+          <p:cNvSpPr/>
+          <p:nvPr/>
+        </p:nvSpPr>
+        <p:spPr>
+          <a:xfrm>
+            <a:off x="6427483" y="4847175"/>
+            <a:ext cx="386702" cy="386702"/>
+          </a:xfrm>
+          <a:prstGeom prst="ellipse">
+            <a:avLst/>
+          </a:prstGeom>
+        </p:spPr>
+        <p:style>
+          <a:lnRef idx="2">
+            <a:schemeClr val="accent1">
+              <a:shade val="50000"/>
+            </a:schemeClr>
+          </a:lnRef>
+          <a:fillRef idx="1">
+            <a:schemeClr val="accent1"/>
+          </a:fillRef>
+          <a:effectRef idx="0">
+            <a:schemeClr val="accent1"/>
+          </a:effectRef>
+          <a:fontRef idx="minor">
+            <a:schemeClr val="lt1"/>
+          </a:fontRef>
+        </p:style>
+        <p:txBody>
+          <a:bodyPr rtlCol="0" anchor="ctr"/>
+          <a:lstStyle/>
+          <a:p>
+            <a:pPr algn="ctr"/>
+            <a:r>
+              <a:rPr lang="en-ZA" dirty="0"/>
+              <a:t>F</a:t>
+            </a:r>
+          </a:p>
+        </p:txBody>
+      </p:sp>
+      <p:sp>
+        <p:nvSpPr>
+          <p:cNvPr id="35" name="Oval 34"/>
+          <p:cNvSpPr/>
+          <p:nvPr/>
+        </p:nvSpPr>
+        <p:spPr>
+          <a:xfrm>
+            <a:off x="5917230" y="4914185"/>
+            <a:ext cx="386702" cy="386702"/>
+          </a:xfrm>
+          <a:prstGeom prst="ellipse">
+            <a:avLst/>
+          </a:prstGeom>
+        </p:spPr>
+        <p:style>
+          <a:lnRef idx="2">
+            <a:schemeClr val="accent1">
+              <a:shade val="50000"/>
+            </a:schemeClr>
+          </a:lnRef>
+          <a:fillRef idx="1">
+            <a:schemeClr val="accent1"/>
+          </a:fillRef>
+          <a:effectRef idx="0">
+            <a:schemeClr val="accent1"/>
+          </a:effectRef>
+          <a:fontRef idx="minor">
+            <a:schemeClr val="lt1"/>
+          </a:fontRef>
+        </p:style>
+        <p:txBody>
+          <a:bodyPr rtlCol="0" anchor="ctr"/>
+          <a:lstStyle/>
+          <a:p>
+            <a:pPr algn="ctr"/>
+            <a:r>
+              <a:rPr lang="en-ZA" dirty="0"/>
+              <a:t>I</a:t>
+            </a:r>
+          </a:p>
+        </p:txBody>
+      </p:sp>
+      <p:sp>
+        <p:nvSpPr>
+          <p:cNvPr id="36" name="Oval 35"/>
+          <p:cNvSpPr/>
+          <p:nvPr/>
+        </p:nvSpPr>
+        <p:spPr>
+          <a:xfrm>
+            <a:off x="5410524" y="4841553"/>
+            <a:ext cx="386702" cy="386702"/>
+          </a:xfrm>
+          <a:prstGeom prst="ellipse">
+            <a:avLst/>
+          </a:prstGeom>
+        </p:spPr>
+        <p:style>
+          <a:lnRef idx="2">
+            <a:schemeClr val="accent1">
+              <a:shade val="50000"/>
+            </a:schemeClr>
+          </a:lnRef>
+          <a:fillRef idx="1">
+            <a:schemeClr val="accent1"/>
+          </a:fillRef>
+          <a:effectRef idx="0">
+            <a:schemeClr val="accent1"/>
+          </a:effectRef>
+          <a:fontRef idx="minor">
+            <a:schemeClr val="lt1"/>
+          </a:fontRef>
+        </p:style>
+        <p:txBody>
+          <a:bodyPr rtlCol="0" anchor="ctr"/>
+          <a:lstStyle/>
+          <a:p>
+            <a:pPr algn="ctr"/>
+            <a:r>
+              <a:rPr lang="en-ZA" dirty="0"/>
+              <a:t>R</a:t>
+            </a:r>
+          </a:p>
+        </p:txBody>
+      </p:sp>
+      <p:sp>
+        <p:nvSpPr>
+          <p:cNvPr id="37" name="Oval 36"/>
+          <p:cNvSpPr/>
+          <p:nvPr/>
+        </p:nvSpPr>
+        <p:spPr>
+          <a:xfrm>
+            <a:off x="7855662" y="2476779"/>
+            <a:ext cx="386702" cy="386702"/>
+          </a:xfrm>
+          <a:prstGeom prst="ellipse">
+            <a:avLst/>
+          </a:prstGeom>
+        </p:spPr>
+        <p:style>
+          <a:lnRef idx="2">
+            <a:schemeClr val="accent1">
+              <a:shade val="50000"/>
+            </a:schemeClr>
+          </a:lnRef>
+          <a:fillRef idx="1">
+            <a:schemeClr val="accent1"/>
+          </a:fillRef>
+          <a:effectRef idx="0">
+            <a:schemeClr val="accent1"/>
+          </a:effectRef>
+          <a:fontRef idx="minor">
+            <a:schemeClr val="lt1"/>
+          </a:fontRef>
+        </p:style>
+        <p:txBody>
+          <a:bodyPr rtlCol="0" anchor="ctr"/>
+          <a:lstStyle/>
+          <a:p>
+            <a:pPr algn="ctr"/>
+            <a:r>
+              <a:rPr lang="en-ZA" dirty="0"/>
+              <a:t>R</a:t>
+            </a:r>
+          </a:p>
+        </p:txBody>
+      </p:sp>
+      <p:sp>
+        <p:nvSpPr>
+          <p:cNvPr id="39" name="Oval 38"/>
+          <p:cNvSpPr/>
+          <p:nvPr/>
+        </p:nvSpPr>
+        <p:spPr>
+          <a:xfrm>
+            <a:off x="7329249" y="1520728"/>
+            <a:ext cx="386702" cy="386702"/>
+          </a:xfrm>
+          <a:prstGeom prst="ellipse">
+            <a:avLst/>
+          </a:prstGeom>
+        </p:spPr>
+        <p:style>
+          <a:lnRef idx="2">
+            <a:schemeClr val="accent1">
+              <a:shade val="50000"/>
+            </a:schemeClr>
+          </a:lnRef>
+          <a:fillRef idx="1">
+            <a:schemeClr val="accent1"/>
+          </a:fillRef>
+          <a:effectRef idx="0">
+            <a:schemeClr val="accent1"/>
+          </a:effectRef>
+          <a:fontRef idx="minor">
+            <a:schemeClr val="lt1"/>
+          </a:fontRef>
+        </p:style>
+        <p:txBody>
+          <a:bodyPr rtlCol="0" anchor="ctr"/>
+          <a:lstStyle/>
+          <a:p>
+            <a:pPr algn="ctr"/>
+            <a:r>
+              <a:rPr lang="en-ZA" dirty="0"/>
+              <a:t>F</a:t>
+            </a:r>
+          </a:p>
+        </p:txBody>
+      </p:sp>
+      <p:sp>
+        <p:nvSpPr>
+          <p:cNvPr id="40" name="Oval 39"/>
+          <p:cNvSpPr/>
+          <p:nvPr/>
+        </p:nvSpPr>
+        <p:spPr>
+          <a:xfrm>
+            <a:off x="4534862" y="4331311"/>
+            <a:ext cx="386702" cy="386702"/>
+          </a:xfrm>
+          <a:prstGeom prst="ellipse">
+            <a:avLst/>
+          </a:prstGeom>
+        </p:spPr>
+        <p:style>
+          <a:lnRef idx="2">
+            <a:schemeClr val="accent1">
+              <a:shade val="50000"/>
+            </a:schemeClr>
+          </a:lnRef>
+          <a:fillRef idx="1">
+            <a:schemeClr val="accent1"/>
+          </a:fillRef>
+          <a:effectRef idx="0">
+            <a:schemeClr val="accent1"/>
+          </a:effectRef>
+          <a:fontRef idx="minor">
+            <a:schemeClr val="lt1"/>
+          </a:fontRef>
+        </p:style>
+        <p:txBody>
+          <a:bodyPr rtlCol="0" anchor="ctr"/>
+          <a:lstStyle/>
+          <a:p>
+            <a:pPr algn="ctr"/>
+            <a:r>
+              <a:rPr lang="en-ZA" dirty="0"/>
+              <a:t>F</a:t>
+            </a:r>
+          </a:p>
+        </p:txBody>
+      </p:sp>
+      <p:sp>
+        <p:nvSpPr>
+          <p:cNvPr id="41" name="Oval 40"/>
+          <p:cNvSpPr/>
+          <p:nvPr/>
+        </p:nvSpPr>
+        <p:spPr>
+          <a:xfrm>
+            <a:off x="4217449" y="3915623"/>
+            <a:ext cx="386702" cy="386702"/>
+          </a:xfrm>
+          <a:prstGeom prst="ellipse">
+            <a:avLst/>
+          </a:prstGeom>
+        </p:spPr>
+        <p:style>
+          <a:lnRef idx="2">
+            <a:schemeClr val="accent1">
+              <a:shade val="50000"/>
+            </a:schemeClr>
+          </a:lnRef>
+          <a:fillRef idx="1">
+            <a:schemeClr val="accent1"/>
+          </a:fillRef>
+          <a:effectRef idx="0">
+            <a:schemeClr val="accent1"/>
+          </a:effectRef>
+          <a:fontRef idx="minor">
+            <a:schemeClr val="lt1"/>
+          </a:fontRef>
+        </p:style>
+        <p:txBody>
+          <a:bodyPr rtlCol="0" anchor="ctr"/>
+          <a:lstStyle/>
+          <a:p>
+            <a:pPr algn="ctr"/>
+            <a:r>
+              <a:rPr lang="en-ZA" dirty="0"/>
+              <a:t>I</a:t>
+            </a:r>
+          </a:p>
+        </p:txBody>
+      </p:sp>
+      <p:sp>
+        <p:nvSpPr>
+          <p:cNvPr id="42" name="Oval 41"/>
+          <p:cNvSpPr/>
+          <p:nvPr/>
+        </p:nvSpPr>
+        <p:spPr>
+          <a:xfrm>
+            <a:off x="4017581" y="3398260"/>
+            <a:ext cx="386702" cy="386702"/>
+          </a:xfrm>
+          <a:prstGeom prst="ellipse">
+            <a:avLst/>
+          </a:prstGeom>
+        </p:spPr>
+        <p:style>
+          <a:lnRef idx="2">
+            <a:schemeClr val="accent1">
+              <a:shade val="50000"/>
+            </a:schemeClr>
+          </a:lnRef>
+          <a:fillRef idx="1">
+            <a:schemeClr val="accent1"/>
+          </a:fillRef>
+          <a:effectRef idx="0">
+            <a:schemeClr val="accent1"/>
+          </a:effectRef>
+          <a:fontRef idx="minor">
+            <a:schemeClr val="lt1"/>
+          </a:fontRef>
+        </p:style>
+        <p:txBody>
+          <a:bodyPr rtlCol="0" anchor="ctr"/>
+          <a:lstStyle/>
+          <a:p>
+            <a:pPr algn="ctr"/>
+            <a:r>
+              <a:rPr lang="en-ZA" dirty="0"/>
+              <a:t>R</a:t>
+            </a:r>
+          </a:p>
+        </p:txBody>
+      </p:sp>
+      <p:sp>
+        <p:nvSpPr>
+          <p:cNvPr id="43" name="Oval 42"/>
+          <p:cNvSpPr/>
+          <p:nvPr/>
+        </p:nvSpPr>
+        <p:spPr>
+          <a:xfrm>
+            <a:off x="4019140" y="2430607"/>
+            <a:ext cx="386702" cy="386702"/>
+          </a:xfrm>
+          <a:prstGeom prst="ellipse">
+            <a:avLst/>
+          </a:prstGeom>
+        </p:spPr>
+        <p:style>
+          <a:lnRef idx="2">
+            <a:schemeClr val="accent1">
+              <a:shade val="50000"/>
+            </a:schemeClr>
+          </a:lnRef>
+          <a:fillRef idx="1">
+            <a:schemeClr val="accent1"/>
+          </a:fillRef>
+          <a:effectRef idx="0">
+            <a:schemeClr val="accent1"/>
+          </a:effectRef>
+          <a:fontRef idx="minor">
+            <a:schemeClr val="lt1"/>
+          </a:fontRef>
+        </p:style>
+        <p:txBody>
+          <a:bodyPr rtlCol="0" anchor="ctr"/>
+          <a:lstStyle/>
+          <a:p>
+            <a:pPr algn="ctr"/>
+            <a:r>
+              <a:rPr lang="en-ZA" dirty="0"/>
+              <a:t>F</a:t>
+            </a:r>
+          </a:p>
+        </p:txBody>
+      </p:sp>
+      <p:sp>
+        <p:nvSpPr>
+          <p:cNvPr id="44" name="Oval 43"/>
+          <p:cNvSpPr/>
+          <p:nvPr/>
+        </p:nvSpPr>
+        <p:spPr>
+          <a:xfrm>
+            <a:off x="4227480" y="1954177"/>
+            <a:ext cx="386702" cy="386702"/>
+          </a:xfrm>
+          <a:prstGeom prst="ellipse">
+            <a:avLst/>
+          </a:prstGeom>
+        </p:spPr>
+        <p:style>
+          <a:lnRef idx="2">
+            <a:schemeClr val="accent1">
+              <a:shade val="50000"/>
+            </a:schemeClr>
+          </a:lnRef>
+          <a:fillRef idx="1">
+            <a:schemeClr val="accent1"/>
+          </a:fillRef>
+          <a:effectRef idx="0">
+            <a:schemeClr val="accent1"/>
+          </a:effectRef>
+          <a:fontRef idx="minor">
+            <a:schemeClr val="lt1"/>
+          </a:fontRef>
+        </p:style>
+        <p:txBody>
+          <a:bodyPr rtlCol="0" anchor="ctr"/>
+          <a:lstStyle/>
+          <a:p>
+            <a:pPr algn="ctr"/>
+            <a:r>
+              <a:rPr lang="en-ZA" dirty="0"/>
+              <a:t>I</a:t>
+            </a:r>
+          </a:p>
+        </p:txBody>
+      </p:sp>
+      <p:sp>
+        <p:nvSpPr>
+          <p:cNvPr id="45" name="Oval 44"/>
+          <p:cNvSpPr/>
+          <p:nvPr/>
+        </p:nvSpPr>
+        <p:spPr>
+          <a:xfrm>
+            <a:off x="4508715" y="1538899"/>
+            <a:ext cx="386702" cy="386702"/>
+          </a:xfrm>
+          <a:prstGeom prst="ellipse">
+            <a:avLst/>
+          </a:prstGeom>
+        </p:spPr>
+        <p:style>
+          <a:lnRef idx="2">
+            <a:schemeClr val="accent1">
+              <a:shade val="50000"/>
+            </a:schemeClr>
+          </a:lnRef>
+          <a:fillRef idx="1">
+            <a:schemeClr val="accent1"/>
+          </a:fillRef>
+          <a:effectRef idx="0">
+            <a:schemeClr val="accent1"/>
+          </a:effectRef>
+          <a:fontRef idx="minor">
+            <a:schemeClr val="lt1"/>
+          </a:fontRef>
+        </p:style>
+        <p:txBody>
+          <a:bodyPr rtlCol="0" anchor="ctr"/>
+          <a:lstStyle/>
+          <a:p>
+            <a:pPr algn="ctr"/>
+            <a:r>
+              <a:rPr lang="en-ZA" dirty="0"/>
+              <a:t>R</a:t>
+            </a:r>
+          </a:p>
+        </p:txBody>
+      </p:sp>
+      <p:sp>
+        <p:nvSpPr>
+          <p:cNvPr id="48" name="TextBox 47"/>
+          <p:cNvSpPr txBox="1"/>
+          <p:nvPr/>
+        </p:nvSpPr>
+        <p:spPr>
+          <a:xfrm>
+            <a:off x="3421784" y="1495776"/>
+            <a:ext cx="789148" cy="646331"/>
+          </a:xfrm>
+          <a:prstGeom prst="rect">
+            <a:avLst/>
+          </a:prstGeom>
+          <a:noFill/>
+        </p:spPr>
+        <p:txBody>
+          <a:bodyPr wrap="square" rtlCol="0">
+            <a:spAutoFit/>
+          </a:bodyPr>
+          <a:lstStyle/>
+          <a:p>
+            <a:r>
+              <a:rPr lang="en-ZA" dirty="0"/>
+              <a:t>South </a:t>
+            </a:r>
+          </a:p>
+          <a:p>
+            <a:r>
+              <a:rPr lang="en-ZA" dirty="0"/>
+              <a:t>Africa</a:t>
+            </a:r>
+          </a:p>
+        </p:txBody>
+      </p:sp>
+      <p:sp>
+        <p:nvSpPr>
+          <p:cNvPr id="49" name="TextBox 48"/>
+          <p:cNvSpPr txBox="1"/>
+          <p:nvPr/>
+        </p:nvSpPr>
+        <p:spPr>
+          <a:xfrm>
+            <a:off x="8205657" y="1495776"/>
+            <a:ext cx="789148" cy="369332"/>
+          </a:xfrm>
+          <a:prstGeom prst="rect">
+            <a:avLst/>
+          </a:prstGeom>
+          <a:noFill/>
+        </p:spPr>
+        <p:txBody>
+          <a:bodyPr wrap="square" rtlCol="0">
+            <a:spAutoFit/>
+          </a:bodyPr>
+          <a:lstStyle/>
+          <a:p>
+            <a:r>
+              <a:rPr lang="en-ZA" dirty="0"/>
+              <a:t>Brazil</a:t>
+            </a:r>
+          </a:p>
+        </p:txBody>
+      </p:sp>
+      <p:sp>
+        <p:nvSpPr>
+          <p:cNvPr id="50" name="TextBox 49"/>
+          <p:cNvSpPr txBox="1"/>
+          <p:nvPr/>
+        </p:nvSpPr>
+        <p:spPr>
+          <a:xfrm>
+            <a:off x="8205657" y="4173976"/>
+            <a:ext cx="789148" cy="369332"/>
+          </a:xfrm>
+          <a:prstGeom prst="rect">
+            <a:avLst/>
+          </a:prstGeom>
+          <a:noFill/>
+        </p:spPr>
+        <p:txBody>
+          <a:bodyPr wrap="square" rtlCol="0">
+            <a:spAutoFit/>
+          </a:bodyPr>
+          <a:lstStyle/>
+          <a:p>
+            <a:r>
+              <a:rPr lang="en-ZA" dirty="0"/>
+              <a:t>Russia</a:t>
+            </a:r>
+          </a:p>
+        </p:txBody>
+      </p:sp>
+      <p:sp>
+        <p:nvSpPr>
+          <p:cNvPr id="51" name="TextBox 50"/>
+          <p:cNvSpPr txBox="1"/>
+          <p:nvPr/>
+        </p:nvSpPr>
+        <p:spPr>
+          <a:xfrm>
+            <a:off x="5791798" y="5474456"/>
+            <a:ext cx="789148" cy="369332"/>
+          </a:xfrm>
+          <a:prstGeom prst="rect">
+            <a:avLst/>
+          </a:prstGeom>
+          <a:noFill/>
+        </p:spPr>
+        <p:txBody>
+          <a:bodyPr wrap="square" rtlCol="0">
+            <a:spAutoFit/>
+          </a:bodyPr>
+          <a:lstStyle/>
+          <a:p>
+            <a:r>
+              <a:rPr lang="en-ZA" dirty="0"/>
+              <a:t>India</a:t>
+            </a:r>
+          </a:p>
+        </p:txBody>
+      </p:sp>
+      <p:sp>
+        <p:nvSpPr>
+          <p:cNvPr id="52" name="TextBox 51"/>
+          <p:cNvSpPr txBox="1"/>
+          <p:nvPr/>
+        </p:nvSpPr>
+        <p:spPr>
+          <a:xfrm>
+            <a:off x="3421784" y="4173976"/>
+            <a:ext cx="789148" cy="369332"/>
+          </a:xfrm>
+          <a:prstGeom prst="rect">
+            <a:avLst/>
+          </a:prstGeom>
+          <a:noFill/>
+        </p:spPr>
+        <p:txBody>
+          <a:bodyPr wrap="square" rtlCol="0">
+            <a:spAutoFit/>
+          </a:bodyPr>
+          <a:lstStyle/>
+          <a:p>
+            <a:r>
+              <a:rPr lang="en-ZA" dirty="0"/>
+              <a:t>China</a:t>
+            </a:r>
+          </a:p>
+        </p:txBody>
+      </p:sp>
+      <p:sp>
+        <p:nvSpPr>
+          <p:cNvPr id="59" name="Arc 58"/>
+          <p:cNvSpPr/>
+          <p:nvPr/>
+        </p:nvSpPr>
+        <p:spPr>
+          <a:xfrm rot="8716929">
+            <a:off x="6851231" y="1783753"/>
+            <a:ext cx="1448608" cy="520394"/>
+          </a:xfrm>
+          <a:prstGeom prst="arc">
+            <a:avLst>
+              <a:gd name="adj1" fmla="val 16200000"/>
+              <a:gd name="adj2" fmla="val 5162385"/>
+            </a:avLst>
+          </a:prstGeom>
+          <a:ln w="38100"/>
+        </p:spPr>
+        <p:style>
+          <a:lnRef idx="1">
+            <a:schemeClr val="accent1"/>
+          </a:lnRef>
+          <a:fillRef idx="0">
+            <a:schemeClr val="accent1"/>
+          </a:fillRef>
+          <a:effectRef idx="0">
+            <a:schemeClr val="accent1"/>
+          </a:effectRef>
+          <a:fontRef idx="minor">
+            <a:schemeClr val="tx1"/>
+          </a:fontRef>
+        </p:style>
+        <p:txBody>
+          <a:bodyPr rtlCol="0" anchor="ctr"/>
+          <a:lstStyle/>
+          <a:p>
+            <a:pPr algn="ctr"/>
+            <a:endParaRPr lang="en-ZA"/>
+          </a:p>
+        </p:txBody>
+      </p:sp>
+      <p:sp>
+        <p:nvSpPr>
+          <p:cNvPr id="54" name="Arc 53"/>
+          <p:cNvSpPr/>
+          <p:nvPr/>
+        </p:nvSpPr>
+        <p:spPr>
+          <a:xfrm rot="494797">
+            <a:off x="5807252" y="2146063"/>
+            <a:ext cx="4520843" cy="3550244"/>
+          </a:xfrm>
+          <a:prstGeom prst="arc">
+            <a:avLst>
+              <a:gd name="adj1" fmla="val 15048821"/>
+              <a:gd name="adj2" fmla="val 7760709"/>
+            </a:avLst>
+          </a:prstGeom>
+          <a:ln w="15875" cap="rnd" cmpd="sng">
+            <a:solidFill>
+              <a:schemeClr val="accent1"/>
+            </a:solidFill>
+            <a:prstDash val="sysDash"/>
+          </a:ln>
+        </p:spPr>
+        <p:style>
+          <a:lnRef idx="1">
+            <a:schemeClr val="accent1"/>
+          </a:lnRef>
+          <a:fillRef idx="0">
+            <a:schemeClr val="accent1"/>
+          </a:fillRef>
+          <a:effectRef idx="0">
+            <a:schemeClr val="accent1"/>
+          </a:effectRef>
+          <a:fontRef idx="minor">
+            <a:schemeClr val="tx1"/>
+          </a:fontRef>
+        </p:style>
+        <p:txBody>
+          <a:bodyPr rtlCol="0" anchor="ctr"/>
+          <a:lstStyle/>
+          <a:p>
+            <a:pPr algn="ctr"/>
+            <a:endParaRPr lang="en-ZA"/>
+          </a:p>
+        </p:txBody>
+      </p:sp>
+      <p:sp>
+        <p:nvSpPr>
+          <p:cNvPr id="55" name="Arc 54"/>
+          <p:cNvSpPr/>
+          <p:nvPr/>
+        </p:nvSpPr>
+        <p:spPr>
+          <a:xfrm rot="276049">
+            <a:off x="6163891" y="2135020"/>
+            <a:ext cx="3643717" cy="2507849"/>
+          </a:xfrm>
+          <a:prstGeom prst="arc">
+            <a:avLst>
+              <a:gd name="adj1" fmla="val 15457930"/>
+              <a:gd name="adj2" fmla="val 6138747"/>
+            </a:avLst>
+          </a:prstGeom>
+          <a:ln w="38100" cap="rnd" cmpd="sng">
+            <a:solidFill>
+              <a:schemeClr val="accent1"/>
+            </a:solidFill>
+            <a:prstDash val="solid"/>
+          </a:ln>
+        </p:spPr>
+        <p:style>
+          <a:lnRef idx="1">
+            <a:schemeClr val="accent1"/>
+          </a:lnRef>
+          <a:fillRef idx="0">
+            <a:schemeClr val="accent1"/>
+          </a:fillRef>
+          <a:effectRef idx="0">
+            <a:schemeClr val="accent1"/>
+          </a:effectRef>
+          <a:fontRef idx="minor">
+            <a:schemeClr val="tx1"/>
+          </a:fontRef>
+        </p:style>
+        <p:txBody>
+          <a:bodyPr rtlCol="0" anchor="ctr"/>
+          <a:lstStyle/>
+          <a:p>
+            <a:pPr algn="ctr"/>
+            <a:endParaRPr lang="en-ZA"/>
+          </a:p>
+        </p:txBody>
+      </p:sp>
+      <p:sp>
+        <p:nvSpPr>
+          <p:cNvPr id="56" name="Arc 55"/>
+          <p:cNvSpPr/>
+          <p:nvPr/>
+        </p:nvSpPr>
+        <p:spPr>
+          <a:xfrm>
+            <a:off x="6916610" y="2155348"/>
+            <a:ext cx="2311678" cy="1522750"/>
+          </a:xfrm>
+          <a:prstGeom prst="arc">
+            <a:avLst>
+              <a:gd name="adj1" fmla="val 16200000"/>
+              <a:gd name="adj2" fmla="val 5162385"/>
+            </a:avLst>
+          </a:prstGeom>
+          <a:ln w="38100" cap="rnd" cmpd="sng">
+            <a:solidFill>
+              <a:schemeClr val="accent1"/>
+            </a:solidFill>
+            <a:prstDash val="solid"/>
+          </a:ln>
+        </p:spPr>
+        <p:style>
+          <a:lnRef idx="1">
+            <a:schemeClr val="accent1"/>
+          </a:lnRef>
+          <a:fillRef idx="0">
+            <a:schemeClr val="accent1"/>
+          </a:fillRef>
+          <a:effectRef idx="0">
+            <a:schemeClr val="accent1"/>
+          </a:effectRef>
+          <a:fontRef idx="minor">
+            <a:schemeClr val="tx1"/>
+          </a:fontRef>
+        </p:style>
+        <p:txBody>
+          <a:bodyPr rtlCol="0" anchor="ctr"/>
+          <a:lstStyle/>
+          <a:p>
+            <a:pPr algn="ctr"/>
+            <a:endParaRPr lang="en-ZA"/>
+          </a:p>
+        </p:txBody>
+      </p:sp>
+      <p:sp>
+        <p:nvSpPr>
+          <p:cNvPr id="57" name="TextBox 56"/>
+          <p:cNvSpPr txBox="1"/>
+          <p:nvPr/>
+        </p:nvSpPr>
+        <p:spPr>
+          <a:xfrm>
+            <a:off x="87817" y="73376"/>
+            <a:ext cx="789148" cy="369332"/>
+          </a:xfrm>
+          <a:prstGeom prst="rect">
+            <a:avLst/>
+          </a:prstGeom>
+          <a:noFill/>
+        </p:spPr>
+        <p:txBody>
+          <a:bodyPr wrap="square" rtlCol="0">
+            <a:spAutoFit/>
+          </a:bodyPr>
+          <a:lstStyle/>
+          <a:p>
+            <a:r>
+              <a:rPr lang="en-ZA" dirty="0"/>
+              <a:t>Brazil</a:t>
+            </a:r>
+          </a:p>
+        </p:txBody>
+      </p:sp>
+      <p:sp>
+        <p:nvSpPr>
+          <p:cNvPr id="38" name="Oval 37"/>
+          <p:cNvSpPr/>
+          <p:nvPr/>
+        </p:nvSpPr>
+        <p:spPr>
+          <a:xfrm>
+            <a:off x="7671591" y="1967626"/>
+            <a:ext cx="386702" cy="386702"/>
+          </a:xfrm>
+          <a:prstGeom prst="ellipse">
+            <a:avLst/>
+          </a:prstGeom>
+        </p:spPr>
+        <p:style>
+          <a:lnRef idx="2">
+            <a:schemeClr val="accent1">
+              <a:shade val="50000"/>
+            </a:schemeClr>
+          </a:lnRef>
+          <a:fillRef idx="1">
+            <a:schemeClr val="accent1"/>
+          </a:fillRef>
+          <a:effectRef idx="0">
+            <a:schemeClr val="accent1"/>
+          </a:effectRef>
+          <a:fontRef idx="minor">
+            <a:schemeClr val="lt1"/>
+          </a:fontRef>
+        </p:style>
+        <p:txBody>
+          <a:bodyPr rtlCol="0" anchor="ctr"/>
+          <a:lstStyle/>
+          <a:p>
+            <a:pPr algn="ctr"/>
+            <a:r>
+              <a:rPr lang="en-ZA" dirty="0"/>
+              <a:t>I</a:t>
+            </a:r>
+          </a:p>
+        </p:txBody>
+      </p:sp>
+    </p:spTree>
+    <p:extLst>
+      <p:ext uri="{BB962C8B-B14F-4D97-AF65-F5344CB8AC3E}">
+        <p14:creationId xmlns:p14="http://schemas.microsoft.com/office/powerpoint/2010/main" val="1719821950"/>
+      </p:ext>
+    </p:extLst>
+  </p:cSld>
+  <p:clrMapOvr>
+    <a:masterClrMapping/>
+  </p:clrMapOvr>
+</p:sld>
+</file>
+
+<file path=ppt/slides/slide13.xml><?xml version="1.0" encoding="utf-8"?>
+<p:sld xmlns:a="http://schemas.openxmlformats.org/drawingml/2006/main" xmlns:r="http://schemas.openxmlformats.org/officeDocument/2006/relationships" xmlns:p="http://schemas.openxmlformats.org/presentationml/2006/main">
+  <p:cSld>
+    <p:spTree>
+      <p:nvGrpSpPr>
+        <p:cNvPr id="1" name=""/>
+        <p:cNvGrpSpPr/>
+        <p:nvPr/>
+      </p:nvGrpSpPr>
+      <p:grpSpPr>
+        <a:xfrm>
+          <a:off x="0" y="0"/>
+          <a:ext cx="0" cy="0"/>
+          <a:chOff x="0" y="0"/>
+          <a:chExt cx="0" cy="0"/>
+        </a:xfrm>
+      </p:grpSpPr>
+      <p:sp>
+        <p:nvSpPr>
+          <p:cNvPr id="31" name="Oval 30"/>
+          <p:cNvSpPr/>
+          <p:nvPr/>
+        </p:nvSpPr>
+        <p:spPr>
+          <a:xfrm>
+            <a:off x="7822757" y="3453119"/>
+            <a:ext cx="386702" cy="386702"/>
+          </a:xfrm>
+          <a:prstGeom prst="ellipse">
+            <a:avLst/>
+          </a:prstGeom>
+        </p:spPr>
+        <p:style>
+          <a:lnRef idx="2">
+            <a:schemeClr val="accent1">
+              <a:shade val="50000"/>
+            </a:schemeClr>
+          </a:lnRef>
+          <a:fillRef idx="1">
+            <a:schemeClr val="accent1"/>
+          </a:fillRef>
+          <a:effectRef idx="0">
+            <a:schemeClr val="accent1"/>
+          </a:effectRef>
+          <a:fontRef idx="minor">
+            <a:schemeClr val="lt1"/>
+          </a:fontRef>
+        </p:style>
+        <p:txBody>
+          <a:bodyPr rtlCol="0" anchor="ctr"/>
+          <a:lstStyle/>
+          <a:p>
+            <a:pPr algn="ctr"/>
+            <a:r>
+              <a:rPr lang="en-ZA" dirty="0"/>
+              <a:t>F</a:t>
+            </a:r>
+          </a:p>
+        </p:txBody>
+      </p:sp>
+      <p:sp>
+        <p:nvSpPr>
+          <p:cNvPr id="32" name="Oval 31"/>
+          <p:cNvSpPr/>
+          <p:nvPr/>
+        </p:nvSpPr>
+        <p:spPr>
+          <a:xfrm>
+            <a:off x="7642852" y="3919884"/>
+            <a:ext cx="386702" cy="386702"/>
+          </a:xfrm>
+          <a:prstGeom prst="ellipse">
+            <a:avLst/>
+          </a:prstGeom>
+        </p:spPr>
+        <p:style>
+          <a:lnRef idx="2">
+            <a:schemeClr val="accent1">
+              <a:shade val="50000"/>
+            </a:schemeClr>
+          </a:lnRef>
+          <a:fillRef idx="1">
+            <a:schemeClr val="accent1"/>
+          </a:fillRef>
+          <a:effectRef idx="0">
+            <a:schemeClr val="accent1"/>
+          </a:effectRef>
+          <a:fontRef idx="minor">
+            <a:schemeClr val="lt1"/>
+          </a:fontRef>
+        </p:style>
+        <p:txBody>
+          <a:bodyPr rtlCol="0" anchor="ctr"/>
+          <a:lstStyle/>
+          <a:p>
+            <a:pPr algn="ctr"/>
+            <a:r>
+              <a:rPr lang="en-ZA" dirty="0"/>
+              <a:t>I</a:t>
+            </a:r>
+          </a:p>
+        </p:txBody>
+      </p:sp>
+      <p:sp>
+        <p:nvSpPr>
+          <p:cNvPr id="33" name="Oval 32"/>
+          <p:cNvSpPr/>
+          <p:nvPr/>
+        </p:nvSpPr>
+        <p:spPr>
+          <a:xfrm>
+            <a:off x="7317421" y="4342657"/>
+            <a:ext cx="386702" cy="386702"/>
+          </a:xfrm>
+          <a:prstGeom prst="ellipse">
+            <a:avLst/>
+          </a:prstGeom>
+        </p:spPr>
+        <p:style>
+          <a:lnRef idx="2">
+            <a:schemeClr val="accent1">
+              <a:shade val="50000"/>
+            </a:schemeClr>
+          </a:lnRef>
+          <a:fillRef idx="1">
+            <a:schemeClr val="accent1"/>
+          </a:fillRef>
+          <a:effectRef idx="0">
+            <a:schemeClr val="accent1"/>
+          </a:effectRef>
+          <a:fontRef idx="minor">
+            <a:schemeClr val="lt1"/>
+          </a:fontRef>
+        </p:style>
+        <p:txBody>
+          <a:bodyPr rtlCol="0" anchor="ctr"/>
+          <a:lstStyle/>
+          <a:p>
+            <a:pPr algn="ctr"/>
+            <a:r>
+              <a:rPr lang="en-ZA" dirty="0"/>
+              <a:t>R</a:t>
+            </a:r>
+          </a:p>
+        </p:txBody>
+      </p:sp>
+      <p:sp>
+        <p:nvSpPr>
+          <p:cNvPr id="34" name="Oval 33"/>
+          <p:cNvSpPr/>
+          <p:nvPr/>
+        </p:nvSpPr>
+        <p:spPr>
+          <a:xfrm>
+            <a:off x="6427483" y="4847175"/>
+            <a:ext cx="386702" cy="386702"/>
+          </a:xfrm>
+          <a:prstGeom prst="ellipse">
+            <a:avLst/>
+          </a:prstGeom>
+        </p:spPr>
+        <p:style>
+          <a:lnRef idx="2">
+            <a:schemeClr val="accent1">
+              <a:shade val="50000"/>
+            </a:schemeClr>
+          </a:lnRef>
+          <a:fillRef idx="1">
+            <a:schemeClr val="accent1"/>
+          </a:fillRef>
+          <a:effectRef idx="0">
+            <a:schemeClr val="accent1"/>
+          </a:effectRef>
+          <a:fontRef idx="minor">
+            <a:schemeClr val="lt1"/>
+          </a:fontRef>
+        </p:style>
+        <p:txBody>
+          <a:bodyPr rtlCol="0" anchor="ctr"/>
+          <a:lstStyle/>
+          <a:p>
+            <a:pPr algn="ctr"/>
+            <a:r>
+              <a:rPr lang="en-ZA" dirty="0"/>
+              <a:t>F</a:t>
+            </a:r>
+          </a:p>
+        </p:txBody>
+      </p:sp>
+      <p:sp>
+        <p:nvSpPr>
+          <p:cNvPr id="35" name="Oval 34"/>
+          <p:cNvSpPr/>
+          <p:nvPr/>
+        </p:nvSpPr>
+        <p:spPr>
+          <a:xfrm>
+            <a:off x="5917230" y="4914185"/>
+            <a:ext cx="386702" cy="386702"/>
+          </a:xfrm>
+          <a:prstGeom prst="ellipse">
+            <a:avLst/>
+          </a:prstGeom>
+        </p:spPr>
+        <p:style>
+          <a:lnRef idx="2">
+            <a:schemeClr val="accent1">
+              <a:shade val="50000"/>
+            </a:schemeClr>
+          </a:lnRef>
+          <a:fillRef idx="1">
+            <a:schemeClr val="accent1"/>
+          </a:fillRef>
+          <a:effectRef idx="0">
+            <a:schemeClr val="accent1"/>
+          </a:effectRef>
+          <a:fontRef idx="minor">
+            <a:schemeClr val="lt1"/>
+          </a:fontRef>
+        </p:style>
+        <p:txBody>
+          <a:bodyPr rtlCol="0" anchor="ctr"/>
+          <a:lstStyle/>
+          <a:p>
+            <a:pPr algn="ctr"/>
+            <a:r>
+              <a:rPr lang="en-ZA" dirty="0"/>
+              <a:t>I</a:t>
+            </a:r>
+          </a:p>
+        </p:txBody>
+      </p:sp>
+      <p:sp>
+        <p:nvSpPr>
+          <p:cNvPr id="36" name="Oval 35"/>
+          <p:cNvSpPr/>
+          <p:nvPr/>
+        </p:nvSpPr>
+        <p:spPr>
+          <a:xfrm>
+            <a:off x="5410524" y="4841553"/>
+            <a:ext cx="386702" cy="386702"/>
+          </a:xfrm>
+          <a:prstGeom prst="ellipse">
+            <a:avLst/>
+          </a:prstGeom>
+        </p:spPr>
+        <p:style>
+          <a:lnRef idx="2">
+            <a:schemeClr val="accent1">
+              <a:shade val="50000"/>
+            </a:schemeClr>
+          </a:lnRef>
+          <a:fillRef idx="1">
+            <a:schemeClr val="accent1"/>
+          </a:fillRef>
+          <a:effectRef idx="0">
+            <a:schemeClr val="accent1"/>
+          </a:effectRef>
+          <a:fontRef idx="minor">
+            <a:schemeClr val="lt1"/>
+          </a:fontRef>
+        </p:style>
+        <p:txBody>
+          <a:bodyPr rtlCol="0" anchor="ctr"/>
+          <a:lstStyle/>
+          <a:p>
+            <a:pPr algn="ctr"/>
+            <a:r>
+              <a:rPr lang="en-ZA" dirty="0"/>
+              <a:t>R</a:t>
+            </a:r>
+          </a:p>
+        </p:txBody>
+      </p:sp>
+      <p:sp>
+        <p:nvSpPr>
+          <p:cNvPr id="37" name="Oval 36"/>
+          <p:cNvSpPr/>
+          <p:nvPr/>
+        </p:nvSpPr>
+        <p:spPr>
+          <a:xfrm>
+            <a:off x="7855662" y="2476779"/>
+            <a:ext cx="386702" cy="386702"/>
+          </a:xfrm>
+          <a:prstGeom prst="ellipse">
+            <a:avLst/>
+          </a:prstGeom>
+        </p:spPr>
+        <p:style>
+          <a:lnRef idx="2">
+            <a:schemeClr val="accent1">
+              <a:shade val="50000"/>
+            </a:schemeClr>
+          </a:lnRef>
+          <a:fillRef idx="1">
+            <a:schemeClr val="accent1"/>
+          </a:fillRef>
+          <a:effectRef idx="0">
+            <a:schemeClr val="accent1"/>
+          </a:effectRef>
+          <a:fontRef idx="minor">
+            <a:schemeClr val="lt1"/>
+          </a:fontRef>
+        </p:style>
+        <p:txBody>
+          <a:bodyPr rtlCol="0" anchor="ctr"/>
+          <a:lstStyle/>
+          <a:p>
+            <a:pPr algn="ctr"/>
+            <a:r>
+              <a:rPr lang="en-ZA" dirty="0"/>
+              <a:t>R</a:t>
+            </a:r>
+          </a:p>
+        </p:txBody>
+      </p:sp>
+      <p:sp>
+        <p:nvSpPr>
+          <p:cNvPr id="38" name="Oval 37"/>
+          <p:cNvSpPr/>
+          <p:nvPr/>
+        </p:nvSpPr>
+        <p:spPr>
+          <a:xfrm>
+            <a:off x="7671591" y="1967626"/>
+            <a:ext cx="386702" cy="386702"/>
+          </a:xfrm>
+          <a:prstGeom prst="ellipse">
+            <a:avLst/>
+          </a:prstGeom>
+        </p:spPr>
+        <p:style>
+          <a:lnRef idx="2">
+            <a:schemeClr val="accent1">
+              <a:shade val="50000"/>
+            </a:schemeClr>
+          </a:lnRef>
+          <a:fillRef idx="1">
+            <a:schemeClr val="accent1"/>
+          </a:fillRef>
+          <a:effectRef idx="0">
+            <a:schemeClr val="accent1"/>
+          </a:effectRef>
+          <a:fontRef idx="minor">
+            <a:schemeClr val="lt1"/>
+          </a:fontRef>
+        </p:style>
+        <p:txBody>
+          <a:bodyPr rtlCol="0" anchor="ctr"/>
+          <a:lstStyle/>
+          <a:p>
+            <a:pPr algn="ctr"/>
+            <a:r>
+              <a:rPr lang="en-ZA" dirty="0"/>
+              <a:t>I</a:t>
+            </a:r>
+          </a:p>
+        </p:txBody>
+      </p:sp>
+      <p:sp>
+        <p:nvSpPr>
+          <p:cNvPr id="39" name="Oval 38"/>
+          <p:cNvSpPr/>
+          <p:nvPr/>
+        </p:nvSpPr>
+        <p:spPr>
+          <a:xfrm>
+            <a:off x="7329249" y="1520728"/>
+            <a:ext cx="386702" cy="386702"/>
+          </a:xfrm>
+          <a:prstGeom prst="ellipse">
+            <a:avLst/>
+          </a:prstGeom>
+        </p:spPr>
+        <p:style>
+          <a:lnRef idx="2">
+            <a:schemeClr val="accent1">
+              <a:shade val="50000"/>
+            </a:schemeClr>
+          </a:lnRef>
+          <a:fillRef idx="1">
+            <a:schemeClr val="accent1"/>
+          </a:fillRef>
+          <a:effectRef idx="0">
+            <a:schemeClr val="accent1"/>
+          </a:effectRef>
+          <a:fontRef idx="minor">
+            <a:schemeClr val="lt1"/>
+          </a:fontRef>
+        </p:style>
+        <p:txBody>
+          <a:bodyPr rtlCol="0" anchor="ctr"/>
+          <a:lstStyle/>
+          <a:p>
+            <a:pPr algn="ctr"/>
+            <a:r>
+              <a:rPr lang="en-ZA" dirty="0"/>
+              <a:t>F</a:t>
+            </a:r>
+          </a:p>
+        </p:txBody>
+      </p:sp>
+      <p:sp>
+        <p:nvSpPr>
+          <p:cNvPr id="40" name="Oval 39"/>
+          <p:cNvSpPr/>
+          <p:nvPr/>
+        </p:nvSpPr>
+        <p:spPr>
+          <a:xfrm>
+            <a:off x="4534862" y="4331311"/>
+            <a:ext cx="386702" cy="386702"/>
+          </a:xfrm>
+          <a:prstGeom prst="ellipse">
+            <a:avLst/>
+          </a:prstGeom>
+        </p:spPr>
+        <p:style>
+          <a:lnRef idx="2">
+            <a:schemeClr val="accent1">
+              <a:shade val="50000"/>
+            </a:schemeClr>
+          </a:lnRef>
+          <a:fillRef idx="1">
+            <a:schemeClr val="accent1"/>
+          </a:fillRef>
+          <a:effectRef idx="0">
+            <a:schemeClr val="accent1"/>
+          </a:effectRef>
+          <a:fontRef idx="minor">
+            <a:schemeClr val="lt1"/>
+          </a:fontRef>
+        </p:style>
+        <p:txBody>
+          <a:bodyPr rtlCol="0" anchor="ctr"/>
+          <a:lstStyle/>
+          <a:p>
+            <a:pPr algn="ctr"/>
+            <a:r>
+              <a:rPr lang="en-ZA" dirty="0"/>
+              <a:t>F</a:t>
+            </a:r>
+          </a:p>
+        </p:txBody>
+      </p:sp>
+      <p:sp>
+        <p:nvSpPr>
+          <p:cNvPr id="41" name="Oval 40"/>
+          <p:cNvSpPr/>
+          <p:nvPr/>
+        </p:nvSpPr>
+        <p:spPr>
+          <a:xfrm>
+            <a:off x="4217449" y="3915623"/>
+            <a:ext cx="386702" cy="386702"/>
+          </a:xfrm>
+          <a:prstGeom prst="ellipse">
+            <a:avLst/>
+          </a:prstGeom>
+        </p:spPr>
+        <p:style>
+          <a:lnRef idx="2">
+            <a:schemeClr val="accent1">
+              <a:shade val="50000"/>
+            </a:schemeClr>
+          </a:lnRef>
+          <a:fillRef idx="1">
+            <a:schemeClr val="accent1"/>
+          </a:fillRef>
+          <a:effectRef idx="0">
+            <a:schemeClr val="accent1"/>
+          </a:effectRef>
+          <a:fontRef idx="minor">
+            <a:schemeClr val="lt1"/>
+          </a:fontRef>
+        </p:style>
+        <p:txBody>
+          <a:bodyPr rtlCol="0" anchor="ctr"/>
+          <a:lstStyle/>
+          <a:p>
+            <a:pPr algn="ctr"/>
+            <a:r>
+              <a:rPr lang="en-ZA" dirty="0"/>
+              <a:t>I</a:t>
+            </a:r>
+          </a:p>
+        </p:txBody>
+      </p:sp>
+      <p:sp>
+        <p:nvSpPr>
+          <p:cNvPr id="42" name="Oval 41"/>
+          <p:cNvSpPr/>
+          <p:nvPr/>
+        </p:nvSpPr>
+        <p:spPr>
+          <a:xfrm>
+            <a:off x="4017581" y="3398260"/>
+            <a:ext cx="386702" cy="386702"/>
+          </a:xfrm>
+          <a:prstGeom prst="ellipse">
+            <a:avLst/>
+          </a:prstGeom>
+        </p:spPr>
+        <p:style>
+          <a:lnRef idx="2">
+            <a:schemeClr val="accent1">
+              <a:shade val="50000"/>
+            </a:schemeClr>
+          </a:lnRef>
+          <a:fillRef idx="1">
+            <a:schemeClr val="accent1"/>
+          </a:fillRef>
+          <a:effectRef idx="0">
+            <a:schemeClr val="accent1"/>
+          </a:effectRef>
+          <a:fontRef idx="minor">
+            <a:schemeClr val="lt1"/>
+          </a:fontRef>
+        </p:style>
+        <p:txBody>
+          <a:bodyPr rtlCol="0" anchor="ctr"/>
+          <a:lstStyle/>
+          <a:p>
+            <a:pPr algn="ctr"/>
+            <a:r>
+              <a:rPr lang="en-ZA" dirty="0"/>
+              <a:t>R</a:t>
+            </a:r>
+          </a:p>
+        </p:txBody>
+      </p:sp>
+      <p:sp>
+        <p:nvSpPr>
+          <p:cNvPr id="43" name="Oval 42"/>
+          <p:cNvSpPr/>
+          <p:nvPr/>
+        </p:nvSpPr>
+        <p:spPr>
+          <a:xfrm>
+            <a:off x="4019140" y="2430607"/>
+            <a:ext cx="386702" cy="386702"/>
+          </a:xfrm>
+          <a:prstGeom prst="ellipse">
+            <a:avLst/>
+          </a:prstGeom>
+        </p:spPr>
+        <p:style>
+          <a:lnRef idx="2">
+            <a:schemeClr val="accent1">
+              <a:shade val="50000"/>
+            </a:schemeClr>
+          </a:lnRef>
+          <a:fillRef idx="1">
+            <a:schemeClr val="accent1"/>
+          </a:fillRef>
+          <a:effectRef idx="0">
+            <a:schemeClr val="accent1"/>
+          </a:effectRef>
+          <a:fontRef idx="minor">
+            <a:schemeClr val="lt1"/>
+          </a:fontRef>
+        </p:style>
+        <p:txBody>
+          <a:bodyPr rtlCol="0" anchor="ctr"/>
+          <a:lstStyle/>
+          <a:p>
+            <a:pPr algn="ctr"/>
+            <a:r>
+              <a:rPr lang="en-ZA" dirty="0"/>
+              <a:t>F</a:t>
+            </a:r>
+          </a:p>
+        </p:txBody>
+      </p:sp>
+      <p:sp>
+        <p:nvSpPr>
+          <p:cNvPr id="44" name="Oval 43"/>
+          <p:cNvSpPr/>
+          <p:nvPr/>
+        </p:nvSpPr>
+        <p:spPr>
+          <a:xfrm>
+            <a:off x="4227480" y="1954177"/>
+            <a:ext cx="386702" cy="386702"/>
+          </a:xfrm>
+          <a:prstGeom prst="ellipse">
+            <a:avLst/>
+          </a:prstGeom>
+        </p:spPr>
+        <p:style>
+          <a:lnRef idx="2">
+            <a:schemeClr val="accent1">
+              <a:shade val="50000"/>
+            </a:schemeClr>
+          </a:lnRef>
+          <a:fillRef idx="1">
+            <a:schemeClr val="accent1"/>
+          </a:fillRef>
+          <a:effectRef idx="0">
+            <a:schemeClr val="accent1"/>
+          </a:effectRef>
+          <a:fontRef idx="minor">
+            <a:schemeClr val="lt1"/>
+          </a:fontRef>
+        </p:style>
+        <p:txBody>
+          <a:bodyPr rtlCol="0" anchor="ctr"/>
+          <a:lstStyle/>
+          <a:p>
+            <a:pPr algn="ctr"/>
+            <a:r>
+              <a:rPr lang="en-ZA" dirty="0"/>
+              <a:t>I</a:t>
+            </a:r>
+          </a:p>
+        </p:txBody>
+      </p:sp>
+      <p:sp>
+        <p:nvSpPr>
+          <p:cNvPr id="45" name="Oval 44"/>
+          <p:cNvSpPr/>
+          <p:nvPr/>
+        </p:nvSpPr>
+        <p:spPr>
+          <a:xfrm>
+            <a:off x="4508715" y="1538899"/>
+            <a:ext cx="386702" cy="386702"/>
+          </a:xfrm>
+          <a:prstGeom prst="ellipse">
+            <a:avLst/>
+          </a:prstGeom>
+        </p:spPr>
+        <p:style>
+          <a:lnRef idx="2">
+            <a:schemeClr val="accent1">
+              <a:shade val="50000"/>
+            </a:schemeClr>
+          </a:lnRef>
+          <a:fillRef idx="1">
+            <a:schemeClr val="accent1"/>
+          </a:fillRef>
+          <a:effectRef idx="0">
+            <a:schemeClr val="accent1"/>
+          </a:effectRef>
+          <a:fontRef idx="minor">
+            <a:schemeClr val="lt1"/>
+          </a:fontRef>
+        </p:style>
+        <p:txBody>
+          <a:bodyPr rtlCol="0" anchor="ctr"/>
+          <a:lstStyle/>
+          <a:p>
+            <a:pPr algn="ctr"/>
+            <a:r>
+              <a:rPr lang="en-ZA" dirty="0"/>
+              <a:t>R</a:t>
+            </a:r>
+          </a:p>
+        </p:txBody>
+      </p:sp>
+      <p:sp>
+        <p:nvSpPr>
+          <p:cNvPr id="48" name="TextBox 47"/>
+          <p:cNvSpPr txBox="1"/>
+          <p:nvPr/>
+        </p:nvSpPr>
+        <p:spPr>
+          <a:xfrm>
+            <a:off x="3421784" y="1495776"/>
+            <a:ext cx="789148" cy="646331"/>
+          </a:xfrm>
+          <a:prstGeom prst="rect">
+            <a:avLst/>
+          </a:prstGeom>
+          <a:noFill/>
+        </p:spPr>
+        <p:txBody>
+          <a:bodyPr wrap="square" rtlCol="0">
+            <a:spAutoFit/>
+          </a:bodyPr>
+          <a:lstStyle/>
+          <a:p>
+            <a:r>
+              <a:rPr lang="en-ZA" dirty="0"/>
+              <a:t>South </a:t>
+            </a:r>
+          </a:p>
+          <a:p>
+            <a:r>
+              <a:rPr lang="en-ZA" dirty="0"/>
+              <a:t>Africa</a:t>
+            </a:r>
+          </a:p>
+        </p:txBody>
+      </p:sp>
+      <p:sp>
+        <p:nvSpPr>
+          <p:cNvPr id="49" name="TextBox 48"/>
+          <p:cNvSpPr txBox="1"/>
+          <p:nvPr/>
+        </p:nvSpPr>
+        <p:spPr>
+          <a:xfrm>
+            <a:off x="8205657" y="1495776"/>
+            <a:ext cx="789148" cy="369332"/>
+          </a:xfrm>
+          <a:prstGeom prst="rect">
+            <a:avLst/>
+          </a:prstGeom>
+          <a:noFill/>
+        </p:spPr>
+        <p:txBody>
+          <a:bodyPr wrap="square" rtlCol="0">
+            <a:spAutoFit/>
+          </a:bodyPr>
+          <a:lstStyle/>
+          <a:p>
+            <a:r>
+              <a:rPr lang="en-ZA" dirty="0"/>
+              <a:t>Brazil</a:t>
+            </a:r>
+          </a:p>
+        </p:txBody>
+      </p:sp>
+      <p:sp>
+        <p:nvSpPr>
+          <p:cNvPr id="52" name="TextBox 51"/>
+          <p:cNvSpPr txBox="1"/>
+          <p:nvPr/>
+        </p:nvSpPr>
+        <p:spPr>
+          <a:xfrm>
+            <a:off x="3421784" y="4173976"/>
+            <a:ext cx="789148" cy="369332"/>
+          </a:xfrm>
+          <a:prstGeom prst="rect">
+            <a:avLst/>
+          </a:prstGeom>
+          <a:noFill/>
+        </p:spPr>
+        <p:txBody>
+          <a:bodyPr wrap="square" rtlCol="0">
+            <a:spAutoFit/>
+          </a:bodyPr>
+          <a:lstStyle/>
+          <a:p>
+            <a:r>
+              <a:rPr lang="en-ZA" dirty="0"/>
+              <a:t>China</a:t>
+            </a:r>
+          </a:p>
+        </p:txBody>
+      </p:sp>
+      <p:sp>
+        <p:nvSpPr>
+          <p:cNvPr id="60" name="Arc 59"/>
+          <p:cNvSpPr/>
+          <p:nvPr/>
+        </p:nvSpPr>
+        <p:spPr>
+          <a:xfrm rot="12696472">
+            <a:off x="6981510" y="3534452"/>
+            <a:ext cx="1293785" cy="936784"/>
+          </a:xfrm>
+          <a:prstGeom prst="arc">
+            <a:avLst>
+              <a:gd name="adj1" fmla="val 16200000"/>
+              <a:gd name="adj2" fmla="val 5162385"/>
+            </a:avLst>
+          </a:prstGeom>
+          <a:ln w="38100"/>
+        </p:spPr>
+        <p:style>
+          <a:lnRef idx="1">
+            <a:schemeClr val="accent1"/>
+          </a:lnRef>
+          <a:fillRef idx="0">
+            <a:schemeClr val="accent1"/>
+          </a:fillRef>
+          <a:effectRef idx="0">
+            <a:schemeClr val="accent1"/>
+          </a:effectRef>
+          <a:fontRef idx="minor">
+            <a:schemeClr val="tx1"/>
+          </a:fontRef>
+        </p:style>
+        <p:txBody>
+          <a:bodyPr rtlCol="0" anchor="ctr"/>
+          <a:lstStyle/>
+          <a:p>
+            <a:pPr algn="ctr"/>
+            <a:endParaRPr lang="en-ZA"/>
+          </a:p>
+        </p:txBody>
+      </p:sp>
+      <p:sp>
+        <p:nvSpPr>
+          <p:cNvPr id="30" name="Arc 29"/>
+          <p:cNvSpPr/>
+          <p:nvPr/>
+        </p:nvSpPr>
+        <p:spPr>
+          <a:xfrm rot="1801012">
+            <a:off x="6433230" y="3567586"/>
+            <a:ext cx="2321590" cy="2059532"/>
+          </a:xfrm>
+          <a:prstGeom prst="arc">
+            <a:avLst>
+              <a:gd name="adj1" fmla="val 16200000"/>
+              <a:gd name="adj2" fmla="val 6963209"/>
+            </a:avLst>
+          </a:prstGeom>
+          <a:ln w="38100"/>
+        </p:spPr>
+        <p:style>
+          <a:lnRef idx="1">
+            <a:schemeClr val="accent1"/>
+          </a:lnRef>
+          <a:fillRef idx="0">
+            <a:schemeClr val="accent1"/>
+          </a:fillRef>
+          <a:effectRef idx="0">
+            <a:schemeClr val="accent1"/>
+          </a:effectRef>
+          <a:fontRef idx="minor">
+            <a:schemeClr val="tx1"/>
+          </a:fontRef>
+        </p:style>
+        <p:txBody>
+          <a:bodyPr rtlCol="0" anchor="ctr"/>
+          <a:lstStyle/>
+          <a:p>
+            <a:pPr algn="ctr"/>
+            <a:endParaRPr lang="en-ZA"/>
+          </a:p>
+        </p:txBody>
+      </p:sp>
+      <p:sp>
+        <p:nvSpPr>
+          <p:cNvPr id="46" name="Arc 45"/>
+          <p:cNvSpPr/>
+          <p:nvPr/>
+        </p:nvSpPr>
+        <p:spPr>
+          <a:xfrm rot="2777262">
+            <a:off x="6082912" y="3589106"/>
+            <a:ext cx="3014625" cy="2984112"/>
+          </a:xfrm>
+          <a:prstGeom prst="arc">
+            <a:avLst>
+              <a:gd name="adj1" fmla="val 14650456"/>
+              <a:gd name="adj2" fmla="val 7573101"/>
+            </a:avLst>
+          </a:prstGeom>
+          <a:ln w="38100"/>
+        </p:spPr>
+        <p:style>
+          <a:lnRef idx="1">
+            <a:schemeClr val="accent1"/>
+          </a:lnRef>
+          <a:fillRef idx="0">
+            <a:schemeClr val="accent1"/>
+          </a:fillRef>
+          <a:effectRef idx="0">
+            <a:schemeClr val="accent1"/>
+          </a:effectRef>
+          <a:fontRef idx="minor">
+            <a:schemeClr val="tx1"/>
+          </a:fontRef>
+        </p:style>
+        <p:txBody>
+          <a:bodyPr rtlCol="0" anchor="ctr"/>
+          <a:lstStyle/>
+          <a:p>
+            <a:pPr algn="ctr"/>
+            <a:endParaRPr lang="en-ZA"/>
+          </a:p>
+        </p:txBody>
+      </p:sp>
+      <p:sp>
+        <p:nvSpPr>
+          <p:cNvPr id="47" name="Arc 46"/>
+          <p:cNvSpPr/>
+          <p:nvPr/>
+        </p:nvSpPr>
+        <p:spPr>
+          <a:xfrm rot="1801012">
+            <a:off x="6253466" y="4426220"/>
+            <a:ext cx="2069116" cy="1081404"/>
+          </a:xfrm>
+          <a:prstGeom prst="arc">
+            <a:avLst>
+              <a:gd name="adj1" fmla="val 16200000"/>
+              <a:gd name="adj2" fmla="val 7506175"/>
+            </a:avLst>
+          </a:prstGeom>
+          <a:ln w="38100"/>
+        </p:spPr>
+        <p:style>
+          <a:lnRef idx="1">
+            <a:schemeClr val="accent1"/>
+          </a:lnRef>
+          <a:fillRef idx="0">
+            <a:schemeClr val="accent1"/>
+          </a:fillRef>
+          <a:effectRef idx="0">
+            <a:schemeClr val="accent1"/>
+          </a:effectRef>
+          <a:fontRef idx="minor">
+            <a:schemeClr val="tx1"/>
+          </a:fontRef>
+        </p:style>
+        <p:txBody>
+          <a:bodyPr rtlCol="0" anchor="ctr"/>
+          <a:lstStyle/>
+          <a:p>
+            <a:pPr algn="ctr"/>
+            <a:endParaRPr lang="en-ZA"/>
+          </a:p>
+        </p:txBody>
+      </p:sp>
+      <p:sp>
+        <p:nvSpPr>
+          <p:cNvPr id="53" name="Arc 52"/>
+          <p:cNvSpPr/>
+          <p:nvPr/>
+        </p:nvSpPr>
+        <p:spPr>
+          <a:xfrm rot="1801012">
+            <a:off x="6341664" y="4060983"/>
+            <a:ext cx="2165733" cy="1504930"/>
+          </a:xfrm>
+          <a:prstGeom prst="arc">
+            <a:avLst>
+              <a:gd name="adj1" fmla="val 16200000"/>
+              <a:gd name="adj2" fmla="val 7506175"/>
+            </a:avLst>
+          </a:prstGeom>
+          <a:ln w="38100"/>
+        </p:spPr>
+        <p:style>
+          <a:lnRef idx="1">
+            <a:schemeClr val="accent1"/>
+          </a:lnRef>
+          <a:fillRef idx="0">
+            <a:schemeClr val="accent1"/>
+          </a:fillRef>
+          <a:effectRef idx="0">
+            <a:schemeClr val="accent1"/>
+          </a:effectRef>
+          <a:fontRef idx="minor">
+            <a:schemeClr val="tx1"/>
+          </a:fontRef>
+        </p:style>
+        <p:txBody>
+          <a:bodyPr rtlCol="0" anchor="ctr"/>
+          <a:lstStyle/>
+          <a:p>
+            <a:pPr algn="ctr"/>
+            <a:endParaRPr lang="en-ZA"/>
+          </a:p>
+        </p:txBody>
+      </p:sp>
+      <p:sp>
+        <p:nvSpPr>
+          <p:cNvPr id="55" name="Arc 54"/>
+          <p:cNvSpPr/>
+          <p:nvPr/>
+        </p:nvSpPr>
+        <p:spPr>
+          <a:xfrm rot="276049">
+            <a:off x="6163891" y="2135020"/>
+            <a:ext cx="3643717" cy="2507849"/>
+          </a:xfrm>
+          <a:prstGeom prst="arc">
+            <a:avLst>
+              <a:gd name="adj1" fmla="val 15457930"/>
+              <a:gd name="adj2" fmla="val 5703981"/>
+            </a:avLst>
+          </a:prstGeom>
+          <a:ln w="38100" cap="rnd" cmpd="sng">
+            <a:solidFill>
+              <a:schemeClr val="accent1"/>
+            </a:solidFill>
+            <a:prstDash val="solid"/>
+          </a:ln>
+        </p:spPr>
+        <p:style>
+          <a:lnRef idx="1">
+            <a:schemeClr val="accent1"/>
+          </a:lnRef>
+          <a:fillRef idx="0">
+            <a:schemeClr val="accent1"/>
+          </a:fillRef>
+          <a:effectRef idx="0">
+            <a:schemeClr val="accent1"/>
+          </a:effectRef>
+          <a:fontRef idx="minor">
+            <a:schemeClr val="tx1"/>
+          </a:fontRef>
+        </p:style>
+        <p:txBody>
+          <a:bodyPr rtlCol="0" anchor="ctr"/>
+          <a:lstStyle/>
+          <a:p>
+            <a:pPr algn="ctr"/>
+            <a:endParaRPr lang="en-ZA"/>
+          </a:p>
+        </p:txBody>
+      </p:sp>
+      <p:sp>
+        <p:nvSpPr>
+          <p:cNvPr id="56" name="Arc 55"/>
+          <p:cNvSpPr/>
+          <p:nvPr/>
+        </p:nvSpPr>
+        <p:spPr>
+          <a:xfrm>
+            <a:off x="6916610" y="2155348"/>
+            <a:ext cx="2311678" cy="1522750"/>
+          </a:xfrm>
+          <a:prstGeom prst="arc">
+            <a:avLst>
+              <a:gd name="adj1" fmla="val 16200000"/>
+              <a:gd name="adj2" fmla="val 5162385"/>
+            </a:avLst>
+          </a:prstGeom>
+          <a:ln w="38100" cap="rnd" cmpd="sng">
+            <a:solidFill>
+              <a:schemeClr val="accent1"/>
+            </a:solidFill>
+            <a:prstDash val="solid"/>
+          </a:ln>
+        </p:spPr>
+        <p:style>
+          <a:lnRef idx="1">
+            <a:schemeClr val="accent1"/>
+          </a:lnRef>
+          <a:fillRef idx="0">
+            <a:schemeClr val="accent1"/>
+          </a:fillRef>
+          <a:effectRef idx="0">
+            <a:schemeClr val="accent1"/>
+          </a:effectRef>
+          <a:fontRef idx="minor">
+            <a:schemeClr val="tx1"/>
+          </a:fontRef>
+        </p:style>
+        <p:txBody>
+          <a:bodyPr rtlCol="0" anchor="ctr"/>
+          <a:lstStyle/>
+          <a:p>
+            <a:pPr algn="ctr"/>
+            <a:endParaRPr lang="en-ZA"/>
+          </a:p>
+        </p:txBody>
+      </p:sp>
+      <p:sp>
+        <p:nvSpPr>
+          <p:cNvPr id="57" name="TextBox 56"/>
+          <p:cNvSpPr txBox="1"/>
+          <p:nvPr/>
+        </p:nvSpPr>
+        <p:spPr>
+          <a:xfrm>
+            <a:off x="0" y="14805"/>
+            <a:ext cx="789148" cy="369332"/>
+          </a:xfrm>
+          <a:prstGeom prst="rect">
+            <a:avLst/>
+          </a:prstGeom>
+          <a:noFill/>
+        </p:spPr>
+        <p:txBody>
+          <a:bodyPr wrap="square" rtlCol="0">
+            <a:spAutoFit/>
+          </a:bodyPr>
+          <a:lstStyle/>
+          <a:p>
+            <a:r>
+              <a:rPr lang="en-ZA" dirty="0"/>
+              <a:t>Russia</a:t>
+            </a:r>
+          </a:p>
+        </p:txBody>
+      </p:sp>
+      <p:sp>
+        <p:nvSpPr>
+          <p:cNvPr id="50" name="TextBox 49"/>
+          <p:cNvSpPr txBox="1"/>
+          <p:nvPr/>
+        </p:nvSpPr>
+        <p:spPr>
+          <a:xfrm>
+            <a:off x="8205657" y="4173976"/>
+            <a:ext cx="789148" cy="369332"/>
+          </a:xfrm>
+          <a:prstGeom prst="rect">
+            <a:avLst/>
+          </a:prstGeom>
+          <a:noFill/>
+        </p:spPr>
+        <p:txBody>
+          <a:bodyPr wrap="square" rtlCol="0">
+            <a:spAutoFit/>
+          </a:bodyPr>
+          <a:lstStyle/>
+          <a:p>
+            <a:r>
+              <a:rPr lang="en-ZA" dirty="0"/>
+              <a:t>Russia</a:t>
+            </a:r>
+          </a:p>
+        </p:txBody>
+      </p:sp>
+      <p:sp>
+        <p:nvSpPr>
+          <p:cNvPr id="51" name="TextBox 50"/>
+          <p:cNvSpPr txBox="1"/>
+          <p:nvPr/>
+        </p:nvSpPr>
+        <p:spPr>
+          <a:xfrm>
+            <a:off x="5791798" y="5474456"/>
+            <a:ext cx="789148" cy="369332"/>
+          </a:xfrm>
+          <a:prstGeom prst="rect">
+            <a:avLst/>
+          </a:prstGeom>
+          <a:noFill/>
+        </p:spPr>
+        <p:txBody>
+          <a:bodyPr wrap="square" rtlCol="0">
+            <a:spAutoFit/>
+          </a:bodyPr>
+          <a:lstStyle/>
+          <a:p>
+            <a:r>
+              <a:rPr lang="en-ZA" dirty="0"/>
+              <a:t>India</a:t>
+            </a:r>
+          </a:p>
+        </p:txBody>
+      </p:sp>
+    </p:spTree>
+    <p:extLst>
+      <p:ext uri="{BB962C8B-B14F-4D97-AF65-F5344CB8AC3E}">
+        <p14:creationId xmlns:p14="http://schemas.microsoft.com/office/powerpoint/2010/main" val="1500504924"/>
+      </p:ext>
+    </p:extLst>
+  </p:cSld>
+  <p:clrMapOvr>
+    <a:masterClrMapping/>
+  </p:clrMapOvr>
+</p:sld>
+</file>
+
+<file path=ppt/slides/slide14.xml><?xml version="1.0" encoding="utf-8"?>
+<p:sld xmlns:a="http://schemas.openxmlformats.org/drawingml/2006/main" xmlns:r="http://schemas.openxmlformats.org/officeDocument/2006/relationships" xmlns:p="http://schemas.openxmlformats.org/presentationml/2006/main">
+  <p:cSld>
+    <p:spTree>
+      <p:nvGrpSpPr>
+        <p:cNvPr id="1" name=""/>
+        <p:cNvGrpSpPr/>
+        <p:nvPr/>
+      </p:nvGrpSpPr>
+      <p:grpSpPr>
+        <a:xfrm>
+          <a:off x="0" y="0"/>
+          <a:ext cx="0" cy="0"/>
+          <a:chOff x="0" y="0"/>
+          <a:chExt cx="0" cy="0"/>
+        </a:xfrm>
+      </p:grpSpPr>
+      <p:sp>
+        <p:nvSpPr>
+          <p:cNvPr id="31" name="Oval 30"/>
+          <p:cNvSpPr/>
+          <p:nvPr/>
+        </p:nvSpPr>
+        <p:spPr>
+          <a:xfrm>
+            <a:off x="7822757" y="3453119"/>
+            <a:ext cx="386702" cy="386702"/>
+          </a:xfrm>
+          <a:prstGeom prst="ellipse">
+            <a:avLst/>
+          </a:prstGeom>
+        </p:spPr>
+        <p:style>
+          <a:lnRef idx="2">
+            <a:schemeClr val="accent1">
+              <a:shade val="50000"/>
+            </a:schemeClr>
+          </a:lnRef>
+          <a:fillRef idx="1">
+            <a:schemeClr val="accent1"/>
+          </a:fillRef>
+          <a:effectRef idx="0">
+            <a:schemeClr val="accent1"/>
+          </a:effectRef>
+          <a:fontRef idx="minor">
+            <a:schemeClr val="lt1"/>
+          </a:fontRef>
+        </p:style>
+        <p:txBody>
+          <a:bodyPr rtlCol="0" anchor="ctr"/>
+          <a:lstStyle/>
+          <a:p>
+            <a:pPr algn="ctr"/>
+            <a:r>
+              <a:rPr lang="en-ZA" dirty="0"/>
+              <a:t>F</a:t>
+            </a:r>
+          </a:p>
+        </p:txBody>
+      </p:sp>
+      <p:sp>
+        <p:nvSpPr>
+          <p:cNvPr id="32" name="Oval 31"/>
+          <p:cNvSpPr/>
+          <p:nvPr/>
+        </p:nvSpPr>
+        <p:spPr>
+          <a:xfrm>
+            <a:off x="7642852" y="3919884"/>
+            <a:ext cx="386702" cy="386702"/>
+          </a:xfrm>
+          <a:prstGeom prst="ellipse">
+            <a:avLst/>
+          </a:prstGeom>
+        </p:spPr>
+        <p:style>
+          <a:lnRef idx="2">
+            <a:schemeClr val="accent1">
+              <a:shade val="50000"/>
+            </a:schemeClr>
+          </a:lnRef>
+          <a:fillRef idx="1">
+            <a:schemeClr val="accent1"/>
+          </a:fillRef>
+          <a:effectRef idx="0">
+            <a:schemeClr val="accent1"/>
+          </a:effectRef>
+          <a:fontRef idx="minor">
+            <a:schemeClr val="lt1"/>
+          </a:fontRef>
+        </p:style>
+        <p:txBody>
+          <a:bodyPr rtlCol="0" anchor="ctr"/>
+          <a:lstStyle/>
+          <a:p>
+            <a:pPr algn="ctr"/>
+            <a:r>
+              <a:rPr lang="en-ZA" dirty="0"/>
+              <a:t>I</a:t>
+            </a:r>
+          </a:p>
+        </p:txBody>
+      </p:sp>
+      <p:sp>
+        <p:nvSpPr>
+          <p:cNvPr id="33" name="Oval 32"/>
+          <p:cNvSpPr/>
+          <p:nvPr/>
+        </p:nvSpPr>
+        <p:spPr>
+          <a:xfrm>
+            <a:off x="7317421" y="4342657"/>
+            <a:ext cx="386702" cy="386702"/>
+          </a:xfrm>
+          <a:prstGeom prst="ellipse">
+            <a:avLst/>
+          </a:prstGeom>
+        </p:spPr>
+        <p:style>
+          <a:lnRef idx="2">
+            <a:schemeClr val="accent1">
+              <a:shade val="50000"/>
+            </a:schemeClr>
+          </a:lnRef>
+          <a:fillRef idx="1">
+            <a:schemeClr val="accent1"/>
+          </a:fillRef>
+          <a:effectRef idx="0">
+            <a:schemeClr val="accent1"/>
+          </a:effectRef>
+          <a:fontRef idx="minor">
+            <a:schemeClr val="lt1"/>
+          </a:fontRef>
+        </p:style>
+        <p:txBody>
+          <a:bodyPr rtlCol="0" anchor="ctr"/>
+          <a:lstStyle/>
+          <a:p>
+            <a:pPr algn="ctr"/>
+            <a:r>
+              <a:rPr lang="en-ZA" dirty="0"/>
+              <a:t>R</a:t>
+            </a:r>
+          </a:p>
+        </p:txBody>
+      </p:sp>
+      <p:sp>
+        <p:nvSpPr>
+          <p:cNvPr id="34" name="Oval 33"/>
+          <p:cNvSpPr/>
+          <p:nvPr/>
+        </p:nvSpPr>
+        <p:spPr>
+          <a:xfrm>
+            <a:off x="6427483" y="4847175"/>
+            <a:ext cx="386702" cy="386702"/>
+          </a:xfrm>
+          <a:prstGeom prst="ellipse">
+            <a:avLst/>
+          </a:prstGeom>
+        </p:spPr>
+        <p:style>
+          <a:lnRef idx="2">
+            <a:schemeClr val="accent1">
+              <a:shade val="50000"/>
+            </a:schemeClr>
+          </a:lnRef>
+          <a:fillRef idx="1">
+            <a:schemeClr val="accent1"/>
+          </a:fillRef>
+          <a:effectRef idx="0">
+            <a:schemeClr val="accent1"/>
+          </a:effectRef>
+          <a:fontRef idx="minor">
+            <a:schemeClr val="lt1"/>
+          </a:fontRef>
+        </p:style>
+        <p:txBody>
+          <a:bodyPr rtlCol="0" anchor="ctr"/>
+          <a:lstStyle/>
+          <a:p>
+            <a:pPr algn="ctr"/>
+            <a:r>
+              <a:rPr lang="en-ZA" dirty="0"/>
+              <a:t>F</a:t>
+            </a:r>
+          </a:p>
+        </p:txBody>
+      </p:sp>
+      <p:sp>
+        <p:nvSpPr>
+          <p:cNvPr id="35" name="Oval 34"/>
+          <p:cNvSpPr/>
+          <p:nvPr/>
+        </p:nvSpPr>
+        <p:spPr>
+          <a:xfrm>
+            <a:off x="5917230" y="4914185"/>
+            <a:ext cx="386702" cy="386702"/>
+          </a:xfrm>
+          <a:prstGeom prst="ellipse">
+            <a:avLst/>
+          </a:prstGeom>
+        </p:spPr>
+        <p:style>
+          <a:lnRef idx="2">
+            <a:schemeClr val="accent1">
+              <a:shade val="50000"/>
+            </a:schemeClr>
+          </a:lnRef>
+          <a:fillRef idx="1">
+            <a:schemeClr val="accent1"/>
+          </a:fillRef>
+          <a:effectRef idx="0">
+            <a:schemeClr val="accent1"/>
+          </a:effectRef>
+          <a:fontRef idx="minor">
+            <a:schemeClr val="lt1"/>
+          </a:fontRef>
+        </p:style>
+        <p:txBody>
+          <a:bodyPr rtlCol="0" anchor="ctr"/>
+          <a:lstStyle/>
+          <a:p>
+            <a:pPr algn="ctr"/>
+            <a:r>
+              <a:rPr lang="en-ZA" dirty="0"/>
+              <a:t>I</a:t>
+            </a:r>
+          </a:p>
+        </p:txBody>
+      </p:sp>
+      <p:sp>
+        <p:nvSpPr>
+          <p:cNvPr id="36" name="Oval 35"/>
+          <p:cNvSpPr/>
+          <p:nvPr/>
+        </p:nvSpPr>
+        <p:spPr>
+          <a:xfrm>
+            <a:off x="5410524" y="4841553"/>
+            <a:ext cx="386702" cy="386702"/>
+          </a:xfrm>
+          <a:prstGeom prst="ellipse">
+            <a:avLst/>
+          </a:prstGeom>
+        </p:spPr>
+        <p:style>
+          <a:lnRef idx="2">
+            <a:schemeClr val="accent1">
+              <a:shade val="50000"/>
+            </a:schemeClr>
+          </a:lnRef>
+          <a:fillRef idx="1">
+            <a:schemeClr val="accent1"/>
+          </a:fillRef>
+          <a:effectRef idx="0">
+            <a:schemeClr val="accent1"/>
+          </a:effectRef>
+          <a:fontRef idx="minor">
+            <a:schemeClr val="lt1"/>
+          </a:fontRef>
+        </p:style>
+        <p:txBody>
+          <a:bodyPr rtlCol="0" anchor="ctr"/>
+          <a:lstStyle/>
+          <a:p>
+            <a:pPr algn="ctr"/>
+            <a:r>
+              <a:rPr lang="en-ZA" dirty="0"/>
+              <a:t>R</a:t>
+            </a:r>
+          </a:p>
+        </p:txBody>
+      </p:sp>
+      <p:sp>
+        <p:nvSpPr>
+          <p:cNvPr id="37" name="Oval 36"/>
+          <p:cNvSpPr/>
+          <p:nvPr/>
+        </p:nvSpPr>
+        <p:spPr>
+          <a:xfrm>
+            <a:off x="7855662" y="2476779"/>
+            <a:ext cx="386702" cy="386702"/>
+          </a:xfrm>
+          <a:prstGeom prst="ellipse">
+            <a:avLst/>
+          </a:prstGeom>
+        </p:spPr>
+        <p:style>
+          <a:lnRef idx="2">
+            <a:schemeClr val="accent1">
+              <a:shade val="50000"/>
+            </a:schemeClr>
+          </a:lnRef>
+          <a:fillRef idx="1">
+            <a:schemeClr val="accent1"/>
+          </a:fillRef>
+          <a:effectRef idx="0">
+            <a:schemeClr val="accent1"/>
+          </a:effectRef>
+          <a:fontRef idx="minor">
+            <a:schemeClr val="lt1"/>
+          </a:fontRef>
+        </p:style>
+        <p:txBody>
+          <a:bodyPr rtlCol="0" anchor="ctr"/>
+          <a:lstStyle/>
+          <a:p>
+            <a:pPr algn="ctr"/>
+            <a:r>
+              <a:rPr lang="en-ZA" dirty="0"/>
+              <a:t>R</a:t>
+            </a:r>
+          </a:p>
+        </p:txBody>
+      </p:sp>
+      <p:sp>
+        <p:nvSpPr>
+          <p:cNvPr id="38" name="Oval 37"/>
+          <p:cNvSpPr/>
+          <p:nvPr/>
+        </p:nvSpPr>
+        <p:spPr>
+          <a:xfrm>
+            <a:off x="7671591" y="1967626"/>
+            <a:ext cx="386702" cy="386702"/>
+          </a:xfrm>
+          <a:prstGeom prst="ellipse">
+            <a:avLst/>
+          </a:prstGeom>
+        </p:spPr>
+        <p:style>
+          <a:lnRef idx="2">
+            <a:schemeClr val="accent1">
+              <a:shade val="50000"/>
+            </a:schemeClr>
+          </a:lnRef>
+          <a:fillRef idx="1">
+            <a:schemeClr val="accent1"/>
+          </a:fillRef>
+          <a:effectRef idx="0">
+            <a:schemeClr val="accent1"/>
+          </a:effectRef>
+          <a:fontRef idx="minor">
+            <a:schemeClr val="lt1"/>
+          </a:fontRef>
+        </p:style>
+        <p:txBody>
+          <a:bodyPr rtlCol="0" anchor="ctr"/>
+          <a:lstStyle/>
+          <a:p>
+            <a:pPr algn="ctr"/>
+            <a:r>
+              <a:rPr lang="en-ZA" dirty="0"/>
+              <a:t>I</a:t>
+            </a:r>
+          </a:p>
+        </p:txBody>
+      </p:sp>
+      <p:sp>
+        <p:nvSpPr>
+          <p:cNvPr id="39" name="Oval 38"/>
+          <p:cNvSpPr/>
+          <p:nvPr/>
+        </p:nvSpPr>
+        <p:spPr>
+          <a:xfrm>
+            <a:off x="7329249" y="1520728"/>
+            <a:ext cx="386702" cy="386702"/>
+          </a:xfrm>
+          <a:prstGeom prst="ellipse">
+            <a:avLst/>
+          </a:prstGeom>
+        </p:spPr>
+        <p:style>
+          <a:lnRef idx="2">
+            <a:schemeClr val="accent1">
+              <a:shade val="50000"/>
+            </a:schemeClr>
+          </a:lnRef>
+          <a:fillRef idx="1">
+            <a:schemeClr val="accent1"/>
+          </a:fillRef>
+          <a:effectRef idx="0">
+            <a:schemeClr val="accent1"/>
+          </a:effectRef>
+          <a:fontRef idx="minor">
+            <a:schemeClr val="lt1"/>
+          </a:fontRef>
+        </p:style>
+        <p:txBody>
+          <a:bodyPr rtlCol="0" anchor="ctr"/>
+          <a:lstStyle/>
+          <a:p>
+            <a:pPr algn="ctr"/>
+            <a:r>
+              <a:rPr lang="en-ZA" dirty="0"/>
+              <a:t>F</a:t>
+            </a:r>
+          </a:p>
+        </p:txBody>
+      </p:sp>
+      <p:sp>
+        <p:nvSpPr>
+          <p:cNvPr id="40" name="Oval 39"/>
+          <p:cNvSpPr/>
+          <p:nvPr/>
+        </p:nvSpPr>
+        <p:spPr>
+          <a:xfrm>
+            <a:off x="4534862" y="4331311"/>
+            <a:ext cx="386702" cy="386702"/>
+          </a:xfrm>
+          <a:prstGeom prst="ellipse">
+            <a:avLst/>
+          </a:prstGeom>
+        </p:spPr>
+        <p:style>
+          <a:lnRef idx="2">
+            <a:schemeClr val="accent1">
+              <a:shade val="50000"/>
+            </a:schemeClr>
+          </a:lnRef>
+          <a:fillRef idx="1">
+            <a:schemeClr val="accent1"/>
+          </a:fillRef>
+          <a:effectRef idx="0">
+            <a:schemeClr val="accent1"/>
+          </a:effectRef>
+          <a:fontRef idx="minor">
+            <a:schemeClr val="lt1"/>
+          </a:fontRef>
+        </p:style>
+        <p:txBody>
+          <a:bodyPr rtlCol="0" anchor="ctr"/>
+          <a:lstStyle/>
+          <a:p>
+            <a:pPr algn="ctr"/>
+            <a:r>
+              <a:rPr lang="en-ZA" dirty="0"/>
+              <a:t>F</a:t>
+            </a:r>
+          </a:p>
+        </p:txBody>
+      </p:sp>
+      <p:sp>
+        <p:nvSpPr>
+          <p:cNvPr id="41" name="Oval 40"/>
+          <p:cNvSpPr/>
+          <p:nvPr/>
+        </p:nvSpPr>
+        <p:spPr>
+          <a:xfrm>
+            <a:off x="4217449" y="3915623"/>
+            <a:ext cx="386702" cy="386702"/>
+          </a:xfrm>
+          <a:prstGeom prst="ellipse">
+            <a:avLst/>
+          </a:prstGeom>
+        </p:spPr>
+        <p:style>
+          <a:lnRef idx="2">
+            <a:schemeClr val="accent1">
+              <a:shade val="50000"/>
+            </a:schemeClr>
+          </a:lnRef>
+          <a:fillRef idx="1">
+            <a:schemeClr val="accent1"/>
+          </a:fillRef>
+          <a:effectRef idx="0">
+            <a:schemeClr val="accent1"/>
+          </a:effectRef>
+          <a:fontRef idx="minor">
+            <a:schemeClr val="lt1"/>
+          </a:fontRef>
+        </p:style>
+        <p:txBody>
+          <a:bodyPr rtlCol="0" anchor="ctr"/>
+          <a:lstStyle/>
+          <a:p>
+            <a:pPr algn="ctr"/>
+            <a:r>
+              <a:rPr lang="en-ZA" dirty="0"/>
+              <a:t>I</a:t>
+            </a:r>
+          </a:p>
+        </p:txBody>
+      </p:sp>
+      <p:sp>
+        <p:nvSpPr>
+          <p:cNvPr id="42" name="Oval 41"/>
+          <p:cNvSpPr/>
+          <p:nvPr/>
+        </p:nvSpPr>
+        <p:spPr>
+          <a:xfrm>
+            <a:off x="4017581" y="3398260"/>
+            <a:ext cx="386702" cy="386702"/>
+          </a:xfrm>
+          <a:prstGeom prst="ellipse">
+            <a:avLst/>
+          </a:prstGeom>
+        </p:spPr>
+        <p:style>
+          <a:lnRef idx="2">
+            <a:schemeClr val="accent1">
+              <a:shade val="50000"/>
+            </a:schemeClr>
+          </a:lnRef>
+          <a:fillRef idx="1">
+            <a:schemeClr val="accent1"/>
+          </a:fillRef>
+          <a:effectRef idx="0">
+            <a:schemeClr val="accent1"/>
+          </a:effectRef>
+          <a:fontRef idx="minor">
+            <a:schemeClr val="lt1"/>
+          </a:fontRef>
+        </p:style>
+        <p:txBody>
+          <a:bodyPr rtlCol="0" anchor="ctr"/>
+          <a:lstStyle/>
+          <a:p>
+            <a:pPr algn="ctr"/>
+            <a:r>
+              <a:rPr lang="en-ZA" dirty="0"/>
+              <a:t>R</a:t>
+            </a:r>
+          </a:p>
+        </p:txBody>
+      </p:sp>
+      <p:sp>
+        <p:nvSpPr>
+          <p:cNvPr id="43" name="Oval 42"/>
+          <p:cNvSpPr/>
+          <p:nvPr/>
+        </p:nvSpPr>
+        <p:spPr>
+          <a:xfrm>
+            <a:off x="4019140" y="2430607"/>
+            <a:ext cx="386702" cy="386702"/>
+          </a:xfrm>
+          <a:prstGeom prst="ellipse">
+            <a:avLst/>
+          </a:prstGeom>
+        </p:spPr>
+        <p:style>
+          <a:lnRef idx="2">
+            <a:schemeClr val="accent1">
+              <a:shade val="50000"/>
+            </a:schemeClr>
+          </a:lnRef>
+          <a:fillRef idx="1">
+            <a:schemeClr val="accent1"/>
+          </a:fillRef>
+          <a:effectRef idx="0">
+            <a:schemeClr val="accent1"/>
+          </a:effectRef>
+          <a:fontRef idx="minor">
+            <a:schemeClr val="lt1"/>
+          </a:fontRef>
+        </p:style>
+        <p:txBody>
+          <a:bodyPr rtlCol="0" anchor="ctr"/>
+          <a:lstStyle/>
+          <a:p>
+            <a:pPr algn="ctr"/>
+            <a:r>
+              <a:rPr lang="en-ZA" dirty="0"/>
+              <a:t>F</a:t>
+            </a:r>
+          </a:p>
+        </p:txBody>
+      </p:sp>
+      <p:sp>
+        <p:nvSpPr>
+          <p:cNvPr id="44" name="Oval 43"/>
+          <p:cNvSpPr/>
+          <p:nvPr/>
+        </p:nvSpPr>
+        <p:spPr>
+          <a:xfrm>
+            <a:off x="4227480" y="1954177"/>
+            <a:ext cx="386702" cy="386702"/>
+          </a:xfrm>
+          <a:prstGeom prst="ellipse">
+            <a:avLst/>
+          </a:prstGeom>
+        </p:spPr>
+        <p:style>
+          <a:lnRef idx="2">
+            <a:schemeClr val="accent1">
+              <a:shade val="50000"/>
+            </a:schemeClr>
+          </a:lnRef>
+          <a:fillRef idx="1">
+            <a:schemeClr val="accent1"/>
+          </a:fillRef>
+          <a:effectRef idx="0">
+            <a:schemeClr val="accent1"/>
+          </a:effectRef>
+          <a:fontRef idx="minor">
+            <a:schemeClr val="lt1"/>
+          </a:fontRef>
+        </p:style>
+        <p:txBody>
+          <a:bodyPr rtlCol="0" anchor="ctr"/>
+          <a:lstStyle/>
+          <a:p>
+            <a:pPr algn="ctr"/>
+            <a:r>
+              <a:rPr lang="en-ZA" dirty="0"/>
+              <a:t>I</a:t>
+            </a:r>
+          </a:p>
+        </p:txBody>
+      </p:sp>
+      <p:sp>
+        <p:nvSpPr>
+          <p:cNvPr id="45" name="Oval 44"/>
+          <p:cNvSpPr/>
+          <p:nvPr/>
+        </p:nvSpPr>
+        <p:spPr>
+          <a:xfrm>
+            <a:off x="4508715" y="1538899"/>
+            <a:ext cx="386702" cy="386702"/>
+          </a:xfrm>
+          <a:prstGeom prst="ellipse">
+            <a:avLst/>
+          </a:prstGeom>
+        </p:spPr>
+        <p:style>
+          <a:lnRef idx="2">
+            <a:schemeClr val="accent1">
+              <a:shade val="50000"/>
+            </a:schemeClr>
+          </a:lnRef>
+          <a:fillRef idx="1">
+            <a:schemeClr val="accent1"/>
+          </a:fillRef>
+          <a:effectRef idx="0">
+            <a:schemeClr val="accent1"/>
+          </a:effectRef>
+          <a:fontRef idx="minor">
+            <a:schemeClr val="lt1"/>
+          </a:fontRef>
+        </p:style>
+        <p:txBody>
+          <a:bodyPr rtlCol="0" anchor="ctr"/>
+          <a:lstStyle/>
+          <a:p>
+            <a:pPr algn="ctr"/>
+            <a:r>
+              <a:rPr lang="en-ZA" dirty="0"/>
+              <a:t>R</a:t>
+            </a:r>
+          </a:p>
+        </p:txBody>
+      </p:sp>
+      <p:sp>
+        <p:nvSpPr>
+          <p:cNvPr id="48" name="TextBox 47"/>
+          <p:cNvSpPr txBox="1"/>
+          <p:nvPr/>
+        </p:nvSpPr>
+        <p:spPr>
+          <a:xfrm>
+            <a:off x="3421784" y="1495776"/>
+            <a:ext cx="789148" cy="646331"/>
+          </a:xfrm>
+          <a:prstGeom prst="rect">
+            <a:avLst/>
+          </a:prstGeom>
+          <a:noFill/>
+        </p:spPr>
+        <p:txBody>
+          <a:bodyPr wrap="square" rtlCol="0">
+            <a:spAutoFit/>
+          </a:bodyPr>
+          <a:lstStyle/>
+          <a:p>
+            <a:r>
+              <a:rPr lang="en-ZA" dirty="0"/>
+              <a:t>South </a:t>
+            </a:r>
+          </a:p>
+          <a:p>
+            <a:r>
+              <a:rPr lang="en-ZA" dirty="0"/>
+              <a:t>Africa</a:t>
+            </a:r>
+          </a:p>
+        </p:txBody>
+      </p:sp>
+      <p:sp>
+        <p:nvSpPr>
+          <p:cNvPr id="49" name="TextBox 48"/>
+          <p:cNvSpPr txBox="1"/>
+          <p:nvPr/>
+        </p:nvSpPr>
+        <p:spPr>
+          <a:xfrm>
+            <a:off x="8205657" y="1495776"/>
+            <a:ext cx="789148" cy="369332"/>
+          </a:xfrm>
+          <a:prstGeom prst="rect">
+            <a:avLst/>
+          </a:prstGeom>
+          <a:noFill/>
+        </p:spPr>
+        <p:txBody>
+          <a:bodyPr wrap="square" rtlCol="0">
+            <a:spAutoFit/>
+          </a:bodyPr>
+          <a:lstStyle/>
+          <a:p>
+            <a:r>
+              <a:rPr lang="en-ZA" dirty="0"/>
+              <a:t>Brazil</a:t>
+            </a:r>
+          </a:p>
+        </p:txBody>
+      </p:sp>
+      <p:sp>
+        <p:nvSpPr>
+          <p:cNvPr id="50" name="TextBox 49"/>
+          <p:cNvSpPr txBox="1"/>
+          <p:nvPr/>
+        </p:nvSpPr>
+        <p:spPr>
+          <a:xfrm>
+            <a:off x="8205657" y="4173976"/>
+            <a:ext cx="789148" cy="369332"/>
+          </a:xfrm>
+          <a:prstGeom prst="rect">
+            <a:avLst/>
+          </a:prstGeom>
+          <a:noFill/>
+        </p:spPr>
+        <p:txBody>
+          <a:bodyPr wrap="square" rtlCol="0">
+            <a:spAutoFit/>
+          </a:bodyPr>
+          <a:lstStyle/>
+          <a:p>
+            <a:r>
+              <a:rPr lang="en-ZA" dirty="0"/>
+              <a:t>Russia</a:t>
+            </a:r>
+          </a:p>
+        </p:txBody>
+      </p:sp>
+      <p:sp>
+        <p:nvSpPr>
+          <p:cNvPr id="51" name="TextBox 50"/>
+          <p:cNvSpPr txBox="1"/>
+          <p:nvPr/>
+        </p:nvSpPr>
+        <p:spPr>
+          <a:xfrm>
+            <a:off x="5791798" y="5474456"/>
+            <a:ext cx="789148" cy="369332"/>
+          </a:xfrm>
+          <a:prstGeom prst="rect">
+            <a:avLst/>
+          </a:prstGeom>
+          <a:noFill/>
+        </p:spPr>
+        <p:txBody>
+          <a:bodyPr wrap="square" rtlCol="0">
+            <a:spAutoFit/>
+          </a:bodyPr>
+          <a:lstStyle/>
+          <a:p>
+            <a:r>
+              <a:rPr lang="en-ZA" dirty="0"/>
+              <a:t>India</a:t>
+            </a:r>
+          </a:p>
+        </p:txBody>
+      </p:sp>
+      <p:sp>
+        <p:nvSpPr>
+          <p:cNvPr id="52" name="TextBox 51"/>
+          <p:cNvSpPr txBox="1"/>
+          <p:nvPr/>
+        </p:nvSpPr>
+        <p:spPr>
+          <a:xfrm>
+            <a:off x="3421784" y="4173976"/>
+            <a:ext cx="789148" cy="369332"/>
+          </a:xfrm>
+          <a:prstGeom prst="rect">
+            <a:avLst/>
+          </a:prstGeom>
+          <a:noFill/>
+        </p:spPr>
+        <p:txBody>
+          <a:bodyPr wrap="square" rtlCol="0">
+            <a:spAutoFit/>
+          </a:bodyPr>
+          <a:lstStyle/>
+          <a:p>
+            <a:r>
+              <a:rPr lang="en-ZA" dirty="0"/>
+              <a:t>China</a:t>
+            </a:r>
+          </a:p>
+        </p:txBody>
+      </p:sp>
+      <p:sp>
+        <p:nvSpPr>
+          <p:cNvPr id="61" name="Arc 60"/>
+          <p:cNvSpPr/>
+          <p:nvPr/>
+        </p:nvSpPr>
+        <p:spPr>
+          <a:xfrm rot="15930448">
+            <a:off x="5644411" y="4670900"/>
+            <a:ext cx="1448608" cy="520394"/>
+          </a:xfrm>
+          <a:prstGeom prst="arc">
+            <a:avLst>
+              <a:gd name="adj1" fmla="val 16200000"/>
+              <a:gd name="adj2" fmla="val 5162385"/>
+            </a:avLst>
+          </a:prstGeom>
+          <a:ln w="38100"/>
+        </p:spPr>
+        <p:style>
+          <a:lnRef idx="1">
+            <a:schemeClr val="accent1"/>
+          </a:lnRef>
+          <a:fillRef idx="0">
+            <a:schemeClr val="accent1"/>
+          </a:fillRef>
+          <a:effectRef idx="0">
+            <a:schemeClr val="accent1"/>
+          </a:effectRef>
+          <a:fontRef idx="minor">
+            <a:schemeClr val="tx1"/>
+          </a:fontRef>
+        </p:style>
+        <p:txBody>
+          <a:bodyPr rtlCol="0" anchor="ctr"/>
+          <a:lstStyle/>
+          <a:p>
+            <a:pPr algn="ctr"/>
+            <a:endParaRPr lang="en-ZA"/>
+          </a:p>
+        </p:txBody>
+      </p:sp>
+      <p:sp>
+        <p:nvSpPr>
+          <p:cNvPr id="30" name="Arc 29"/>
+          <p:cNvSpPr/>
+          <p:nvPr/>
+        </p:nvSpPr>
+        <p:spPr>
+          <a:xfrm rot="1801012">
+            <a:off x="6433230" y="3567586"/>
+            <a:ext cx="2321590" cy="2059532"/>
+          </a:xfrm>
+          <a:prstGeom prst="arc">
+            <a:avLst>
+              <a:gd name="adj1" fmla="val 16200000"/>
+              <a:gd name="adj2" fmla="val 6963209"/>
+            </a:avLst>
+          </a:prstGeom>
+          <a:ln w="38100"/>
+        </p:spPr>
+        <p:style>
+          <a:lnRef idx="1">
+            <a:schemeClr val="accent1"/>
+          </a:lnRef>
+          <a:fillRef idx="0">
+            <a:schemeClr val="accent1"/>
+          </a:fillRef>
+          <a:effectRef idx="0">
+            <a:schemeClr val="accent1"/>
+          </a:effectRef>
+          <a:fontRef idx="minor">
+            <a:schemeClr val="tx1"/>
+          </a:fontRef>
+        </p:style>
+        <p:txBody>
+          <a:bodyPr rtlCol="0" anchor="ctr"/>
+          <a:lstStyle/>
+          <a:p>
+            <a:pPr algn="ctr"/>
+            <a:endParaRPr lang="en-ZA"/>
+          </a:p>
+        </p:txBody>
+      </p:sp>
+      <p:sp>
+        <p:nvSpPr>
+          <p:cNvPr id="46" name="Arc 45"/>
+          <p:cNvSpPr/>
+          <p:nvPr/>
+        </p:nvSpPr>
+        <p:spPr>
+          <a:xfrm rot="2777262">
+            <a:off x="6082912" y="3589106"/>
+            <a:ext cx="3014625" cy="2984112"/>
+          </a:xfrm>
+          <a:prstGeom prst="arc">
+            <a:avLst>
+              <a:gd name="adj1" fmla="val 14650456"/>
+              <a:gd name="adj2" fmla="val 7573101"/>
+            </a:avLst>
+          </a:prstGeom>
+          <a:ln w="38100"/>
+        </p:spPr>
+        <p:style>
+          <a:lnRef idx="1">
+            <a:schemeClr val="accent1"/>
+          </a:lnRef>
+          <a:fillRef idx="0">
+            <a:schemeClr val="accent1"/>
+          </a:fillRef>
+          <a:effectRef idx="0">
+            <a:schemeClr val="accent1"/>
+          </a:effectRef>
+          <a:fontRef idx="minor">
+            <a:schemeClr val="tx1"/>
+          </a:fontRef>
+        </p:style>
+        <p:txBody>
+          <a:bodyPr rtlCol="0" anchor="ctr"/>
+          <a:lstStyle/>
+          <a:p>
+            <a:pPr algn="ctr"/>
+            <a:endParaRPr lang="en-ZA"/>
+          </a:p>
+        </p:txBody>
+      </p:sp>
+      <p:sp>
+        <p:nvSpPr>
+          <p:cNvPr id="47" name="Arc 46"/>
+          <p:cNvSpPr/>
+          <p:nvPr/>
+        </p:nvSpPr>
+        <p:spPr>
+          <a:xfrm rot="1801012">
+            <a:off x="6253466" y="4426220"/>
+            <a:ext cx="2069116" cy="1081404"/>
+          </a:xfrm>
+          <a:prstGeom prst="arc">
+            <a:avLst>
+              <a:gd name="adj1" fmla="val 16200000"/>
+              <a:gd name="adj2" fmla="val 7506175"/>
+            </a:avLst>
+          </a:prstGeom>
+          <a:ln w="38100"/>
+        </p:spPr>
+        <p:style>
+          <a:lnRef idx="1">
+            <a:schemeClr val="accent1"/>
+          </a:lnRef>
+          <a:fillRef idx="0">
+            <a:schemeClr val="accent1"/>
+          </a:fillRef>
+          <a:effectRef idx="0">
+            <a:schemeClr val="accent1"/>
+          </a:effectRef>
+          <a:fontRef idx="minor">
+            <a:schemeClr val="tx1"/>
+          </a:fontRef>
+        </p:style>
+        <p:txBody>
+          <a:bodyPr rtlCol="0" anchor="ctr"/>
+          <a:lstStyle/>
+          <a:p>
+            <a:pPr algn="ctr"/>
+            <a:endParaRPr lang="en-ZA"/>
+          </a:p>
+        </p:txBody>
+      </p:sp>
+      <p:sp>
+        <p:nvSpPr>
+          <p:cNvPr id="53" name="Arc 52"/>
+          <p:cNvSpPr/>
+          <p:nvPr/>
+        </p:nvSpPr>
+        <p:spPr>
+          <a:xfrm rot="1801012">
+            <a:off x="6341664" y="4060983"/>
+            <a:ext cx="2165733" cy="1504930"/>
+          </a:xfrm>
+          <a:prstGeom prst="arc">
+            <a:avLst>
+              <a:gd name="adj1" fmla="val 16200000"/>
+              <a:gd name="adj2" fmla="val 7506175"/>
+            </a:avLst>
+          </a:prstGeom>
+          <a:ln w="38100"/>
+        </p:spPr>
+        <p:style>
+          <a:lnRef idx="1">
+            <a:schemeClr val="accent1"/>
+          </a:lnRef>
+          <a:fillRef idx="0">
+            <a:schemeClr val="accent1"/>
+          </a:fillRef>
+          <a:effectRef idx="0">
+            <a:schemeClr val="accent1"/>
+          </a:effectRef>
+          <a:fontRef idx="minor">
+            <a:schemeClr val="tx1"/>
+          </a:fontRef>
+        </p:style>
+        <p:txBody>
+          <a:bodyPr rtlCol="0" anchor="ctr"/>
+          <a:lstStyle/>
+          <a:p>
+            <a:pPr algn="ctr"/>
+            <a:endParaRPr lang="en-ZA"/>
+          </a:p>
+        </p:txBody>
+      </p:sp>
+      <p:sp>
+        <p:nvSpPr>
+          <p:cNvPr id="54" name="Arc 53"/>
+          <p:cNvSpPr/>
+          <p:nvPr/>
+        </p:nvSpPr>
+        <p:spPr>
+          <a:xfrm rot="494797">
+            <a:off x="5807252" y="2146063"/>
+            <a:ext cx="4520843" cy="3550244"/>
+          </a:xfrm>
+          <a:prstGeom prst="arc">
+            <a:avLst>
+              <a:gd name="adj1" fmla="val 15048821"/>
+              <a:gd name="adj2" fmla="val 7179385"/>
+            </a:avLst>
+          </a:prstGeom>
+          <a:ln w="15875" cap="rnd" cmpd="sng">
+            <a:solidFill>
+              <a:schemeClr val="accent1"/>
+            </a:solidFill>
+            <a:prstDash val="sysDash"/>
+          </a:ln>
+        </p:spPr>
+        <p:style>
+          <a:lnRef idx="1">
+            <a:schemeClr val="accent1"/>
+          </a:lnRef>
+          <a:fillRef idx="0">
+            <a:schemeClr val="accent1"/>
+          </a:fillRef>
+          <a:effectRef idx="0">
+            <a:schemeClr val="accent1"/>
+          </a:effectRef>
+          <a:fontRef idx="minor">
+            <a:schemeClr val="tx1"/>
+          </a:fontRef>
+        </p:style>
+        <p:txBody>
+          <a:bodyPr rtlCol="0" anchor="ctr"/>
+          <a:lstStyle/>
+          <a:p>
+            <a:pPr algn="ctr"/>
+            <a:endParaRPr lang="en-ZA"/>
+          </a:p>
+        </p:txBody>
+      </p:sp>
+      <p:sp>
+        <p:nvSpPr>
+          <p:cNvPr id="57" name="TextBox 56"/>
+          <p:cNvSpPr txBox="1"/>
+          <p:nvPr/>
+        </p:nvSpPr>
+        <p:spPr>
+          <a:xfrm>
+            <a:off x="183478" y="150616"/>
+            <a:ext cx="789148" cy="369332"/>
+          </a:xfrm>
+          <a:prstGeom prst="rect">
+            <a:avLst/>
+          </a:prstGeom>
+          <a:noFill/>
+        </p:spPr>
+        <p:txBody>
+          <a:bodyPr wrap="square" rtlCol="0">
+            <a:spAutoFit/>
+          </a:bodyPr>
+          <a:lstStyle/>
+          <a:p>
+            <a:r>
+              <a:rPr lang="en-ZA" dirty="0"/>
+              <a:t>India</a:t>
+            </a:r>
+          </a:p>
+        </p:txBody>
+      </p:sp>
+    </p:spTree>
+    <p:extLst>
+      <p:ext uri="{BB962C8B-B14F-4D97-AF65-F5344CB8AC3E}">
+        <p14:creationId xmlns:p14="http://schemas.microsoft.com/office/powerpoint/2010/main" val="1725314141"/>
+      </p:ext>
+    </p:extLst>
+  </p:cSld>
+  <p:clrMapOvr>
+    <a:masterClrMapping/>
+  </p:clrMapOvr>
+</p:sld>
+</file>
+
+<file path=ppt/slides/slide15.xml><?xml version="1.0" encoding="utf-8"?>
+<p:sld xmlns:a="http://schemas.openxmlformats.org/drawingml/2006/main" xmlns:r="http://schemas.openxmlformats.org/officeDocument/2006/relationships" xmlns:p="http://schemas.openxmlformats.org/presentationml/2006/main">
+  <p:cSld>
+    <p:spTree>
+      <p:nvGrpSpPr>
+        <p:cNvPr id="1" name=""/>
+        <p:cNvGrpSpPr/>
+        <p:nvPr/>
+      </p:nvGrpSpPr>
+      <p:grpSpPr>
+        <a:xfrm>
+          <a:off x="0" y="0"/>
+          <a:ext cx="0" cy="0"/>
+          <a:chOff x="0" y="0"/>
+          <a:chExt cx="0" cy="0"/>
+        </a:xfrm>
+      </p:grpSpPr>
+      <p:sp>
+        <p:nvSpPr>
+          <p:cNvPr id="31" name="Oval 30"/>
+          <p:cNvSpPr/>
+          <p:nvPr/>
+        </p:nvSpPr>
+        <p:spPr>
+          <a:xfrm>
+            <a:off x="7822757" y="3453119"/>
+            <a:ext cx="386702" cy="386702"/>
+          </a:xfrm>
+          <a:prstGeom prst="ellipse">
+            <a:avLst/>
+          </a:prstGeom>
+        </p:spPr>
+        <p:style>
+          <a:lnRef idx="2">
+            <a:schemeClr val="accent1">
+              <a:shade val="50000"/>
+            </a:schemeClr>
+          </a:lnRef>
+          <a:fillRef idx="1">
+            <a:schemeClr val="accent1"/>
+          </a:fillRef>
+          <a:effectRef idx="0">
+            <a:schemeClr val="accent1"/>
+          </a:effectRef>
+          <a:fontRef idx="minor">
+            <a:schemeClr val="lt1"/>
+          </a:fontRef>
+        </p:style>
+        <p:txBody>
+          <a:bodyPr rtlCol="0" anchor="ctr"/>
+          <a:lstStyle/>
+          <a:p>
+            <a:pPr algn="ctr"/>
+            <a:r>
+              <a:rPr lang="en-ZA" dirty="0"/>
+              <a:t>F</a:t>
+            </a:r>
+          </a:p>
+        </p:txBody>
+      </p:sp>
+      <p:sp>
+        <p:nvSpPr>
+          <p:cNvPr id="32" name="Oval 31"/>
+          <p:cNvSpPr/>
+          <p:nvPr/>
+        </p:nvSpPr>
+        <p:spPr>
+          <a:xfrm>
+            <a:off x="7642852" y="3919884"/>
+            <a:ext cx="386702" cy="386702"/>
+          </a:xfrm>
+          <a:prstGeom prst="ellipse">
+            <a:avLst/>
+          </a:prstGeom>
+        </p:spPr>
+        <p:style>
+          <a:lnRef idx="2">
+            <a:schemeClr val="accent1">
+              <a:shade val="50000"/>
+            </a:schemeClr>
+          </a:lnRef>
+          <a:fillRef idx="1">
+            <a:schemeClr val="accent1"/>
+          </a:fillRef>
+          <a:effectRef idx="0">
+            <a:schemeClr val="accent1"/>
+          </a:effectRef>
+          <a:fontRef idx="minor">
+            <a:schemeClr val="lt1"/>
+          </a:fontRef>
+        </p:style>
+        <p:txBody>
+          <a:bodyPr rtlCol="0" anchor="ctr"/>
+          <a:lstStyle/>
+          <a:p>
+            <a:pPr algn="ctr"/>
+            <a:r>
+              <a:rPr lang="en-ZA" dirty="0"/>
+              <a:t>I</a:t>
+            </a:r>
+          </a:p>
+        </p:txBody>
+      </p:sp>
+      <p:sp>
+        <p:nvSpPr>
+          <p:cNvPr id="33" name="Oval 32"/>
+          <p:cNvSpPr/>
+          <p:nvPr/>
+        </p:nvSpPr>
+        <p:spPr>
+          <a:xfrm>
+            <a:off x="7317421" y="4342657"/>
+            <a:ext cx="386702" cy="386702"/>
+          </a:xfrm>
+          <a:prstGeom prst="ellipse">
+            <a:avLst/>
+          </a:prstGeom>
+        </p:spPr>
+        <p:style>
+          <a:lnRef idx="2">
+            <a:schemeClr val="accent1">
+              <a:shade val="50000"/>
+            </a:schemeClr>
+          </a:lnRef>
+          <a:fillRef idx="1">
+            <a:schemeClr val="accent1"/>
+          </a:fillRef>
+          <a:effectRef idx="0">
+            <a:schemeClr val="accent1"/>
+          </a:effectRef>
+          <a:fontRef idx="minor">
+            <a:schemeClr val="lt1"/>
+          </a:fontRef>
+        </p:style>
+        <p:txBody>
+          <a:bodyPr rtlCol="0" anchor="ctr"/>
+          <a:lstStyle/>
+          <a:p>
+            <a:pPr algn="ctr"/>
+            <a:r>
+              <a:rPr lang="en-ZA" dirty="0"/>
+              <a:t>R</a:t>
+            </a:r>
+          </a:p>
+        </p:txBody>
+      </p:sp>
+      <p:sp>
+        <p:nvSpPr>
+          <p:cNvPr id="34" name="Oval 33"/>
+          <p:cNvSpPr/>
+          <p:nvPr/>
+        </p:nvSpPr>
+        <p:spPr>
+          <a:xfrm>
+            <a:off x="6427483" y="4847175"/>
+            <a:ext cx="386702" cy="386702"/>
+          </a:xfrm>
+          <a:prstGeom prst="ellipse">
+            <a:avLst/>
+          </a:prstGeom>
+        </p:spPr>
+        <p:style>
+          <a:lnRef idx="2">
+            <a:schemeClr val="accent1">
+              <a:shade val="50000"/>
+            </a:schemeClr>
+          </a:lnRef>
+          <a:fillRef idx="1">
+            <a:schemeClr val="accent1"/>
+          </a:fillRef>
+          <a:effectRef idx="0">
+            <a:schemeClr val="accent1"/>
+          </a:effectRef>
+          <a:fontRef idx="minor">
+            <a:schemeClr val="lt1"/>
+          </a:fontRef>
+        </p:style>
+        <p:txBody>
+          <a:bodyPr rtlCol="0" anchor="ctr"/>
+          <a:lstStyle/>
+          <a:p>
+            <a:pPr algn="ctr"/>
+            <a:r>
+              <a:rPr lang="en-ZA" dirty="0"/>
+              <a:t>F</a:t>
+            </a:r>
+          </a:p>
+        </p:txBody>
+      </p:sp>
+      <p:sp>
+        <p:nvSpPr>
+          <p:cNvPr id="35" name="Oval 34"/>
+          <p:cNvSpPr/>
+          <p:nvPr/>
+        </p:nvSpPr>
+        <p:spPr>
+          <a:xfrm>
+            <a:off x="5917230" y="4914185"/>
+            <a:ext cx="386702" cy="386702"/>
+          </a:xfrm>
+          <a:prstGeom prst="ellipse">
+            <a:avLst/>
+          </a:prstGeom>
+        </p:spPr>
+        <p:style>
+          <a:lnRef idx="2">
+            <a:schemeClr val="accent1">
+              <a:shade val="50000"/>
+            </a:schemeClr>
+          </a:lnRef>
+          <a:fillRef idx="1">
+            <a:schemeClr val="accent1"/>
+          </a:fillRef>
+          <a:effectRef idx="0">
+            <a:schemeClr val="accent1"/>
+          </a:effectRef>
+          <a:fontRef idx="minor">
+            <a:schemeClr val="lt1"/>
+          </a:fontRef>
+        </p:style>
+        <p:txBody>
+          <a:bodyPr rtlCol="0" anchor="ctr"/>
+          <a:lstStyle/>
+          <a:p>
+            <a:pPr algn="ctr"/>
+            <a:r>
+              <a:rPr lang="en-ZA" dirty="0"/>
+              <a:t>I</a:t>
+            </a:r>
+          </a:p>
+        </p:txBody>
+      </p:sp>
+      <p:sp>
+        <p:nvSpPr>
+          <p:cNvPr id="36" name="Oval 35"/>
+          <p:cNvSpPr/>
+          <p:nvPr/>
+        </p:nvSpPr>
+        <p:spPr>
+          <a:xfrm>
+            <a:off x="5410524" y="4841553"/>
+            <a:ext cx="386702" cy="386702"/>
+          </a:xfrm>
+          <a:prstGeom prst="ellipse">
+            <a:avLst/>
+          </a:prstGeom>
+        </p:spPr>
+        <p:style>
+          <a:lnRef idx="2">
+            <a:schemeClr val="accent1">
+              <a:shade val="50000"/>
+            </a:schemeClr>
+          </a:lnRef>
+          <a:fillRef idx="1">
+            <a:schemeClr val="accent1"/>
+          </a:fillRef>
+          <a:effectRef idx="0">
+            <a:schemeClr val="accent1"/>
+          </a:effectRef>
+          <a:fontRef idx="minor">
+            <a:schemeClr val="lt1"/>
+          </a:fontRef>
+        </p:style>
+        <p:txBody>
+          <a:bodyPr rtlCol="0" anchor="ctr"/>
+          <a:lstStyle/>
+          <a:p>
+            <a:pPr algn="ctr"/>
+            <a:r>
+              <a:rPr lang="en-ZA" dirty="0"/>
+              <a:t>R</a:t>
+            </a:r>
+          </a:p>
+        </p:txBody>
+      </p:sp>
+      <p:sp>
+        <p:nvSpPr>
+          <p:cNvPr id="37" name="Oval 36"/>
+          <p:cNvSpPr/>
+          <p:nvPr/>
+        </p:nvSpPr>
+        <p:spPr>
+          <a:xfrm>
+            <a:off x="7855662" y="2476779"/>
+            <a:ext cx="386702" cy="386702"/>
+          </a:xfrm>
+          <a:prstGeom prst="ellipse">
+            <a:avLst/>
+          </a:prstGeom>
+        </p:spPr>
+        <p:style>
+          <a:lnRef idx="2">
+            <a:schemeClr val="accent1">
+              <a:shade val="50000"/>
+            </a:schemeClr>
+          </a:lnRef>
+          <a:fillRef idx="1">
+            <a:schemeClr val="accent1"/>
+          </a:fillRef>
+          <a:effectRef idx="0">
+            <a:schemeClr val="accent1"/>
+          </a:effectRef>
+          <a:fontRef idx="minor">
+            <a:schemeClr val="lt1"/>
+          </a:fontRef>
+        </p:style>
+        <p:txBody>
+          <a:bodyPr rtlCol="0" anchor="ctr"/>
+          <a:lstStyle/>
+          <a:p>
+            <a:pPr algn="ctr"/>
+            <a:r>
+              <a:rPr lang="en-ZA" dirty="0"/>
+              <a:t>R</a:t>
+            </a:r>
+          </a:p>
+        </p:txBody>
+      </p:sp>
+      <p:sp>
+        <p:nvSpPr>
+          <p:cNvPr id="38" name="Oval 37"/>
+          <p:cNvSpPr/>
+          <p:nvPr/>
+        </p:nvSpPr>
+        <p:spPr>
+          <a:xfrm>
+            <a:off x="7671591" y="1967626"/>
+            <a:ext cx="386702" cy="386702"/>
+          </a:xfrm>
+          <a:prstGeom prst="ellipse">
+            <a:avLst/>
+          </a:prstGeom>
+        </p:spPr>
+        <p:style>
+          <a:lnRef idx="2">
+            <a:schemeClr val="accent1">
+              <a:shade val="50000"/>
+            </a:schemeClr>
+          </a:lnRef>
+          <a:fillRef idx="1">
+            <a:schemeClr val="accent1"/>
+          </a:fillRef>
+          <a:effectRef idx="0">
+            <a:schemeClr val="accent1"/>
+          </a:effectRef>
+          <a:fontRef idx="minor">
+            <a:schemeClr val="lt1"/>
+          </a:fontRef>
+        </p:style>
+        <p:txBody>
+          <a:bodyPr rtlCol="0" anchor="ctr"/>
+          <a:lstStyle/>
+          <a:p>
+            <a:pPr algn="ctr"/>
+            <a:r>
+              <a:rPr lang="en-ZA" dirty="0"/>
+              <a:t>I</a:t>
+            </a:r>
+          </a:p>
+        </p:txBody>
+      </p:sp>
+      <p:sp>
+        <p:nvSpPr>
+          <p:cNvPr id="39" name="Oval 38"/>
+          <p:cNvSpPr/>
+          <p:nvPr/>
+        </p:nvSpPr>
+        <p:spPr>
+          <a:xfrm>
+            <a:off x="7329249" y="1520728"/>
+            <a:ext cx="386702" cy="386702"/>
+          </a:xfrm>
+          <a:prstGeom prst="ellipse">
+            <a:avLst/>
+          </a:prstGeom>
+        </p:spPr>
+        <p:style>
+          <a:lnRef idx="2">
+            <a:schemeClr val="accent1">
+              <a:shade val="50000"/>
+            </a:schemeClr>
+          </a:lnRef>
+          <a:fillRef idx="1">
+            <a:schemeClr val="accent1"/>
+          </a:fillRef>
+          <a:effectRef idx="0">
+            <a:schemeClr val="accent1"/>
+          </a:effectRef>
+          <a:fontRef idx="minor">
+            <a:schemeClr val="lt1"/>
+          </a:fontRef>
+        </p:style>
+        <p:txBody>
+          <a:bodyPr rtlCol="0" anchor="ctr"/>
+          <a:lstStyle/>
+          <a:p>
+            <a:pPr algn="ctr"/>
+            <a:r>
+              <a:rPr lang="en-ZA" dirty="0"/>
+              <a:t>F</a:t>
+            </a:r>
+          </a:p>
+        </p:txBody>
+      </p:sp>
+      <p:sp>
+        <p:nvSpPr>
+          <p:cNvPr id="40" name="Oval 39"/>
+          <p:cNvSpPr/>
+          <p:nvPr/>
+        </p:nvSpPr>
+        <p:spPr>
+          <a:xfrm>
+            <a:off x="4534862" y="4331311"/>
+            <a:ext cx="386702" cy="386702"/>
+          </a:xfrm>
+          <a:prstGeom prst="ellipse">
+            <a:avLst/>
+          </a:prstGeom>
+        </p:spPr>
+        <p:style>
+          <a:lnRef idx="2">
+            <a:schemeClr val="accent1">
+              <a:shade val="50000"/>
+            </a:schemeClr>
+          </a:lnRef>
+          <a:fillRef idx="1">
+            <a:schemeClr val="accent1"/>
+          </a:fillRef>
+          <a:effectRef idx="0">
+            <a:schemeClr val="accent1"/>
+          </a:effectRef>
+          <a:fontRef idx="minor">
+            <a:schemeClr val="lt1"/>
+          </a:fontRef>
+        </p:style>
+        <p:txBody>
+          <a:bodyPr rtlCol="0" anchor="ctr"/>
+          <a:lstStyle/>
+          <a:p>
+            <a:pPr algn="ctr"/>
+            <a:r>
+              <a:rPr lang="en-ZA" dirty="0"/>
+              <a:t>F</a:t>
+            </a:r>
+          </a:p>
+        </p:txBody>
+      </p:sp>
+      <p:sp>
+        <p:nvSpPr>
+          <p:cNvPr id="41" name="Oval 40"/>
+          <p:cNvSpPr/>
+          <p:nvPr/>
+        </p:nvSpPr>
+        <p:spPr>
+          <a:xfrm>
+            <a:off x="4217449" y="3915623"/>
+            <a:ext cx="386702" cy="386702"/>
+          </a:xfrm>
+          <a:prstGeom prst="ellipse">
+            <a:avLst/>
+          </a:prstGeom>
+        </p:spPr>
+        <p:style>
+          <a:lnRef idx="2">
+            <a:schemeClr val="accent1">
+              <a:shade val="50000"/>
+            </a:schemeClr>
+          </a:lnRef>
+          <a:fillRef idx="1">
+            <a:schemeClr val="accent1"/>
+          </a:fillRef>
+          <a:effectRef idx="0">
+            <a:schemeClr val="accent1"/>
+          </a:effectRef>
+          <a:fontRef idx="minor">
+            <a:schemeClr val="lt1"/>
+          </a:fontRef>
+        </p:style>
+        <p:txBody>
+          <a:bodyPr rtlCol="0" anchor="ctr"/>
+          <a:lstStyle/>
+          <a:p>
+            <a:pPr algn="ctr"/>
+            <a:r>
+              <a:rPr lang="en-ZA" dirty="0"/>
+              <a:t>I</a:t>
+            </a:r>
+          </a:p>
+        </p:txBody>
+      </p:sp>
+      <p:sp>
+        <p:nvSpPr>
+          <p:cNvPr id="42" name="Oval 41"/>
+          <p:cNvSpPr/>
+          <p:nvPr/>
+        </p:nvSpPr>
+        <p:spPr>
+          <a:xfrm>
+            <a:off x="4017581" y="3398260"/>
+            <a:ext cx="386702" cy="386702"/>
+          </a:xfrm>
+          <a:prstGeom prst="ellipse">
+            <a:avLst/>
+          </a:prstGeom>
+        </p:spPr>
+        <p:style>
+          <a:lnRef idx="2">
+            <a:schemeClr val="accent1">
+              <a:shade val="50000"/>
+            </a:schemeClr>
+          </a:lnRef>
+          <a:fillRef idx="1">
+            <a:schemeClr val="accent1"/>
+          </a:fillRef>
+          <a:effectRef idx="0">
+            <a:schemeClr val="accent1"/>
+          </a:effectRef>
+          <a:fontRef idx="minor">
+            <a:schemeClr val="lt1"/>
+          </a:fontRef>
+        </p:style>
+        <p:txBody>
+          <a:bodyPr rtlCol="0" anchor="ctr"/>
+          <a:lstStyle/>
+          <a:p>
+            <a:pPr algn="ctr"/>
+            <a:r>
+              <a:rPr lang="en-ZA" dirty="0"/>
+              <a:t>R</a:t>
+            </a:r>
+          </a:p>
+        </p:txBody>
+      </p:sp>
+      <p:sp>
+        <p:nvSpPr>
+          <p:cNvPr id="43" name="Oval 42"/>
+          <p:cNvSpPr/>
+          <p:nvPr/>
+        </p:nvSpPr>
+        <p:spPr>
+          <a:xfrm>
+            <a:off x="4019140" y="2430607"/>
+            <a:ext cx="386702" cy="386702"/>
+          </a:xfrm>
+          <a:prstGeom prst="ellipse">
+            <a:avLst/>
+          </a:prstGeom>
+        </p:spPr>
+        <p:style>
+          <a:lnRef idx="2">
+            <a:schemeClr val="accent1">
+              <a:shade val="50000"/>
+            </a:schemeClr>
+          </a:lnRef>
+          <a:fillRef idx="1">
+            <a:schemeClr val="accent1"/>
+          </a:fillRef>
+          <a:effectRef idx="0">
+            <a:schemeClr val="accent1"/>
+          </a:effectRef>
+          <a:fontRef idx="minor">
+            <a:schemeClr val="lt1"/>
+          </a:fontRef>
+        </p:style>
+        <p:txBody>
+          <a:bodyPr rtlCol="0" anchor="ctr"/>
+          <a:lstStyle/>
+          <a:p>
+            <a:pPr algn="ctr"/>
+            <a:r>
+              <a:rPr lang="en-ZA" dirty="0"/>
+              <a:t>F</a:t>
+            </a:r>
+          </a:p>
+        </p:txBody>
+      </p:sp>
+      <p:sp>
+        <p:nvSpPr>
+          <p:cNvPr id="44" name="Oval 43"/>
+          <p:cNvSpPr/>
+          <p:nvPr/>
+        </p:nvSpPr>
+        <p:spPr>
+          <a:xfrm>
+            <a:off x="4227480" y="1954177"/>
+            <a:ext cx="386702" cy="386702"/>
+          </a:xfrm>
+          <a:prstGeom prst="ellipse">
+            <a:avLst/>
+          </a:prstGeom>
+        </p:spPr>
+        <p:style>
+          <a:lnRef idx="2">
+            <a:schemeClr val="accent1">
+              <a:shade val="50000"/>
+            </a:schemeClr>
+          </a:lnRef>
+          <a:fillRef idx="1">
+            <a:schemeClr val="accent1"/>
+          </a:fillRef>
+          <a:effectRef idx="0">
+            <a:schemeClr val="accent1"/>
+          </a:effectRef>
+          <a:fontRef idx="minor">
+            <a:schemeClr val="lt1"/>
+          </a:fontRef>
+        </p:style>
+        <p:txBody>
+          <a:bodyPr rtlCol="0" anchor="ctr"/>
+          <a:lstStyle/>
+          <a:p>
+            <a:pPr algn="ctr"/>
+            <a:r>
+              <a:rPr lang="en-ZA" dirty="0"/>
+              <a:t>I</a:t>
+            </a:r>
+          </a:p>
+        </p:txBody>
+      </p:sp>
+      <p:sp>
+        <p:nvSpPr>
+          <p:cNvPr id="45" name="Oval 44"/>
+          <p:cNvSpPr/>
+          <p:nvPr/>
+        </p:nvSpPr>
+        <p:spPr>
+          <a:xfrm>
+            <a:off x="4508715" y="1538899"/>
+            <a:ext cx="386702" cy="386702"/>
+          </a:xfrm>
+          <a:prstGeom prst="ellipse">
+            <a:avLst/>
+          </a:prstGeom>
+        </p:spPr>
+        <p:style>
+          <a:lnRef idx="2">
+            <a:schemeClr val="accent1">
+              <a:shade val="50000"/>
+            </a:schemeClr>
+          </a:lnRef>
+          <a:fillRef idx="1">
+            <a:schemeClr val="accent1"/>
+          </a:fillRef>
+          <a:effectRef idx="0">
+            <a:schemeClr val="accent1"/>
+          </a:effectRef>
+          <a:fontRef idx="minor">
+            <a:schemeClr val="lt1"/>
+          </a:fontRef>
+        </p:style>
+        <p:txBody>
+          <a:bodyPr rtlCol="0" anchor="ctr"/>
+          <a:lstStyle/>
+          <a:p>
+            <a:pPr algn="ctr"/>
+            <a:r>
+              <a:rPr lang="en-ZA" dirty="0"/>
+              <a:t>R</a:t>
+            </a:r>
+          </a:p>
+        </p:txBody>
+      </p:sp>
+      <p:sp>
+        <p:nvSpPr>
+          <p:cNvPr id="48" name="TextBox 47"/>
+          <p:cNvSpPr txBox="1"/>
+          <p:nvPr/>
+        </p:nvSpPr>
+        <p:spPr>
+          <a:xfrm>
+            <a:off x="3421784" y="1495776"/>
+            <a:ext cx="789148" cy="646331"/>
+          </a:xfrm>
+          <a:prstGeom prst="rect">
+            <a:avLst/>
+          </a:prstGeom>
+          <a:noFill/>
+        </p:spPr>
+        <p:txBody>
+          <a:bodyPr wrap="square" rtlCol="0">
+            <a:spAutoFit/>
+          </a:bodyPr>
+          <a:lstStyle/>
+          <a:p>
+            <a:r>
+              <a:rPr lang="en-ZA" dirty="0"/>
+              <a:t>South </a:t>
+            </a:r>
+          </a:p>
+          <a:p>
+            <a:r>
+              <a:rPr lang="en-ZA" dirty="0"/>
+              <a:t>Africa</a:t>
+            </a:r>
+          </a:p>
+        </p:txBody>
+      </p:sp>
+      <p:sp>
+        <p:nvSpPr>
+          <p:cNvPr id="49" name="TextBox 48"/>
+          <p:cNvSpPr txBox="1"/>
+          <p:nvPr/>
+        </p:nvSpPr>
+        <p:spPr>
+          <a:xfrm>
+            <a:off x="8205657" y="1495776"/>
+            <a:ext cx="789148" cy="369332"/>
+          </a:xfrm>
+          <a:prstGeom prst="rect">
+            <a:avLst/>
+          </a:prstGeom>
+          <a:noFill/>
+        </p:spPr>
+        <p:txBody>
+          <a:bodyPr wrap="square" rtlCol="0">
+            <a:spAutoFit/>
+          </a:bodyPr>
+          <a:lstStyle/>
+          <a:p>
+            <a:r>
+              <a:rPr lang="en-ZA" dirty="0"/>
+              <a:t>Brazil</a:t>
+            </a:r>
+          </a:p>
+        </p:txBody>
+      </p:sp>
+      <p:sp>
+        <p:nvSpPr>
+          <p:cNvPr id="50" name="TextBox 49"/>
+          <p:cNvSpPr txBox="1"/>
+          <p:nvPr/>
+        </p:nvSpPr>
+        <p:spPr>
+          <a:xfrm>
+            <a:off x="8205657" y="4173976"/>
+            <a:ext cx="789148" cy="369332"/>
+          </a:xfrm>
+          <a:prstGeom prst="rect">
+            <a:avLst/>
+          </a:prstGeom>
+          <a:noFill/>
+        </p:spPr>
+        <p:txBody>
+          <a:bodyPr wrap="square" rtlCol="0">
+            <a:spAutoFit/>
+          </a:bodyPr>
+          <a:lstStyle/>
+          <a:p>
+            <a:r>
+              <a:rPr lang="en-ZA" dirty="0"/>
+              <a:t>Russia</a:t>
+            </a:r>
+          </a:p>
+        </p:txBody>
+      </p:sp>
+      <p:sp>
+        <p:nvSpPr>
+          <p:cNvPr id="51" name="TextBox 50"/>
+          <p:cNvSpPr txBox="1"/>
+          <p:nvPr/>
+        </p:nvSpPr>
+        <p:spPr>
+          <a:xfrm>
+            <a:off x="5791798" y="5474456"/>
+            <a:ext cx="789148" cy="369332"/>
+          </a:xfrm>
+          <a:prstGeom prst="rect">
+            <a:avLst/>
+          </a:prstGeom>
+          <a:noFill/>
+        </p:spPr>
+        <p:txBody>
+          <a:bodyPr wrap="square" rtlCol="0">
+            <a:spAutoFit/>
+          </a:bodyPr>
+          <a:lstStyle/>
+          <a:p>
+            <a:r>
+              <a:rPr lang="en-ZA" dirty="0"/>
+              <a:t>India</a:t>
+            </a:r>
+          </a:p>
+        </p:txBody>
+      </p:sp>
+      <p:sp>
+        <p:nvSpPr>
+          <p:cNvPr id="52" name="TextBox 51"/>
+          <p:cNvSpPr txBox="1"/>
+          <p:nvPr/>
+        </p:nvSpPr>
+        <p:spPr>
+          <a:xfrm>
+            <a:off x="3421784" y="4173976"/>
+            <a:ext cx="789148" cy="369332"/>
+          </a:xfrm>
+          <a:prstGeom prst="rect">
+            <a:avLst/>
+          </a:prstGeom>
+          <a:noFill/>
+        </p:spPr>
+        <p:txBody>
+          <a:bodyPr wrap="square" rtlCol="0">
+            <a:spAutoFit/>
+          </a:bodyPr>
+          <a:lstStyle/>
+          <a:p>
+            <a:r>
+              <a:rPr lang="en-ZA" dirty="0"/>
+              <a:t>China</a:t>
+            </a:r>
+          </a:p>
+        </p:txBody>
+      </p:sp>
+      <p:sp>
+        <p:nvSpPr>
+          <p:cNvPr id="62" name="Arc 61"/>
+          <p:cNvSpPr/>
+          <p:nvPr/>
+        </p:nvSpPr>
+        <p:spPr>
+          <a:xfrm rot="19346748">
+            <a:off x="3976326" y="3956055"/>
+            <a:ext cx="1448608" cy="520394"/>
+          </a:xfrm>
+          <a:prstGeom prst="arc">
+            <a:avLst>
+              <a:gd name="adj1" fmla="val 16200000"/>
+              <a:gd name="adj2" fmla="val 5162385"/>
+            </a:avLst>
+          </a:prstGeom>
+          <a:ln w="38100"/>
+        </p:spPr>
+        <p:style>
+          <a:lnRef idx="1">
+            <a:schemeClr val="accent1"/>
+          </a:lnRef>
+          <a:fillRef idx="0">
+            <a:schemeClr val="accent1"/>
+          </a:fillRef>
+          <a:effectRef idx="0">
+            <a:schemeClr val="accent1"/>
+          </a:effectRef>
+          <a:fontRef idx="minor">
+            <a:schemeClr val="tx1"/>
+          </a:fontRef>
+        </p:style>
+        <p:txBody>
+          <a:bodyPr rtlCol="0" anchor="ctr"/>
+          <a:lstStyle/>
+          <a:p>
+            <a:pPr algn="ctr"/>
+            <a:endParaRPr lang="en-ZA"/>
+          </a:p>
+        </p:txBody>
+      </p:sp>
+      <p:sp>
+        <p:nvSpPr>
+          <p:cNvPr id="28" name="Arc 27"/>
+          <p:cNvSpPr/>
+          <p:nvPr/>
+        </p:nvSpPr>
+        <p:spPr>
+          <a:xfrm rot="19916648">
+            <a:off x="3685236" y="3492890"/>
+            <a:ext cx="1448608" cy="520394"/>
+          </a:xfrm>
+          <a:prstGeom prst="arc">
+            <a:avLst>
+              <a:gd name="adj1" fmla="val 16200000"/>
+              <a:gd name="adj2" fmla="val 5162385"/>
+            </a:avLst>
+          </a:prstGeom>
+          <a:ln w="38100"/>
+        </p:spPr>
+        <p:style>
+          <a:lnRef idx="1">
+            <a:schemeClr val="accent1"/>
+          </a:lnRef>
+          <a:fillRef idx="0">
+            <a:schemeClr val="accent1"/>
+          </a:fillRef>
+          <a:effectRef idx="0">
+            <a:schemeClr val="accent1"/>
+          </a:effectRef>
+          <a:fontRef idx="minor">
+            <a:schemeClr val="tx1"/>
+          </a:fontRef>
+        </p:style>
+        <p:txBody>
+          <a:bodyPr rtlCol="0" anchor="ctr"/>
+          <a:lstStyle/>
+          <a:p>
+            <a:pPr algn="ctr"/>
+            <a:endParaRPr lang="en-ZA"/>
+          </a:p>
+        </p:txBody>
+      </p:sp>
+      <p:sp>
+        <p:nvSpPr>
+          <p:cNvPr id="29" name="Arc 28"/>
+          <p:cNvSpPr/>
+          <p:nvPr/>
+        </p:nvSpPr>
+        <p:spPr>
+          <a:xfrm rot="19799759">
+            <a:off x="3992374" y="3368235"/>
+            <a:ext cx="1391754" cy="1042502"/>
+          </a:xfrm>
+          <a:prstGeom prst="arc">
+            <a:avLst>
+              <a:gd name="adj1" fmla="val 15143419"/>
+              <a:gd name="adj2" fmla="val 5162385"/>
+            </a:avLst>
+          </a:prstGeom>
+          <a:ln w="38100"/>
+        </p:spPr>
+        <p:style>
+          <a:lnRef idx="1">
+            <a:schemeClr val="accent1"/>
+          </a:lnRef>
+          <a:fillRef idx="0">
+            <a:schemeClr val="accent1"/>
+          </a:fillRef>
+          <a:effectRef idx="0">
+            <a:schemeClr val="accent1"/>
+          </a:effectRef>
+          <a:fontRef idx="minor">
+            <a:schemeClr val="tx1"/>
+          </a:fontRef>
+        </p:style>
+        <p:txBody>
+          <a:bodyPr rtlCol="0" anchor="ctr"/>
+          <a:lstStyle/>
+          <a:p>
+            <a:pPr algn="ctr"/>
+            <a:endParaRPr lang="en-ZA"/>
+          </a:p>
+        </p:txBody>
+      </p:sp>
+      <p:sp>
+        <p:nvSpPr>
+          <p:cNvPr id="57" name="TextBox 56"/>
+          <p:cNvSpPr txBox="1"/>
+          <p:nvPr/>
+        </p:nvSpPr>
+        <p:spPr>
+          <a:xfrm>
+            <a:off x="65652" y="89656"/>
+            <a:ext cx="789148" cy="369332"/>
+          </a:xfrm>
+          <a:prstGeom prst="rect">
+            <a:avLst/>
+          </a:prstGeom>
+          <a:noFill/>
+        </p:spPr>
+        <p:txBody>
+          <a:bodyPr wrap="square" rtlCol="0">
+            <a:spAutoFit/>
+          </a:bodyPr>
+          <a:lstStyle/>
+          <a:p>
+            <a:r>
+              <a:rPr lang="en-ZA" dirty="0"/>
+              <a:t>China</a:t>
+            </a:r>
+          </a:p>
+        </p:txBody>
+      </p:sp>
+      <p:pic>
+        <p:nvPicPr>
+          <p:cNvPr id="2" name="Picture 1"/>
+          <p:cNvPicPr>
+            <a:picLocks noChangeAspect="1"/>
+          </p:cNvPicPr>
+          <p:nvPr/>
+        </p:nvPicPr>
+        <p:blipFill>
+          <a:blip r:embed="rId2"/>
+          <a:stretch>
+            <a:fillRect/>
+          </a:stretch>
+        </p:blipFill>
+        <p:spPr>
+          <a:xfrm>
+            <a:off x="3076575" y="1195387"/>
+            <a:ext cx="6038850" cy="4467225"/>
+          </a:xfrm>
+          <a:prstGeom prst="rect">
+            <a:avLst/>
+          </a:prstGeom>
+        </p:spPr>
+      </p:pic>
+    </p:spTree>
+    <p:extLst>
+      <p:ext uri="{BB962C8B-B14F-4D97-AF65-F5344CB8AC3E}">
+        <p14:creationId xmlns:p14="http://schemas.microsoft.com/office/powerpoint/2010/main" val="3236759074"/>
+      </p:ext>
+    </p:extLst>
+  </p:cSld>
+  <p:clrMapOvr>
+    <a:masterClrMapping/>
+  </p:clrMapOvr>
+</p:sld>
+</file>
+
+<file path=ppt/slides/slide16.xml><?xml version="1.0" encoding="utf-8"?>
+<p:sld xmlns:a="http://schemas.openxmlformats.org/drawingml/2006/main" xmlns:r="http://schemas.openxmlformats.org/officeDocument/2006/relationships" xmlns:p="http://schemas.openxmlformats.org/presentationml/2006/main">
+  <p:cSld>
+    <p:spTree>
+      <p:nvGrpSpPr>
+        <p:cNvPr id="1" name=""/>
+        <p:cNvGrpSpPr/>
+        <p:nvPr/>
+      </p:nvGrpSpPr>
+      <p:grpSpPr>
+        <a:xfrm>
+          <a:off x="0" y="0"/>
+          <a:ext cx="0" cy="0"/>
+          <a:chOff x="0" y="0"/>
+          <a:chExt cx="0" cy="0"/>
+        </a:xfrm>
+      </p:grpSpPr>
+      <p:sp>
+        <p:nvSpPr>
+          <p:cNvPr id="31" name="Oval 30"/>
+          <p:cNvSpPr/>
+          <p:nvPr/>
+        </p:nvSpPr>
+        <p:spPr>
+          <a:xfrm>
+            <a:off x="7822757" y="3453119"/>
+            <a:ext cx="386702" cy="386702"/>
+          </a:xfrm>
+          <a:prstGeom prst="ellipse">
+            <a:avLst/>
+          </a:prstGeom>
+        </p:spPr>
+        <p:style>
+          <a:lnRef idx="2">
+            <a:schemeClr val="accent1">
+              <a:shade val="50000"/>
+            </a:schemeClr>
+          </a:lnRef>
+          <a:fillRef idx="1">
+            <a:schemeClr val="accent1"/>
+          </a:fillRef>
+          <a:effectRef idx="0">
+            <a:schemeClr val="accent1"/>
+          </a:effectRef>
+          <a:fontRef idx="minor">
+            <a:schemeClr val="lt1"/>
+          </a:fontRef>
+        </p:style>
+        <p:txBody>
+          <a:bodyPr rtlCol="0" anchor="ctr"/>
+          <a:lstStyle/>
+          <a:p>
+            <a:pPr algn="ctr"/>
+            <a:r>
+              <a:rPr lang="en-ZA" dirty="0"/>
+              <a:t>F</a:t>
+            </a:r>
+          </a:p>
+        </p:txBody>
+      </p:sp>
+      <p:sp>
+        <p:nvSpPr>
+          <p:cNvPr id="32" name="Oval 31"/>
+          <p:cNvSpPr/>
+          <p:nvPr/>
+        </p:nvSpPr>
+        <p:spPr>
+          <a:xfrm>
+            <a:off x="7642852" y="3919884"/>
+            <a:ext cx="386702" cy="386702"/>
+          </a:xfrm>
+          <a:prstGeom prst="ellipse">
+            <a:avLst/>
+          </a:prstGeom>
+        </p:spPr>
+        <p:style>
+          <a:lnRef idx="2">
+            <a:schemeClr val="accent1">
+              <a:shade val="50000"/>
+            </a:schemeClr>
+          </a:lnRef>
+          <a:fillRef idx="1">
+            <a:schemeClr val="accent1"/>
+          </a:fillRef>
+          <a:effectRef idx="0">
+            <a:schemeClr val="accent1"/>
+          </a:effectRef>
+          <a:fontRef idx="minor">
+            <a:schemeClr val="lt1"/>
+          </a:fontRef>
+        </p:style>
+        <p:txBody>
+          <a:bodyPr rtlCol="0" anchor="ctr"/>
+          <a:lstStyle/>
+          <a:p>
+            <a:pPr algn="ctr"/>
+            <a:r>
+              <a:rPr lang="en-ZA" dirty="0"/>
+              <a:t>I</a:t>
+            </a:r>
+          </a:p>
+        </p:txBody>
+      </p:sp>
+      <p:sp>
+        <p:nvSpPr>
+          <p:cNvPr id="33" name="Oval 32"/>
+          <p:cNvSpPr/>
+          <p:nvPr/>
+        </p:nvSpPr>
+        <p:spPr>
+          <a:xfrm>
+            <a:off x="7317421" y="4342657"/>
+            <a:ext cx="386702" cy="386702"/>
+          </a:xfrm>
+          <a:prstGeom prst="ellipse">
+            <a:avLst/>
+          </a:prstGeom>
+        </p:spPr>
+        <p:style>
+          <a:lnRef idx="2">
+            <a:schemeClr val="accent1">
+              <a:shade val="50000"/>
+            </a:schemeClr>
+          </a:lnRef>
+          <a:fillRef idx="1">
+            <a:schemeClr val="accent1"/>
+          </a:fillRef>
+          <a:effectRef idx="0">
+            <a:schemeClr val="accent1"/>
+          </a:effectRef>
+          <a:fontRef idx="minor">
+            <a:schemeClr val="lt1"/>
+          </a:fontRef>
+        </p:style>
+        <p:txBody>
+          <a:bodyPr rtlCol="0" anchor="ctr"/>
+          <a:lstStyle/>
+          <a:p>
+            <a:pPr algn="ctr"/>
+            <a:r>
+              <a:rPr lang="en-ZA" dirty="0"/>
+              <a:t>R</a:t>
+            </a:r>
+          </a:p>
+        </p:txBody>
+      </p:sp>
+      <p:sp>
+        <p:nvSpPr>
+          <p:cNvPr id="34" name="Oval 33"/>
+          <p:cNvSpPr/>
+          <p:nvPr/>
+        </p:nvSpPr>
+        <p:spPr>
+          <a:xfrm>
+            <a:off x="6427483" y="4847175"/>
+            <a:ext cx="386702" cy="386702"/>
+          </a:xfrm>
+          <a:prstGeom prst="ellipse">
+            <a:avLst/>
+          </a:prstGeom>
+        </p:spPr>
+        <p:style>
+          <a:lnRef idx="2">
+            <a:schemeClr val="accent1">
+              <a:shade val="50000"/>
+            </a:schemeClr>
+          </a:lnRef>
+          <a:fillRef idx="1">
+            <a:schemeClr val="accent1"/>
+          </a:fillRef>
+          <a:effectRef idx="0">
+            <a:schemeClr val="accent1"/>
+          </a:effectRef>
+          <a:fontRef idx="minor">
+            <a:schemeClr val="lt1"/>
+          </a:fontRef>
+        </p:style>
+        <p:txBody>
+          <a:bodyPr rtlCol="0" anchor="ctr"/>
+          <a:lstStyle/>
+          <a:p>
+            <a:pPr algn="ctr"/>
+            <a:r>
+              <a:rPr lang="en-ZA" dirty="0"/>
+              <a:t>F</a:t>
+            </a:r>
+          </a:p>
+        </p:txBody>
+      </p:sp>
+      <p:sp>
+        <p:nvSpPr>
+          <p:cNvPr id="35" name="Oval 34"/>
+          <p:cNvSpPr/>
+          <p:nvPr/>
+        </p:nvSpPr>
+        <p:spPr>
+          <a:xfrm>
+            <a:off x="5917230" y="4914185"/>
+            <a:ext cx="386702" cy="386702"/>
+          </a:xfrm>
+          <a:prstGeom prst="ellipse">
+            <a:avLst/>
+          </a:prstGeom>
+        </p:spPr>
+        <p:style>
+          <a:lnRef idx="2">
+            <a:schemeClr val="accent1">
+              <a:shade val="50000"/>
+            </a:schemeClr>
+          </a:lnRef>
+          <a:fillRef idx="1">
+            <a:schemeClr val="accent1"/>
+          </a:fillRef>
+          <a:effectRef idx="0">
+            <a:schemeClr val="accent1"/>
+          </a:effectRef>
+          <a:fontRef idx="minor">
+            <a:schemeClr val="lt1"/>
+          </a:fontRef>
+        </p:style>
+        <p:txBody>
+          <a:bodyPr rtlCol="0" anchor="ctr"/>
+          <a:lstStyle/>
+          <a:p>
+            <a:pPr algn="ctr"/>
+            <a:r>
+              <a:rPr lang="en-ZA" dirty="0"/>
+              <a:t>I</a:t>
+            </a:r>
+          </a:p>
+        </p:txBody>
+      </p:sp>
+      <p:sp>
+        <p:nvSpPr>
+          <p:cNvPr id="36" name="Oval 35"/>
+          <p:cNvSpPr/>
+          <p:nvPr/>
+        </p:nvSpPr>
+        <p:spPr>
+          <a:xfrm>
+            <a:off x="5410524" y="4841553"/>
+            <a:ext cx="386702" cy="386702"/>
+          </a:xfrm>
+          <a:prstGeom prst="ellipse">
+            <a:avLst/>
+          </a:prstGeom>
+        </p:spPr>
+        <p:style>
+          <a:lnRef idx="2">
+            <a:schemeClr val="accent1">
+              <a:shade val="50000"/>
+            </a:schemeClr>
+          </a:lnRef>
+          <a:fillRef idx="1">
+            <a:schemeClr val="accent1"/>
+          </a:fillRef>
+          <a:effectRef idx="0">
+            <a:schemeClr val="accent1"/>
+          </a:effectRef>
+          <a:fontRef idx="minor">
+            <a:schemeClr val="lt1"/>
+          </a:fontRef>
+        </p:style>
+        <p:txBody>
+          <a:bodyPr rtlCol="0" anchor="ctr"/>
+          <a:lstStyle/>
+          <a:p>
+            <a:pPr algn="ctr"/>
+            <a:r>
+              <a:rPr lang="en-ZA" dirty="0"/>
+              <a:t>R</a:t>
+            </a:r>
+          </a:p>
+        </p:txBody>
+      </p:sp>
+      <p:sp>
+        <p:nvSpPr>
+          <p:cNvPr id="37" name="Oval 36"/>
+          <p:cNvSpPr/>
+          <p:nvPr/>
+        </p:nvSpPr>
+        <p:spPr>
+          <a:xfrm>
+            <a:off x="7855662" y="2476779"/>
+            <a:ext cx="386702" cy="386702"/>
+          </a:xfrm>
+          <a:prstGeom prst="ellipse">
+            <a:avLst/>
+          </a:prstGeom>
+        </p:spPr>
+        <p:style>
+          <a:lnRef idx="2">
+            <a:schemeClr val="accent1">
+              <a:shade val="50000"/>
+            </a:schemeClr>
+          </a:lnRef>
+          <a:fillRef idx="1">
+            <a:schemeClr val="accent1"/>
+          </a:fillRef>
+          <a:effectRef idx="0">
+            <a:schemeClr val="accent1"/>
+          </a:effectRef>
+          <a:fontRef idx="minor">
+            <a:schemeClr val="lt1"/>
+          </a:fontRef>
+        </p:style>
+        <p:txBody>
+          <a:bodyPr rtlCol="0" anchor="ctr"/>
+          <a:lstStyle/>
+          <a:p>
+            <a:pPr algn="ctr"/>
+            <a:r>
+              <a:rPr lang="en-ZA" dirty="0"/>
+              <a:t>R</a:t>
+            </a:r>
+          </a:p>
+        </p:txBody>
+      </p:sp>
+      <p:sp>
+        <p:nvSpPr>
+          <p:cNvPr id="38" name="Oval 37"/>
+          <p:cNvSpPr/>
+          <p:nvPr/>
+        </p:nvSpPr>
+        <p:spPr>
+          <a:xfrm>
+            <a:off x="7671591" y="1967626"/>
+            <a:ext cx="386702" cy="386702"/>
+          </a:xfrm>
+          <a:prstGeom prst="ellipse">
+            <a:avLst/>
+          </a:prstGeom>
+        </p:spPr>
+        <p:style>
+          <a:lnRef idx="2">
+            <a:schemeClr val="accent1">
+              <a:shade val="50000"/>
+            </a:schemeClr>
+          </a:lnRef>
+          <a:fillRef idx="1">
+            <a:schemeClr val="accent1"/>
+          </a:fillRef>
+          <a:effectRef idx="0">
+            <a:schemeClr val="accent1"/>
+          </a:effectRef>
+          <a:fontRef idx="minor">
+            <a:schemeClr val="lt1"/>
+          </a:fontRef>
+        </p:style>
+        <p:txBody>
+          <a:bodyPr rtlCol="0" anchor="ctr"/>
+          <a:lstStyle/>
+          <a:p>
+            <a:pPr algn="ctr"/>
+            <a:r>
+              <a:rPr lang="en-ZA" dirty="0"/>
+              <a:t>I</a:t>
+            </a:r>
+          </a:p>
+        </p:txBody>
+      </p:sp>
+      <p:sp>
+        <p:nvSpPr>
+          <p:cNvPr id="39" name="Oval 38"/>
+          <p:cNvSpPr/>
+          <p:nvPr/>
+        </p:nvSpPr>
+        <p:spPr>
+          <a:xfrm>
+            <a:off x="7329249" y="1520728"/>
+            <a:ext cx="386702" cy="386702"/>
+          </a:xfrm>
+          <a:prstGeom prst="ellipse">
+            <a:avLst/>
+          </a:prstGeom>
+        </p:spPr>
+        <p:style>
+          <a:lnRef idx="2">
+            <a:schemeClr val="accent1">
+              <a:shade val="50000"/>
+            </a:schemeClr>
+          </a:lnRef>
+          <a:fillRef idx="1">
+            <a:schemeClr val="accent1"/>
+          </a:fillRef>
+          <a:effectRef idx="0">
+            <a:schemeClr val="accent1"/>
+          </a:effectRef>
+          <a:fontRef idx="minor">
+            <a:schemeClr val="lt1"/>
+          </a:fontRef>
+        </p:style>
+        <p:txBody>
+          <a:bodyPr rtlCol="0" anchor="ctr"/>
+          <a:lstStyle/>
+          <a:p>
+            <a:pPr algn="ctr"/>
+            <a:r>
+              <a:rPr lang="en-ZA" dirty="0"/>
+              <a:t>F</a:t>
+            </a:r>
+          </a:p>
+        </p:txBody>
+      </p:sp>
+      <p:sp>
+        <p:nvSpPr>
+          <p:cNvPr id="40" name="Oval 39"/>
+          <p:cNvSpPr/>
+          <p:nvPr/>
+        </p:nvSpPr>
+        <p:spPr>
+          <a:xfrm>
+            <a:off x="4534862" y="4331311"/>
+            <a:ext cx="386702" cy="386702"/>
+          </a:xfrm>
+          <a:prstGeom prst="ellipse">
+            <a:avLst/>
+          </a:prstGeom>
+        </p:spPr>
+        <p:style>
+          <a:lnRef idx="2">
+            <a:schemeClr val="accent1">
+              <a:shade val="50000"/>
+            </a:schemeClr>
+          </a:lnRef>
+          <a:fillRef idx="1">
+            <a:schemeClr val="accent1"/>
+          </a:fillRef>
+          <a:effectRef idx="0">
+            <a:schemeClr val="accent1"/>
+          </a:effectRef>
+          <a:fontRef idx="minor">
+            <a:schemeClr val="lt1"/>
+          </a:fontRef>
+        </p:style>
+        <p:txBody>
+          <a:bodyPr rtlCol="0" anchor="ctr"/>
+          <a:lstStyle/>
+          <a:p>
+            <a:pPr algn="ctr"/>
+            <a:r>
+              <a:rPr lang="en-ZA" dirty="0"/>
+              <a:t>F</a:t>
+            </a:r>
+          </a:p>
+        </p:txBody>
+      </p:sp>
+      <p:sp>
+        <p:nvSpPr>
+          <p:cNvPr id="41" name="Oval 40"/>
+          <p:cNvSpPr/>
+          <p:nvPr/>
+        </p:nvSpPr>
+        <p:spPr>
+          <a:xfrm>
+            <a:off x="4217449" y="3915623"/>
+            <a:ext cx="386702" cy="386702"/>
+          </a:xfrm>
+          <a:prstGeom prst="ellipse">
+            <a:avLst/>
+          </a:prstGeom>
+        </p:spPr>
+        <p:style>
+          <a:lnRef idx="2">
+            <a:schemeClr val="accent1">
+              <a:shade val="50000"/>
+            </a:schemeClr>
+          </a:lnRef>
+          <a:fillRef idx="1">
+            <a:schemeClr val="accent1"/>
+          </a:fillRef>
+          <a:effectRef idx="0">
+            <a:schemeClr val="accent1"/>
+          </a:effectRef>
+          <a:fontRef idx="minor">
+            <a:schemeClr val="lt1"/>
+          </a:fontRef>
+        </p:style>
+        <p:txBody>
+          <a:bodyPr rtlCol="0" anchor="ctr"/>
+          <a:lstStyle/>
+          <a:p>
+            <a:pPr algn="ctr"/>
+            <a:r>
+              <a:rPr lang="en-ZA" dirty="0"/>
+              <a:t>I</a:t>
+            </a:r>
+          </a:p>
+        </p:txBody>
+      </p:sp>
+      <p:sp>
+        <p:nvSpPr>
+          <p:cNvPr id="42" name="Oval 41"/>
+          <p:cNvSpPr/>
+          <p:nvPr/>
+        </p:nvSpPr>
+        <p:spPr>
+          <a:xfrm>
+            <a:off x="4017581" y="3398260"/>
+            <a:ext cx="386702" cy="386702"/>
+          </a:xfrm>
+          <a:prstGeom prst="ellipse">
+            <a:avLst/>
+          </a:prstGeom>
+        </p:spPr>
+        <p:style>
+          <a:lnRef idx="2">
+            <a:schemeClr val="accent1">
+              <a:shade val="50000"/>
+            </a:schemeClr>
+          </a:lnRef>
+          <a:fillRef idx="1">
+            <a:schemeClr val="accent1"/>
+          </a:fillRef>
+          <a:effectRef idx="0">
+            <a:schemeClr val="accent1"/>
+          </a:effectRef>
+          <a:fontRef idx="minor">
+            <a:schemeClr val="lt1"/>
+          </a:fontRef>
+        </p:style>
+        <p:txBody>
+          <a:bodyPr rtlCol="0" anchor="ctr"/>
+          <a:lstStyle/>
+          <a:p>
+            <a:pPr algn="ctr"/>
+            <a:r>
+              <a:rPr lang="en-ZA" dirty="0"/>
+              <a:t>R</a:t>
+            </a:r>
+          </a:p>
+        </p:txBody>
+      </p:sp>
+      <p:sp>
+        <p:nvSpPr>
+          <p:cNvPr id="43" name="Oval 42"/>
+          <p:cNvSpPr/>
+          <p:nvPr/>
+        </p:nvSpPr>
+        <p:spPr>
+          <a:xfrm>
+            <a:off x="4019140" y="2430607"/>
+            <a:ext cx="386702" cy="386702"/>
+          </a:xfrm>
+          <a:prstGeom prst="ellipse">
+            <a:avLst/>
+          </a:prstGeom>
+        </p:spPr>
+        <p:style>
+          <a:lnRef idx="2">
+            <a:schemeClr val="accent1">
+              <a:shade val="50000"/>
+            </a:schemeClr>
+          </a:lnRef>
+          <a:fillRef idx="1">
+            <a:schemeClr val="accent1"/>
+          </a:fillRef>
+          <a:effectRef idx="0">
+            <a:schemeClr val="accent1"/>
+          </a:effectRef>
+          <a:fontRef idx="minor">
+            <a:schemeClr val="lt1"/>
+          </a:fontRef>
+        </p:style>
+        <p:txBody>
+          <a:bodyPr rtlCol="0" anchor="ctr"/>
+          <a:lstStyle/>
+          <a:p>
+            <a:pPr algn="ctr"/>
+            <a:r>
+              <a:rPr lang="en-ZA" dirty="0"/>
+              <a:t>F</a:t>
+            </a:r>
+          </a:p>
+        </p:txBody>
+      </p:sp>
+      <p:sp>
+        <p:nvSpPr>
+          <p:cNvPr id="44" name="Oval 43"/>
+          <p:cNvSpPr/>
+          <p:nvPr/>
+        </p:nvSpPr>
+        <p:spPr>
+          <a:xfrm>
+            <a:off x="4227480" y="1954177"/>
+            <a:ext cx="386702" cy="386702"/>
+          </a:xfrm>
+          <a:prstGeom prst="ellipse">
+            <a:avLst/>
+          </a:prstGeom>
+        </p:spPr>
+        <p:style>
+          <a:lnRef idx="2">
+            <a:schemeClr val="accent1">
+              <a:shade val="50000"/>
+            </a:schemeClr>
+          </a:lnRef>
+          <a:fillRef idx="1">
+            <a:schemeClr val="accent1"/>
+          </a:fillRef>
+          <a:effectRef idx="0">
+            <a:schemeClr val="accent1"/>
+          </a:effectRef>
+          <a:fontRef idx="minor">
+            <a:schemeClr val="lt1"/>
+          </a:fontRef>
+        </p:style>
+        <p:txBody>
+          <a:bodyPr rtlCol="0" anchor="ctr"/>
+          <a:lstStyle/>
+          <a:p>
+            <a:pPr algn="ctr"/>
+            <a:r>
+              <a:rPr lang="en-ZA" dirty="0"/>
+              <a:t>I</a:t>
+            </a:r>
+          </a:p>
+        </p:txBody>
+      </p:sp>
+      <p:sp>
+        <p:nvSpPr>
+          <p:cNvPr id="45" name="Oval 44"/>
+          <p:cNvSpPr/>
+          <p:nvPr/>
+        </p:nvSpPr>
+        <p:spPr>
+          <a:xfrm>
+            <a:off x="4508715" y="1538899"/>
+            <a:ext cx="386702" cy="386702"/>
+          </a:xfrm>
+          <a:prstGeom prst="ellipse">
+            <a:avLst/>
+          </a:prstGeom>
+        </p:spPr>
+        <p:style>
+          <a:lnRef idx="2">
+            <a:schemeClr val="accent1">
+              <a:shade val="50000"/>
+            </a:schemeClr>
+          </a:lnRef>
+          <a:fillRef idx="1">
+            <a:schemeClr val="accent1"/>
+          </a:fillRef>
+          <a:effectRef idx="0">
+            <a:schemeClr val="accent1"/>
+          </a:effectRef>
+          <a:fontRef idx="minor">
+            <a:schemeClr val="lt1"/>
+          </a:fontRef>
+        </p:style>
+        <p:txBody>
+          <a:bodyPr rtlCol="0" anchor="ctr"/>
+          <a:lstStyle/>
+          <a:p>
+            <a:pPr algn="ctr"/>
+            <a:r>
+              <a:rPr lang="en-ZA" dirty="0"/>
+              <a:t>R</a:t>
+            </a:r>
+          </a:p>
+        </p:txBody>
+      </p:sp>
+      <p:sp>
+        <p:nvSpPr>
+          <p:cNvPr id="48" name="TextBox 47"/>
+          <p:cNvSpPr txBox="1"/>
+          <p:nvPr/>
+        </p:nvSpPr>
+        <p:spPr>
+          <a:xfrm>
+            <a:off x="3421784" y="1495776"/>
+            <a:ext cx="789148" cy="646331"/>
+          </a:xfrm>
+          <a:prstGeom prst="rect">
+            <a:avLst/>
+          </a:prstGeom>
+          <a:noFill/>
+        </p:spPr>
+        <p:txBody>
+          <a:bodyPr wrap="square" rtlCol="0">
+            <a:spAutoFit/>
+          </a:bodyPr>
+          <a:lstStyle/>
+          <a:p>
+            <a:r>
+              <a:rPr lang="en-ZA" dirty="0"/>
+              <a:t>South </a:t>
+            </a:r>
+          </a:p>
+          <a:p>
+            <a:r>
+              <a:rPr lang="en-ZA" dirty="0"/>
+              <a:t>Africa</a:t>
+            </a:r>
+          </a:p>
+        </p:txBody>
+      </p:sp>
+      <p:sp>
+        <p:nvSpPr>
+          <p:cNvPr id="49" name="TextBox 48"/>
+          <p:cNvSpPr txBox="1"/>
+          <p:nvPr/>
+        </p:nvSpPr>
+        <p:spPr>
+          <a:xfrm>
+            <a:off x="8205657" y="1495776"/>
+            <a:ext cx="789148" cy="369332"/>
+          </a:xfrm>
+          <a:prstGeom prst="rect">
+            <a:avLst/>
+          </a:prstGeom>
+          <a:noFill/>
+        </p:spPr>
+        <p:txBody>
+          <a:bodyPr wrap="square" rtlCol="0">
+            <a:spAutoFit/>
+          </a:bodyPr>
+          <a:lstStyle/>
+          <a:p>
+            <a:r>
+              <a:rPr lang="en-ZA" dirty="0"/>
+              <a:t>Brazil</a:t>
+            </a:r>
+          </a:p>
+        </p:txBody>
+      </p:sp>
+      <p:sp>
+        <p:nvSpPr>
+          <p:cNvPr id="50" name="TextBox 49"/>
+          <p:cNvSpPr txBox="1"/>
+          <p:nvPr/>
+        </p:nvSpPr>
+        <p:spPr>
+          <a:xfrm>
+            <a:off x="8205657" y="4173976"/>
+            <a:ext cx="789148" cy="369332"/>
+          </a:xfrm>
+          <a:prstGeom prst="rect">
+            <a:avLst/>
+          </a:prstGeom>
+          <a:noFill/>
+        </p:spPr>
+        <p:txBody>
+          <a:bodyPr wrap="square" rtlCol="0">
+            <a:spAutoFit/>
+          </a:bodyPr>
+          <a:lstStyle/>
+          <a:p>
+            <a:r>
+              <a:rPr lang="en-ZA" dirty="0"/>
+              <a:t>Russia</a:t>
+            </a:r>
+          </a:p>
+        </p:txBody>
+      </p:sp>
+      <p:sp>
+        <p:nvSpPr>
+          <p:cNvPr id="51" name="TextBox 50"/>
+          <p:cNvSpPr txBox="1"/>
+          <p:nvPr/>
+        </p:nvSpPr>
+        <p:spPr>
+          <a:xfrm>
+            <a:off x="5791798" y="5474456"/>
+            <a:ext cx="789148" cy="369332"/>
+          </a:xfrm>
+          <a:prstGeom prst="rect">
+            <a:avLst/>
+          </a:prstGeom>
+          <a:noFill/>
+        </p:spPr>
+        <p:txBody>
+          <a:bodyPr wrap="square" rtlCol="0">
+            <a:spAutoFit/>
+          </a:bodyPr>
+          <a:lstStyle/>
+          <a:p>
+            <a:r>
+              <a:rPr lang="en-ZA" dirty="0"/>
+              <a:t>India</a:t>
+            </a:r>
+          </a:p>
+        </p:txBody>
+      </p:sp>
+      <p:sp>
+        <p:nvSpPr>
+          <p:cNvPr id="52" name="TextBox 51"/>
+          <p:cNvSpPr txBox="1"/>
+          <p:nvPr/>
+        </p:nvSpPr>
+        <p:spPr>
+          <a:xfrm>
+            <a:off x="3421784" y="4173976"/>
+            <a:ext cx="789148" cy="369332"/>
+          </a:xfrm>
+          <a:prstGeom prst="rect">
+            <a:avLst/>
+          </a:prstGeom>
+          <a:noFill/>
+        </p:spPr>
+        <p:txBody>
+          <a:bodyPr wrap="square" rtlCol="0">
+            <a:spAutoFit/>
+          </a:bodyPr>
+          <a:lstStyle/>
+          <a:p>
+            <a:r>
+              <a:rPr lang="en-ZA" dirty="0"/>
+              <a:t>China</a:t>
+            </a:r>
+          </a:p>
+        </p:txBody>
+      </p:sp>
+    </p:spTree>
+    <p:extLst>
+      <p:ext uri="{BB962C8B-B14F-4D97-AF65-F5344CB8AC3E}">
+        <p14:creationId xmlns:p14="http://schemas.microsoft.com/office/powerpoint/2010/main" val="4180149907"/>
+      </p:ext>
+    </p:extLst>
+  </p:cSld>
+  <p:clrMapOvr>
+    <a:masterClrMapping/>
+  </p:clrMapOvr>
+</p:sld>
+</file>
+
 <file path=ppt/slides/slide2.xml><?xml version="1.0" encoding="utf-8"?>
 <p:sld xmlns:a="http://schemas.openxmlformats.org/drawingml/2006/main" xmlns:r="http://schemas.openxmlformats.org/officeDocument/2006/relationships" xmlns:p="http://schemas.openxmlformats.org/presentationml/2006/main">
   <p:cSld>
@@ -18787,6 +25320,21 @@
 </file>
 
 <file path=customXml/item1.xml><?xml version="1.0" encoding="utf-8"?>
+<p:properties xmlns:p="http://schemas.microsoft.com/office/2006/metadata/properties" xmlns:xsi="http://www.w3.org/2001/XMLSchema-instance" xmlns:pc="http://schemas.microsoft.com/office/infopath/2007/PartnerControls">
+  <documentManagement/>
+</p:properties>
+</file>
+
+<file path=customXml/item2.xml><?xml version="1.0" encoding="utf-8"?>
+<?mso-contentType ?>
+<FormTemplates xmlns="http://schemas.microsoft.com/sharepoint/v3/contenttype/forms">
+  <Display>DocumentLibraryForm</Display>
+  <Edit>DocumentLibraryForm</Edit>
+  <New>DocumentLibraryForm</New>
+</FormTemplates>
+</file>
+
+<file path=customXml/item3.xml><?xml version="1.0" encoding="utf-8"?>
 <ct:contentTypeSchema xmlns:ct="http://schemas.microsoft.com/office/2006/metadata/contentType" xmlns:ma="http://schemas.microsoft.com/office/2006/metadata/properties/metaAttributes" ct:_="" ma:_="" ma:contentTypeName="Document" ma:contentTypeID="0x01010055C2AA823C17984C8ADF62093675D64B" ma:contentTypeVersion="11" ma:contentTypeDescription="Create a new document." ma:contentTypeScope="" ma:versionID="00813a1495b23b703064cbffcb462d85">
   <xsd:schema xmlns:xsd="http://www.w3.org/2001/XMLSchema" xmlns:xs="http://www.w3.org/2001/XMLSchema" xmlns:p="http://schemas.microsoft.com/office/2006/metadata/properties" xmlns:ns3="dfa74b7b-7cb8-4abf-8f1e-f63658358ce5" xmlns:ns4="b59e1c3a-d564-401c-a8a8-6e4a6ddbaa60" targetNamespace="http://schemas.microsoft.com/office/2006/metadata/properties" ma:root="true" ma:fieldsID="e22df67a5135e3ad97a3c82e601d703c" ns3:_="" ns4:_="">
     <xsd:import namespace="dfa74b7b-7cb8-4abf-8f1e-f63658358ce5"/>
@@ -18995,22 +25543,32 @@
 </ct:contentTypeSchema>
 </file>
 
-<file path=customXml/item2.xml><?xml version="1.0" encoding="utf-8"?>
-<?mso-contentType ?>
-<FormTemplates xmlns="http://schemas.microsoft.com/sharepoint/v3/contenttype/forms">
-  <Display>DocumentLibraryForm</Display>
-  <Edit>DocumentLibraryForm</Edit>
-  <New>DocumentLibraryForm</New>
-</FormTemplates>
+<file path=customXml/itemProps1.xml><?xml version="1.0" encoding="utf-8"?>
+<ds:datastoreItem xmlns:ds="http://schemas.openxmlformats.org/officeDocument/2006/customXml" ds:itemID="{D71351FE-18CF-43AA-B885-475EEC9E056B}">
+  <ds:schemaRefs>
+    <ds:schemaRef ds:uri="http://schemas.microsoft.com/office/2006/documentManagement/types"/>
+    <ds:schemaRef ds:uri="http://purl.org/dc/terms/"/>
+    <ds:schemaRef ds:uri="http://purl.org/dc/elements/1.1/"/>
+    <ds:schemaRef ds:uri="http://purl.org/dc/dcmitype/"/>
+    <ds:schemaRef ds:uri="http://www.w3.org/XML/1998/namespace"/>
+    <ds:schemaRef ds:uri="http://schemas.openxmlformats.org/package/2006/metadata/core-properties"/>
+    <ds:schemaRef ds:uri="http://schemas.microsoft.com/office/2006/metadata/properties"/>
+    <ds:schemaRef ds:uri="dfa74b7b-7cb8-4abf-8f1e-f63658358ce5"/>
+    <ds:schemaRef ds:uri="http://schemas.microsoft.com/office/infopath/2007/PartnerControls"/>
+    <ds:schemaRef ds:uri="b59e1c3a-d564-401c-a8a8-6e4a6ddbaa60"/>
+  </ds:schemaRefs>
+</ds:datastoreItem>
 </file>
 
-<file path=customXml/item3.xml><?xml version="1.0" encoding="utf-8"?>
-<p:properties xmlns:p="http://schemas.microsoft.com/office/2006/metadata/properties" xmlns:xsi="http://www.w3.org/2001/XMLSchema-instance" xmlns:pc="http://schemas.microsoft.com/office/infopath/2007/PartnerControls">
-  <documentManagement/>
-</p:properties>
+<file path=customXml/itemProps2.xml><?xml version="1.0" encoding="utf-8"?>
+<ds:datastoreItem xmlns:ds="http://schemas.openxmlformats.org/officeDocument/2006/customXml" ds:itemID="{2297A4DD-AAA1-432E-99BD-B014CD18BCCD}">
+  <ds:schemaRefs>
+    <ds:schemaRef ds:uri="http://schemas.microsoft.com/sharepoint/v3/contenttype/forms"/>
+  </ds:schemaRefs>
+</ds:datastoreItem>
 </file>
 
-<file path=customXml/itemProps1.xml><?xml version="1.0" encoding="utf-8"?>
+<file path=customXml/itemProps3.xml><?xml version="1.0" encoding="utf-8"?>
 <ds:datastoreItem xmlns:ds="http://schemas.openxmlformats.org/officeDocument/2006/customXml" ds:itemID="{F1D16A5D-E259-4CCD-9FB0-8B94F293BA27}">
   <ds:schemaRefs>
     <ds:schemaRef ds:uri="http://schemas.microsoft.com/office/2006/metadata/contentType"/>
@@ -19027,29 +25585,4 @@
     <ds:schemaRef ds:uri="http://schemas.microsoft.com/internal/obd"/>
   </ds:schemaRefs>
 </ds:datastoreItem>
-</file>
-
-<file path=customXml/itemProps2.xml><?xml version="1.0" encoding="utf-8"?>
-<ds:datastoreItem xmlns:ds="http://schemas.openxmlformats.org/officeDocument/2006/customXml" ds:itemID="{2297A4DD-AAA1-432E-99BD-B014CD18BCCD}">
-  <ds:schemaRefs>
-    <ds:schemaRef ds:uri="http://schemas.microsoft.com/sharepoint/v3/contenttype/forms"/>
-  </ds:schemaRefs>
-</ds:datastoreItem>
-</file>
-
-<file path=customXml/itemProps3.xml><?xml version="1.0" encoding="utf-8"?>
-<ds:datastoreItem xmlns:ds="http://schemas.openxmlformats.org/officeDocument/2006/customXml" ds:itemID="{D71351FE-18CF-43AA-B885-475EEC9E056B}">
-  <ds:schemaRefs>
-    <ds:schemaRef ds:uri="http://schemas.microsoft.com/office/2006/documentManagement/types"/>
-    <ds:schemaRef ds:uri="http://purl.org/dc/terms/"/>
-    <ds:schemaRef ds:uri="http://purl.org/dc/elements/1.1/"/>
-    <ds:schemaRef ds:uri="http://purl.org/dc/dcmitype/"/>
-    <ds:schemaRef ds:uri="http://www.w3.org/XML/1998/namespace"/>
-    <ds:schemaRef ds:uri="http://schemas.openxmlformats.org/package/2006/metadata/core-properties"/>
-    <ds:schemaRef ds:uri="http://schemas.microsoft.com/office/2006/metadata/properties"/>
-    <ds:schemaRef ds:uri="dfa74b7b-7cb8-4abf-8f1e-f63658358ce5"/>
-    <ds:schemaRef ds:uri="http://schemas.microsoft.com/office/infopath/2007/PartnerControls"/>
-    <ds:schemaRef ds:uri="b59e1c3a-d564-401c-a8a8-6e4a6ddbaa60"/>
-  </ds:schemaRefs>
-</ds:datastoreItem>
 </file>